--- a/Application Design/Scope Fixation.pptx
+++ b/Application Design/Scope Fixation.pptx
@@ -1,44 +1,47 @@
 
 <file path=ppt/presentation.xml><?xml version="1.0" encoding="utf-8"?>
-<p:presentation xmlns:a="http://schemas.openxmlformats.org/drawingml/2006/main" xmlns:r="http://schemas.openxmlformats.org/officeDocument/2006/relationships" xmlns:mc="http://schemas.openxmlformats.org/markup-compatibility/2006" xmlns:mv="urn:schemas-microsoft-com:mac:vml" xmlns:p="http://schemas.openxmlformats.org/presentationml/2006/main" xmlns:c="http://schemas.openxmlformats.org/drawingml/2006/chart" xmlns:dgm="http://schemas.openxmlformats.org/drawingml/2006/diagram" xmlns:o="urn:schemas-microsoft-com:office:office" xmlns:v="urn:schemas-microsoft-com:vml" xmlns:pvml="urn:schemas-microsoft-com:office:powerpoint" xmlns:com="http://schemas.openxmlformats.org/drawingml/2006/compatibility" xmlns:p14="http://schemas.microsoft.com/office/powerpoint/2010/main" xmlns:p15="http://schemas.microsoft.com/office/powerpoint/2012/main" xmlns:ahyp="http://schemas.microsoft.com/office/drawing/2018/hyperlinkcolor" autoCompressPictures="0" embedTrueTypeFonts="1" strictFirstAndLastChars="0" saveSubsetFonts="1">
+<p:presentation xmlns:a="http://schemas.openxmlformats.org/drawingml/2006/main" xmlns:r="http://schemas.openxmlformats.org/officeDocument/2006/relationships" xmlns:p="http://schemas.openxmlformats.org/presentationml/2006/main" strictFirstAndLastChars="0" embedTrueTypeFonts="1" saveSubsetFonts="1" autoCompressPictures="0">
   <p:sldMasterIdLst>
-    <p:sldMasterId id="2147483659" r:id="rId4"/>
+    <p:sldMasterId id="2147483659" r:id="rId1"/>
   </p:sldMasterIdLst>
   <p:notesMasterIdLst>
-    <p:notesMasterId r:id="rId5"/>
+    <p:notesMasterId r:id="rId13"/>
   </p:notesMasterIdLst>
   <p:sldIdLst>
-    <p:sldId id="256" r:id="rId6"/>
-    <p:sldId id="257" r:id="rId7"/>
-    <p:sldId id="258" r:id="rId8"/>
-    <p:sldId id="259" r:id="rId9"/>
-    <p:sldId id="260" r:id="rId10"/>
-    <p:sldId id="261" r:id="rId11"/>
-    <p:sldId id="262" r:id="rId12"/>
-    <p:sldId id="263" r:id="rId13"/>
+    <p:sldId id="256" r:id="rId2"/>
+    <p:sldId id="257" r:id="rId3"/>
+    <p:sldId id="258" r:id="rId4"/>
+    <p:sldId id="264" r:id="rId5"/>
+    <p:sldId id="259" r:id="rId6"/>
+    <p:sldId id="265" r:id="rId7"/>
+    <p:sldId id="260" r:id="rId8"/>
+    <p:sldId id="266" r:id="rId9"/>
+    <p:sldId id="261" r:id="rId10"/>
+    <p:sldId id="262" r:id="rId11"/>
+    <p:sldId id="263" r:id="rId12"/>
   </p:sldIdLst>
-  <p:sldSz cy="5143500" cx="9144000"/>
+  <p:sldSz cx="9144000" cy="5143500" type="screen16x9"/>
   <p:notesSz cx="6858000" cy="9144000"/>
   <p:embeddedFontLst>
     <p:embeddedFont>
-      <p:font typeface="Roboto"/>
+      <p:font typeface="Average" panose="020B0604020202020204" charset="0"/>
       <p:regular r:id="rId14"/>
-      <p:bold r:id="rId15"/>
-      <p:italic r:id="rId16"/>
-      <p:boldItalic r:id="rId17"/>
     </p:embeddedFont>
     <p:embeddedFont>
-      <p:font typeface="Average"/>
-      <p:regular r:id="rId18"/>
+      <p:font typeface="Oswald" panose="00000500000000000000" pitchFamily="2" charset="0"/>
+      <p:regular r:id="rId15"/>
+      <p:bold r:id="rId16"/>
     </p:embeddedFont>
     <p:embeddedFont>
-      <p:font typeface="Oswald"/>
-      <p:regular r:id="rId19"/>
-      <p:bold r:id="rId20"/>
+      <p:font typeface="Roboto" panose="02000000000000000000" pitchFamily="2" charset="0"/>
+      <p:regular r:id="rId17"/>
+      <p:bold r:id="rId18"/>
+      <p:italic r:id="rId19"/>
+      <p:boldItalic r:id="rId20"/>
     </p:embeddedFont>
   </p:embeddedFontLst>
   <p:defaultTextStyle>
-    <a:defPPr lvl="0" marR="0" rtl="0" algn="l">
+    <a:defPPr marR="0" lvl="0" algn="l" rtl="0">
       <a:lnSpc>
         <a:spcPct val="100000"/>
       </a:lnSpc>
@@ -49,7 +52,7 @@
         <a:spcPts val="0"/>
       </a:spcAft>
     </a:defPPr>
-    <a:lvl1pPr lvl="0" marR="0" rtl="0" algn="l">
+    <a:lvl1pPr marR="0" lvl="0" algn="l" rtl="0">
       <a:lnSpc>
         <a:spcPct val="100000"/>
       </a:lnSpc>
@@ -63,7 +66,7 @@
         <a:srgbClr val="000000"/>
       </a:buClr>
       <a:buFont typeface="Arial"/>
-      <a:defRPr b="0" i="0" sz="1400" u="none" cap="none" strike="noStrike">
+      <a:defRPr sz="1400" b="0" i="0" u="none" strike="noStrike" cap="none">
         <a:solidFill>
           <a:srgbClr val="000000"/>
         </a:solidFill>
@@ -73,7 +76,7 @@
         <a:sym typeface="Arial"/>
       </a:defRPr>
     </a:lvl1pPr>
-    <a:lvl2pPr lvl="1" marR="0" rtl="0" algn="l">
+    <a:lvl2pPr marR="0" lvl="1" algn="l" rtl="0">
       <a:lnSpc>
         <a:spcPct val="100000"/>
       </a:lnSpc>
@@ -87,7 +90,7 @@
         <a:srgbClr val="000000"/>
       </a:buClr>
       <a:buFont typeface="Arial"/>
-      <a:defRPr b="0" i="0" sz="1400" u="none" cap="none" strike="noStrike">
+      <a:defRPr sz="1400" b="0" i="0" u="none" strike="noStrike" cap="none">
         <a:solidFill>
           <a:srgbClr val="000000"/>
         </a:solidFill>
@@ -97,7 +100,7 @@
         <a:sym typeface="Arial"/>
       </a:defRPr>
     </a:lvl2pPr>
-    <a:lvl3pPr lvl="2" marR="0" rtl="0" algn="l">
+    <a:lvl3pPr marR="0" lvl="2" algn="l" rtl="0">
       <a:lnSpc>
         <a:spcPct val="100000"/>
       </a:lnSpc>
@@ -111,7 +114,7 @@
         <a:srgbClr val="000000"/>
       </a:buClr>
       <a:buFont typeface="Arial"/>
-      <a:defRPr b="0" i="0" sz="1400" u="none" cap="none" strike="noStrike">
+      <a:defRPr sz="1400" b="0" i="0" u="none" strike="noStrike" cap="none">
         <a:solidFill>
           <a:srgbClr val="000000"/>
         </a:solidFill>
@@ -121,7 +124,7 @@
         <a:sym typeface="Arial"/>
       </a:defRPr>
     </a:lvl3pPr>
-    <a:lvl4pPr lvl="3" marR="0" rtl="0" algn="l">
+    <a:lvl4pPr marR="0" lvl="3" algn="l" rtl="0">
       <a:lnSpc>
         <a:spcPct val="100000"/>
       </a:lnSpc>
@@ -135,7 +138,7 @@
         <a:srgbClr val="000000"/>
       </a:buClr>
       <a:buFont typeface="Arial"/>
-      <a:defRPr b="0" i="0" sz="1400" u="none" cap="none" strike="noStrike">
+      <a:defRPr sz="1400" b="0" i="0" u="none" strike="noStrike" cap="none">
         <a:solidFill>
           <a:srgbClr val="000000"/>
         </a:solidFill>
@@ -145,7 +148,7 @@
         <a:sym typeface="Arial"/>
       </a:defRPr>
     </a:lvl4pPr>
-    <a:lvl5pPr lvl="4" marR="0" rtl="0" algn="l">
+    <a:lvl5pPr marR="0" lvl="4" algn="l" rtl="0">
       <a:lnSpc>
         <a:spcPct val="100000"/>
       </a:lnSpc>
@@ -159,7 +162,7 @@
         <a:srgbClr val="000000"/>
       </a:buClr>
       <a:buFont typeface="Arial"/>
-      <a:defRPr b="0" i="0" sz="1400" u="none" cap="none" strike="noStrike">
+      <a:defRPr sz="1400" b="0" i="0" u="none" strike="noStrike" cap="none">
         <a:solidFill>
           <a:srgbClr val="000000"/>
         </a:solidFill>
@@ -169,7 +172,7 @@
         <a:sym typeface="Arial"/>
       </a:defRPr>
     </a:lvl5pPr>
-    <a:lvl6pPr lvl="5" marR="0" rtl="0" algn="l">
+    <a:lvl6pPr marR="0" lvl="5" algn="l" rtl="0">
       <a:lnSpc>
         <a:spcPct val="100000"/>
       </a:lnSpc>
@@ -183,7 +186,7 @@
         <a:srgbClr val="000000"/>
       </a:buClr>
       <a:buFont typeface="Arial"/>
-      <a:defRPr b="0" i="0" sz="1400" u="none" cap="none" strike="noStrike">
+      <a:defRPr sz="1400" b="0" i="0" u="none" strike="noStrike" cap="none">
         <a:solidFill>
           <a:srgbClr val="000000"/>
         </a:solidFill>
@@ -193,7 +196,7 @@
         <a:sym typeface="Arial"/>
       </a:defRPr>
     </a:lvl6pPr>
-    <a:lvl7pPr lvl="6" marR="0" rtl="0" algn="l">
+    <a:lvl7pPr marR="0" lvl="6" algn="l" rtl="0">
       <a:lnSpc>
         <a:spcPct val="100000"/>
       </a:lnSpc>
@@ -207,7 +210,7 @@
         <a:srgbClr val="000000"/>
       </a:buClr>
       <a:buFont typeface="Arial"/>
-      <a:defRPr b="0" i="0" sz="1400" u="none" cap="none" strike="noStrike">
+      <a:defRPr sz="1400" b="0" i="0" u="none" strike="noStrike" cap="none">
         <a:solidFill>
           <a:srgbClr val="000000"/>
         </a:solidFill>
@@ -217,7 +220,7 @@
         <a:sym typeface="Arial"/>
       </a:defRPr>
     </a:lvl7pPr>
-    <a:lvl8pPr lvl="7" marR="0" rtl="0" algn="l">
+    <a:lvl8pPr marR="0" lvl="7" algn="l" rtl="0">
       <a:lnSpc>
         <a:spcPct val="100000"/>
       </a:lnSpc>
@@ -231,7 +234,7 @@
         <a:srgbClr val="000000"/>
       </a:buClr>
       <a:buFont typeface="Arial"/>
-      <a:defRPr b="0" i="0" sz="1400" u="none" cap="none" strike="noStrike">
+      <a:defRPr sz="1400" b="0" i="0" u="none" strike="noStrike" cap="none">
         <a:solidFill>
           <a:srgbClr val="000000"/>
         </a:solidFill>
@@ -241,7 +244,7 @@
         <a:sym typeface="Arial"/>
       </a:defRPr>
     </a:lvl8pPr>
-    <a:lvl9pPr lvl="8" marR="0" rtl="0" algn="l">
+    <a:lvl9pPr marR="0" lvl="8" algn="l" rtl="0">
       <a:lnSpc>
         <a:spcPct val="100000"/>
       </a:lnSpc>
@@ -255,7 +258,7 @@
         <a:srgbClr val="000000"/>
       </a:buClr>
       <a:buFont typeface="Arial"/>
-      <a:defRPr b="0" i="0" sz="1400" u="none" cap="none" strike="noStrike">
+      <a:defRPr sz="1400" b="0" i="0" u="none" strike="noStrike" cap="none">
         <a:solidFill>
           <a:srgbClr val="000000"/>
         </a:solidFill>
@@ -268,7 +271,7 @@
   </p:defaultTextStyle>
   <p:extLst>
     <p:ext uri="{EFAFB233-063F-42B5-8137-9DF3F51BA10A}">
-      <p15:sldGuideLst>
+      <p15:sldGuideLst xmlns:p15="http://schemas.microsoft.com/office/powerpoint/2012/main">
         <p15:guide id="1" orient="horz" pos="1620">
           <p15:clr>
             <a:srgbClr val="747775"/>
@@ -286,11 +289,16 @@
 </file>
 
 <file path=ppt/notesMasters/notesMaster1.xml><?xml version="1.0" encoding="utf-8"?>
-<p:notesMaster xmlns:a="http://schemas.openxmlformats.org/drawingml/2006/main" xmlns:r="http://schemas.openxmlformats.org/officeDocument/2006/relationships" xmlns:mc="http://schemas.openxmlformats.org/markup-compatibility/2006" xmlns:mv="urn:schemas-microsoft-com:mac:vml" xmlns:p="http://schemas.openxmlformats.org/presentationml/2006/main" xmlns:c="http://schemas.openxmlformats.org/drawingml/2006/chart" xmlns:dgm="http://schemas.openxmlformats.org/drawingml/2006/diagram" xmlns:o="urn:schemas-microsoft-com:office:office" xmlns:v="urn:schemas-microsoft-com:vml" xmlns:pvml="urn:schemas-microsoft-com:office:powerpoint" xmlns:com="http://schemas.openxmlformats.org/drawingml/2006/compatibility" xmlns:p14="http://schemas.microsoft.com/office/powerpoint/2010/main" xmlns:p15="http://schemas.microsoft.com/office/powerpoint/2012/main" xmlns:ahyp="http://schemas.microsoft.com/office/drawing/2018/hyperlinkcolor">
+<p:notesMaster xmlns:a="http://schemas.openxmlformats.org/drawingml/2006/main" xmlns:r="http://schemas.openxmlformats.org/officeDocument/2006/relationships" xmlns:p="http://schemas.openxmlformats.org/presentationml/2006/main">
   <p:cSld>
+    <p:bg>
+      <p:bgRef idx="1001">
+        <a:schemeClr val="bg1"/>
+      </p:bgRef>
+    </p:bg>
     <p:spTree>
       <p:nvGrpSpPr>
-        <p:cNvPr id="2" name="Shape 2"/>
+        <p:cNvPr id="1" name="Shape 2"/>
         <p:cNvGrpSpPr/>
         <p:nvPr/>
       </p:nvGrpSpPr>
@@ -305,9 +313,11 @@
       <p:sp>
         <p:nvSpPr>
           <p:cNvPr id="3" name="Google Shape;3;n"/>
-          <p:cNvSpPr/>
+          <p:cNvSpPr>
+            <a:spLocks noGrp="1" noRot="1" noChangeAspect="1"/>
+          </p:cNvSpPr>
           <p:nvPr>
-            <p:ph idx="2" type="sldImg"/>
+            <p:ph type="sldImg" idx="2"/>
           </p:nvPr>
         </p:nvSpPr>
         <p:spPr>
@@ -316,9 +326,13 @@
             <a:ext cx="6096075" cy="3429000"/>
           </a:xfrm>
           <a:custGeom>
-            <a:rect b="b" l="l" r="r" t="t"/>
+            <a:avLst/>
+            <a:gdLst/>
+            <a:ahLst/>
+            <a:cxnLst/>
+            <a:rect l="l" t="t" r="r" b="b"/>
             <a:pathLst>
-              <a:path extrusionOk="0" h="120000" w="120000">
+              <a:path w="120000" h="120000" extrusionOk="0">
                 <a:moveTo>
                   <a:pt x="0" y="0"/>
                 </a:moveTo>
@@ -336,23 +350,25 @@
             </a:pathLst>
           </a:custGeom>
           <a:noFill/>
-          <a:ln cap="flat" cmpd="sng" w="9525">
+          <a:ln w="9525" cap="flat" cmpd="sng">
             <a:solidFill>
               <a:srgbClr val="000000"/>
             </a:solidFill>
             <a:prstDash val="solid"/>
             <a:round/>
-            <a:headEnd len="sm" w="sm" type="none"/>
-            <a:tailEnd len="sm" w="sm" type="none"/>
+            <a:headEnd type="none" w="sm" len="sm"/>
+            <a:tailEnd type="none" w="sm" len="sm"/>
           </a:ln>
         </p:spPr>
       </p:sp>
       <p:sp>
         <p:nvSpPr>
           <p:cNvPr id="4" name="Google Shape;4;n"/>
-          <p:cNvSpPr txBox="1"/>
+          <p:cNvSpPr txBox="1">
+            <a:spLocks noGrp="1"/>
+          </p:cNvSpPr>
           <p:nvPr>
-            <p:ph idx="1" type="body"/>
+            <p:ph type="body" idx="1"/>
           </p:nvPr>
         </p:nvSpPr>
         <p:spPr>
@@ -369,11 +385,11 @@
           </a:ln>
         </p:spPr>
         <p:txBody>
-          <a:bodyPr anchorCtr="0" anchor="t" bIns="91425" lIns="91425" spcFirstLastPara="1" rIns="91425" wrap="square" tIns="91425">
+          <a:bodyPr spcFirstLastPara="1" wrap="square" lIns="91425" tIns="91425" rIns="91425" bIns="91425" anchor="t" anchorCtr="0">
             <a:noAutofit/>
           </a:bodyPr>
           <a:lstStyle>
-            <a:lvl1pPr indent="-298450" lvl="0" marL="457200">
+            <a:lvl1pPr marL="457200" lvl="0" indent="-298450">
               <a:spcBef>
                 <a:spcPts val="0"/>
               </a:spcBef>
@@ -384,7 +400,7 @@
               <a:buChar char="●"/>
               <a:defRPr sz="1100"/>
             </a:lvl1pPr>
-            <a:lvl2pPr indent="-298450" lvl="1" marL="914400">
+            <a:lvl2pPr marL="914400" lvl="1" indent="-298450">
               <a:spcBef>
                 <a:spcPts val="0"/>
               </a:spcBef>
@@ -395,7 +411,7 @@
               <a:buChar char="○"/>
               <a:defRPr sz="1100"/>
             </a:lvl2pPr>
-            <a:lvl3pPr indent="-298450" lvl="2" marL="1371600">
+            <a:lvl3pPr marL="1371600" lvl="2" indent="-298450">
               <a:spcBef>
                 <a:spcPts val="0"/>
               </a:spcBef>
@@ -406,7 +422,7 @@
               <a:buChar char="■"/>
               <a:defRPr sz="1100"/>
             </a:lvl3pPr>
-            <a:lvl4pPr indent="-298450" lvl="3" marL="1828800">
+            <a:lvl4pPr marL="1828800" lvl="3" indent="-298450">
               <a:spcBef>
                 <a:spcPts val="0"/>
               </a:spcBef>
@@ -417,7 +433,7 @@
               <a:buChar char="●"/>
               <a:defRPr sz="1100"/>
             </a:lvl4pPr>
-            <a:lvl5pPr indent="-298450" lvl="4" marL="2286000">
+            <a:lvl5pPr marL="2286000" lvl="4" indent="-298450">
               <a:spcBef>
                 <a:spcPts val="0"/>
               </a:spcBef>
@@ -428,7 +444,7 @@
               <a:buChar char="○"/>
               <a:defRPr sz="1100"/>
             </a:lvl5pPr>
-            <a:lvl6pPr indent="-298450" lvl="5" marL="2743200">
+            <a:lvl6pPr marL="2743200" lvl="5" indent="-298450">
               <a:spcBef>
                 <a:spcPts val="0"/>
               </a:spcBef>
@@ -439,7 +455,7 @@
               <a:buChar char="■"/>
               <a:defRPr sz="1100"/>
             </a:lvl6pPr>
-            <a:lvl7pPr indent="-298450" lvl="6" marL="3200400">
+            <a:lvl7pPr marL="3200400" lvl="6" indent="-298450">
               <a:spcBef>
                 <a:spcPts val="0"/>
               </a:spcBef>
@@ -450,7 +466,7 @@
               <a:buChar char="●"/>
               <a:defRPr sz="1100"/>
             </a:lvl7pPr>
-            <a:lvl8pPr indent="-298450" lvl="7" marL="3657600">
+            <a:lvl8pPr marL="3657600" lvl="7" indent="-298450">
               <a:spcBef>
                 <a:spcPts val="0"/>
               </a:spcBef>
@@ -461,7 +477,7 @@
               <a:buChar char="○"/>
               <a:defRPr sz="1100"/>
             </a:lvl8pPr>
-            <a:lvl9pPr indent="-298450" lvl="8" marL="4114800">
+            <a:lvl9pPr marL="4114800" lvl="8" indent="-298450">
               <a:spcBef>
                 <a:spcPts val="0"/>
               </a:spcBef>
@@ -473,14 +489,16 @@
               <a:defRPr sz="1100"/>
             </a:lvl9pPr>
           </a:lstStyle>
-          <a:p/>
+          <a:p>
+            <a:endParaRPr/>
+          </a:p>
         </p:txBody>
       </p:sp>
     </p:spTree>
   </p:cSld>
-  <p:clrMap accent1="accent1" accent2="accent2" accent3="accent3" accent4="accent4" accent5="accent5" accent6="accent6" bg1="lt1" bg2="dk2" tx1="dk1" tx2="lt2" folHlink="folHlink" hlink="hlink"/>
+  <p:clrMap bg1="lt1" tx1="dk1" bg2="dk2" tx2="lt2" accent1="accent1" accent2="accent2" accent3="accent3" accent4="accent4" accent5="accent5" accent6="accent6" hlink="hlink" folHlink="folHlink"/>
   <p:notesStyle>
-    <a:defPPr lvl="0" marR="0" rtl="0" algn="l">
+    <a:defPPr marR="0" lvl="0" algn="l" rtl="0">
       <a:lnSpc>
         <a:spcPct val="100000"/>
       </a:lnSpc>
@@ -491,7 +509,7 @@
         <a:spcPts val="0"/>
       </a:spcAft>
     </a:defPPr>
-    <a:lvl1pPr lvl="0" marR="0" rtl="0" algn="l">
+    <a:lvl1pPr marR="0" lvl="0" algn="l" rtl="0">
       <a:lnSpc>
         <a:spcPct val="100000"/>
       </a:lnSpc>
@@ -505,7 +523,7 @@
         <a:srgbClr val="000000"/>
       </a:buClr>
       <a:buFont typeface="Arial"/>
-      <a:defRPr b="0" i="0" sz="1400" u="none" cap="none" strike="noStrike">
+      <a:defRPr sz="1400" b="0" i="0" u="none" strike="noStrike" cap="none">
         <a:solidFill>
           <a:srgbClr val="000000"/>
         </a:solidFill>
@@ -515,7 +533,7 @@
         <a:sym typeface="Arial"/>
       </a:defRPr>
     </a:lvl1pPr>
-    <a:lvl2pPr lvl="1" marR="0" rtl="0" algn="l">
+    <a:lvl2pPr marR="0" lvl="1" algn="l" rtl="0">
       <a:lnSpc>
         <a:spcPct val="100000"/>
       </a:lnSpc>
@@ -529,7 +547,7 @@
         <a:srgbClr val="000000"/>
       </a:buClr>
       <a:buFont typeface="Arial"/>
-      <a:defRPr b="0" i="0" sz="1400" u="none" cap="none" strike="noStrike">
+      <a:defRPr sz="1400" b="0" i="0" u="none" strike="noStrike" cap="none">
         <a:solidFill>
           <a:srgbClr val="000000"/>
         </a:solidFill>
@@ -539,7 +557,7 @@
         <a:sym typeface="Arial"/>
       </a:defRPr>
     </a:lvl2pPr>
-    <a:lvl3pPr lvl="2" marR="0" rtl="0" algn="l">
+    <a:lvl3pPr marR="0" lvl="2" algn="l" rtl="0">
       <a:lnSpc>
         <a:spcPct val="100000"/>
       </a:lnSpc>
@@ -553,7 +571,7 @@
         <a:srgbClr val="000000"/>
       </a:buClr>
       <a:buFont typeface="Arial"/>
-      <a:defRPr b="0" i="0" sz="1400" u="none" cap="none" strike="noStrike">
+      <a:defRPr sz="1400" b="0" i="0" u="none" strike="noStrike" cap="none">
         <a:solidFill>
           <a:srgbClr val="000000"/>
         </a:solidFill>
@@ -563,7 +581,7 @@
         <a:sym typeface="Arial"/>
       </a:defRPr>
     </a:lvl3pPr>
-    <a:lvl4pPr lvl="3" marR="0" rtl="0" algn="l">
+    <a:lvl4pPr marR="0" lvl="3" algn="l" rtl="0">
       <a:lnSpc>
         <a:spcPct val="100000"/>
       </a:lnSpc>
@@ -577,7 +595,7 @@
         <a:srgbClr val="000000"/>
       </a:buClr>
       <a:buFont typeface="Arial"/>
-      <a:defRPr b="0" i="0" sz="1400" u="none" cap="none" strike="noStrike">
+      <a:defRPr sz="1400" b="0" i="0" u="none" strike="noStrike" cap="none">
         <a:solidFill>
           <a:srgbClr val="000000"/>
         </a:solidFill>
@@ -587,7 +605,7 @@
         <a:sym typeface="Arial"/>
       </a:defRPr>
     </a:lvl4pPr>
-    <a:lvl5pPr lvl="4" marR="0" rtl="0" algn="l">
+    <a:lvl5pPr marR="0" lvl="4" algn="l" rtl="0">
       <a:lnSpc>
         <a:spcPct val="100000"/>
       </a:lnSpc>
@@ -601,7 +619,7 @@
         <a:srgbClr val="000000"/>
       </a:buClr>
       <a:buFont typeface="Arial"/>
-      <a:defRPr b="0" i="0" sz="1400" u="none" cap="none" strike="noStrike">
+      <a:defRPr sz="1400" b="0" i="0" u="none" strike="noStrike" cap="none">
         <a:solidFill>
           <a:srgbClr val="000000"/>
         </a:solidFill>
@@ -611,7 +629,7 @@
         <a:sym typeface="Arial"/>
       </a:defRPr>
     </a:lvl5pPr>
-    <a:lvl6pPr lvl="5" marR="0" rtl="0" algn="l">
+    <a:lvl6pPr marR="0" lvl="5" algn="l" rtl="0">
       <a:lnSpc>
         <a:spcPct val="100000"/>
       </a:lnSpc>
@@ -625,7 +643,7 @@
         <a:srgbClr val="000000"/>
       </a:buClr>
       <a:buFont typeface="Arial"/>
-      <a:defRPr b="0" i="0" sz="1400" u="none" cap="none" strike="noStrike">
+      <a:defRPr sz="1400" b="0" i="0" u="none" strike="noStrike" cap="none">
         <a:solidFill>
           <a:srgbClr val="000000"/>
         </a:solidFill>
@@ -635,7 +653,7 @@
         <a:sym typeface="Arial"/>
       </a:defRPr>
     </a:lvl6pPr>
-    <a:lvl7pPr lvl="6" marR="0" rtl="0" algn="l">
+    <a:lvl7pPr marR="0" lvl="6" algn="l" rtl="0">
       <a:lnSpc>
         <a:spcPct val="100000"/>
       </a:lnSpc>
@@ -649,7 +667,7 @@
         <a:srgbClr val="000000"/>
       </a:buClr>
       <a:buFont typeface="Arial"/>
-      <a:defRPr b="0" i="0" sz="1400" u="none" cap="none" strike="noStrike">
+      <a:defRPr sz="1400" b="0" i="0" u="none" strike="noStrike" cap="none">
         <a:solidFill>
           <a:srgbClr val="000000"/>
         </a:solidFill>
@@ -659,7 +677,7 @@
         <a:sym typeface="Arial"/>
       </a:defRPr>
     </a:lvl7pPr>
-    <a:lvl8pPr lvl="7" marR="0" rtl="0" algn="l">
+    <a:lvl8pPr marR="0" lvl="7" algn="l" rtl="0">
       <a:lnSpc>
         <a:spcPct val="100000"/>
       </a:lnSpc>
@@ -673,7 +691,7 @@
         <a:srgbClr val="000000"/>
       </a:buClr>
       <a:buFont typeface="Arial"/>
-      <a:defRPr b="0" i="0" sz="1400" u="none" cap="none" strike="noStrike">
+      <a:defRPr sz="1400" b="0" i="0" u="none" strike="noStrike" cap="none">
         <a:solidFill>
           <a:srgbClr val="000000"/>
         </a:solidFill>
@@ -683,7 +701,7 @@
         <a:sym typeface="Arial"/>
       </a:defRPr>
     </a:lvl8pPr>
-    <a:lvl9pPr lvl="8" marR="0" rtl="0" algn="l">
+    <a:lvl9pPr marR="0" lvl="8" algn="l" rtl="0">
       <a:lnSpc>
         <a:spcPct val="100000"/>
       </a:lnSpc>
@@ -697,7 +715,7 @@
         <a:srgbClr val="000000"/>
       </a:buClr>
       <a:buFont typeface="Arial"/>
-      <a:defRPr b="0" i="0" sz="1400" u="none" cap="none" strike="noStrike">
+      <a:defRPr sz="1400" b="0" i="0" u="none" strike="noStrike" cap="none">
         <a:solidFill>
           <a:srgbClr val="000000"/>
         </a:solidFill>
@@ -712,11 +730,11 @@
 </file>
 
 <file path=ppt/notesSlides/notesSlide1.xml><?xml version="1.0" encoding="utf-8"?>
-<p:notes xmlns:a="http://schemas.openxmlformats.org/drawingml/2006/main" xmlns:r="http://schemas.openxmlformats.org/officeDocument/2006/relationships" xmlns:mc="http://schemas.openxmlformats.org/markup-compatibility/2006" xmlns:mv="urn:schemas-microsoft-com:mac:vml" xmlns:p="http://schemas.openxmlformats.org/presentationml/2006/main" xmlns:c="http://schemas.openxmlformats.org/drawingml/2006/chart" xmlns:dgm="http://schemas.openxmlformats.org/drawingml/2006/diagram" xmlns:o="urn:schemas-microsoft-com:office:office" xmlns:v="urn:schemas-microsoft-com:vml" xmlns:pvml="urn:schemas-microsoft-com:office:powerpoint" xmlns:com="http://schemas.openxmlformats.org/drawingml/2006/compatibility" xmlns:p14="http://schemas.microsoft.com/office/powerpoint/2010/main" xmlns:p15="http://schemas.microsoft.com/office/powerpoint/2012/main" xmlns:ahyp="http://schemas.microsoft.com/office/drawing/2018/hyperlinkcolor" showMasterPhAnim="0" showMasterSp="0">
+<p:notes xmlns:a="http://schemas.openxmlformats.org/drawingml/2006/main" xmlns:r="http://schemas.openxmlformats.org/officeDocument/2006/relationships" xmlns:p="http://schemas.openxmlformats.org/presentationml/2006/main" showMasterSp="0" showMasterPhAnim="0">
   <p:cSld>
     <p:spTree>
       <p:nvGrpSpPr>
-        <p:cNvPr id="55" name="Shape 55"/>
+        <p:cNvPr id="1" name="Shape 55"/>
         <p:cNvGrpSpPr/>
         <p:nvPr/>
       </p:nvGrpSpPr>
@@ -731,9 +749,11 @@
       <p:sp>
         <p:nvSpPr>
           <p:cNvPr id="56" name="Google Shape;56;p:notes"/>
-          <p:cNvSpPr/>
+          <p:cNvSpPr>
+            <a:spLocks noGrp="1" noRot="1" noChangeAspect="1"/>
+          </p:cNvSpPr>
           <p:nvPr>
-            <p:ph idx="2" type="sldImg"/>
+            <p:ph type="sldImg" idx="2"/>
           </p:nvPr>
         </p:nvSpPr>
         <p:spPr>
@@ -742,9 +762,13 @@
             <a:ext cx="6096075" cy="3429000"/>
           </a:xfrm>
           <a:custGeom>
-            <a:rect b="b" l="l" r="r" t="t"/>
+            <a:avLst/>
+            <a:gdLst/>
+            <a:ahLst/>
+            <a:cxnLst/>
+            <a:rect l="l" t="t" r="r" b="b"/>
             <a:pathLst>
-              <a:path extrusionOk="0" h="120000" w="120000">
+              <a:path w="120000" h="120000" extrusionOk="0">
                 <a:moveTo>
                   <a:pt x="0" y="0"/>
                 </a:moveTo>
@@ -766,9 +790,11 @@
       <p:sp>
         <p:nvSpPr>
           <p:cNvPr id="57" name="Google Shape;57;p:notes"/>
-          <p:cNvSpPr txBox="1"/>
+          <p:cNvSpPr txBox="1">
+            <a:spLocks noGrp="1"/>
+          </p:cNvSpPr>
           <p:nvPr>
-            <p:ph idx="1" type="body"/>
+            <p:ph type="body" idx="1"/>
           </p:nvPr>
         </p:nvSpPr>
         <p:spPr>
@@ -781,12 +807,12 @@
           </a:prstGeom>
         </p:spPr>
         <p:txBody>
-          <a:bodyPr anchorCtr="0" anchor="t" bIns="91425" lIns="91425" spcFirstLastPara="1" rIns="91425" wrap="square" tIns="91425">
+          <a:bodyPr spcFirstLastPara="1" wrap="square" lIns="91425" tIns="91425" rIns="91425" bIns="91425" anchor="t" anchorCtr="0">
             <a:noAutofit/>
           </a:bodyPr>
           <a:lstStyle/>
           <a:p>
-            <a:pPr indent="0" lvl="0" marL="0" rtl="0" algn="l">
+            <a:pPr marL="0" lvl="0" indent="0" algn="l" rtl="0">
               <a:spcBef>
                 <a:spcPts val="0"/>
               </a:spcBef>
@@ -795,9 +821,6 @@
               </a:spcAft>
               <a:buNone/>
             </a:pPr>
-            <a:r>
-              <a:t/>
-            </a:r>
             <a:endParaRPr/>
           </a:p>
         </p:txBody>
@@ -811,11 +834,11 @@
 </file>
 
 <file path=ppt/notesSlides/notesSlide2.xml><?xml version="1.0" encoding="utf-8"?>
-<p:notes xmlns:a="http://schemas.openxmlformats.org/drawingml/2006/main" xmlns:r="http://schemas.openxmlformats.org/officeDocument/2006/relationships" xmlns:mc="http://schemas.openxmlformats.org/markup-compatibility/2006" xmlns:mv="urn:schemas-microsoft-com:mac:vml" xmlns:p="http://schemas.openxmlformats.org/presentationml/2006/main" xmlns:c="http://schemas.openxmlformats.org/drawingml/2006/chart" xmlns:dgm="http://schemas.openxmlformats.org/drawingml/2006/diagram" xmlns:o="urn:schemas-microsoft-com:office:office" xmlns:v="urn:schemas-microsoft-com:vml" xmlns:pvml="urn:schemas-microsoft-com:office:powerpoint" xmlns:com="http://schemas.openxmlformats.org/drawingml/2006/compatibility" xmlns:p14="http://schemas.microsoft.com/office/powerpoint/2010/main" xmlns:p15="http://schemas.microsoft.com/office/powerpoint/2012/main" xmlns:ahyp="http://schemas.microsoft.com/office/drawing/2018/hyperlinkcolor" showMasterPhAnim="0" showMasterSp="0">
+<p:notes xmlns:a="http://schemas.openxmlformats.org/drawingml/2006/main" xmlns:r="http://schemas.openxmlformats.org/officeDocument/2006/relationships" xmlns:p="http://schemas.openxmlformats.org/presentationml/2006/main" showMasterSp="0" showMasterPhAnim="0">
   <p:cSld>
     <p:spTree>
       <p:nvGrpSpPr>
-        <p:cNvPr id="65" name="Shape 65"/>
+        <p:cNvPr id="1" name="Shape 65"/>
         <p:cNvGrpSpPr/>
         <p:nvPr/>
       </p:nvGrpSpPr>
@@ -830,9 +853,11 @@
       <p:sp>
         <p:nvSpPr>
           <p:cNvPr id="66" name="Google Shape;66;g2271b25f26d_0_95:notes"/>
-          <p:cNvSpPr/>
+          <p:cNvSpPr>
+            <a:spLocks noGrp="1" noRot="1" noChangeAspect="1"/>
+          </p:cNvSpPr>
           <p:nvPr>
-            <p:ph idx="2" type="sldImg"/>
+            <p:ph type="sldImg" idx="2"/>
           </p:nvPr>
         </p:nvSpPr>
         <p:spPr>
@@ -841,9 +866,13 @@
             <a:ext cx="6096000" cy="3429000"/>
           </a:xfrm>
           <a:custGeom>
-            <a:rect b="b" l="l" r="r" t="t"/>
+            <a:avLst/>
+            <a:gdLst/>
+            <a:ahLst/>
+            <a:cxnLst/>
+            <a:rect l="l" t="t" r="r" b="b"/>
             <a:pathLst>
-              <a:path extrusionOk="0" h="120000" w="120000">
+              <a:path w="120000" h="120000" extrusionOk="0">
                 <a:moveTo>
                   <a:pt x="0" y="0"/>
                 </a:moveTo>
@@ -865,9 +894,11 @@
       <p:sp>
         <p:nvSpPr>
           <p:cNvPr id="67" name="Google Shape;67;g2271b25f26d_0_95:notes"/>
-          <p:cNvSpPr txBox="1"/>
+          <p:cNvSpPr txBox="1">
+            <a:spLocks noGrp="1"/>
+          </p:cNvSpPr>
           <p:nvPr>
-            <p:ph idx="1" type="body"/>
+            <p:ph type="body" idx="1"/>
           </p:nvPr>
         </p:nvSpPr>
         <p:spPr>
@@ -880,12 +911,12 @@
           </a:prstGeom>
         </p:spPr>
         <p:txBody>
-          <a:bodyPr anchorCtr="0" anchor="t" bIns="91425" lIns="91425" spcFirstLastPara="1" rIns="91425" wrap="square" tIns="91425">
+          <a:bodyPr spcFirstLastPara="1" wrap="square" lIns="91425" tIns="91425" rIns="91425" bIns="91425" anchor="t" anchorCtr="0">
             <a:noAutofit/>
           </a:bodyPr>
           <a:lstStyle/>
           <a:p>
-            <a:pPr indent="0" lvl="0" marL="0" rtl="0" algn="l">
+            <a:pPr marL="0" lvl="0" indent="0" algn="l" rtl="0">
               <a:spcBef>
                 <a:spcPts val="0"/>
               </a:spcBef>
@@ -894,9 +925,6 @@
               </a:spcAft>
               <a:buNone/>
             </a:pPr>
-            <a:r>
-              <a:t/>
-            </a:r>
             <a:endParaRPr/>
           </a:p>
         </p:txBody>
@@ -910,11 +938,11 @@
 </file>
 
 <file path=ppt/notesSlides/notesSlide3.xml><?xml version="1.0" encoding="utf-8"?>
-<p:notes xmlns:a="http://schemas.openxmlformats.org/drawingml/2006/main" xmlns:r="http://schemas.openxmlformats.org/officeDocument/2006/relationships" xmlns:mc="http://schemas.openxmlformats.org/markup-compatibility/2006" xmlns:mv="urn:schemas-microsoft-com:mac:vml" xmlns:p="http://schemas.openxmlformats.org/presentationml/2006/main" xmlns:c="http://schemas.openxmlformats.org/drawingml/2006/chart" xmlns:dgm="http://schemas.openxmlformats.org/drawingml/2006/diagram" xmlns:o="urn:schemas-microsoft-com:office:office" xmlns:v="urn:schemas-microsoft-com:vml" xmlns:pvml="urn:schemas-microsoft-com:office:powerpoint" xmlns:com="http://schemas.openxmlformats.org/drawingml/2006/compatibility" xmlns:p14="http://schemas.microsoft.com/office/powerpoint/2010/main" xmlns:p15="http://schemas.microsoft.com/office/powerpoint/2012/main" xmlns:ahyp="http://schemas.microsoft.com/office/drawing/2018/hyperlinkcolor" showMasterPhAnim="0" showMasterSp="0">
+<p:notes xmlns:a="http://schemas.openxmlformats.org/drawingml/2006/main" xmlns:r="http://schemas.openxmlformats.org/officeDocument/2006/relationships" xmlns:p="http://schemas.openxmlformats.org/presentationml/2006/main" showMasterSp="0" showMasterPhAnim="0">
   <p:cSld>
     <p:spTree>
       <p:nvGrpSpPr>
-        <p:cNvPr id="86" name="Shape 86"/>
+        <p:cNvPr id="1" name="Shape 86"/>
         <p:cNvGrpSpPr/>
         <p:nvPr/>
       </p:nvGrpSpPr>
@@ -929,9 +957,11 @@
       <p:sp>
         <p:nvSpPr>
           <p:cNvPr id="87" name="Google Shape;87;g2271b25f26d_0_3066:notes"/>
-          <p:cNvSpPr/>
+          <p:cNvSpPr>
+            <a:spLocks noGrp="1" noRot="1" noChangeAspect="1"/>
+          </p:cNvSpPr>
           <p:nvPr>
-            <p:ph idx="2" type="sldImg"/>
+            <p:ph type="sldImg" idx="2"/>
           </p:nvPr>
         </p:nvSpPr>
         <p:spPr>
@@ -940,9 +970,13 @@
             <a:ext cx="6096000" cy="3429000"/>
           </a:xfrm>
           <a:custGeom>
-            <a:rect b="b" l="l" r="r" t="t"/>
+            <a:avLst/>
+            <a:gdLst/>
+            <a:ahLst/>
+            <a:cxnLst/>
+            <a:rect l="l" t="t" r="r" b="b"/>
             <a:pathLst>
-              <a:path extrusionOk="0" h="120000" w="120000">
+              <a:path w="120000" h="120000" extrusionOk="0">
                 <a:moveTo>
                   <a:pt x="0" y="0"/>
                 </a:moveTo>
@@ -964,9 +998,11 @@
       <p:sp>
         <p:nvSpPr>
           <p:cNvPr id="88" name="Google Shape;88;g2271b25f26d_0_3066:notes"/>
-          <p:cNvSpPr txBox="1"/>
+          <p:cNvSpPr txBox="1">
+            <a:spLocks noGrp="1"/>
+          </p:cNvSpPr>
           <p:nvPr>
-            <p:ph idx="1" type="body"/>
+            <p:ph type="body" idx="1"/>
           </p:nvPr>
         </p:nvSpPr>
         <p:spPr>
@@ -979,12 +1015,12 @@
           </a:prstGeom>
         </p:spPr>
         <p:txBody>
-          <a:bodyPr anchorCtr="0" anchor="t" bIns="91425" lIns="91425" spcFirstLastPara="1" rIns="91425" wrap="square" tIns="91425">
+          <a:bodyPr spcFirstLastPara="1" wrap="square" lIns="91425" tIns="91425" rIns="91425" bIns="91425" anchor="t" anchorCtr="0">
             <a:noAutofit/>
           </a:bodyPr>
           <a:lstStyle/>
           <a:p>
-            <a:pPr indent="0" lvl="0" marL="0" rtl="0" algn="l">
+            <a:pPr marL="0" lvl="0" indent="0" algn="l" rtl="0">
               <a:spcBef>
                 <a:spcPts val="0"/>
               </a:spcBef>
@@ -993,9 +1029,6 @@
               </a:spcAft>
               <a:buNone/>
             </a:pPr>
-            <a:r>
-              <a:t/>
-            </a:r>
             <a:endParaRPr/>
           </a:p>
         </p:txBody>
@@ -1009,11 +1042,11 @@
 </file>
 
 <file path=ppt/notesSlides/notesSlide4.xml><?xml version="1.0" encoding="utf-8"?>
-<p:notes xmlns:a="http://schemas.openxmlformats.org/drawingml/2006/main" xmlns:r="http://schemas.openxmlformats.org/officeDocument/2006/relationships" xmlns:mc="http://schemas.openxmlformats.org/markup-compatibility/2006" xmlns:mv="urn:schemas-microsoft-com:mac:vml" xmlns:p="http://schemas.openxmlformats.org/presentationml/2006/main" xmlns:c="http://schemas.openxmlformats.org/drawingml/2006/chart" xmlns:dgm="http://schemas.openxmlformats.org/drawingml/2006/diagram" xmlns:o="urn:schemas-microsoft-com:office:office" xmlns:v="urn:schemas-microsoft-com:vml" xmlns:pvml="urn:schemas-microsoft-com:office:powerpoint" xmlns:com="http://schemas.openxmlformats.org/drawingml/2006/compatibility" xmlns:p14="http://schemas.microsoft.com/office/powerpoint/2010/main" xmlns:p15="http://schemas.microsoft.com/office/powerpoint/2012/main" xmlns:ahyp="http://schemas.microsoft.com/office/drawing/2018/hyperlinkcolor" showMasterPhAnim="0" showMasterSp="0">
+<p:notes xmlns:a="http://schemas.openxmlformats.org/drawingml/2006/main" xmlns:r="http://schemas.openxmlformats.org/officeDocument/2006/relationships" xmlns:p="http://schemas.openxmlformats.org/presentationml/2006/main" showMasterSp="0" showMasterPhAnim="0">
   <p:cSld>
     <p:spTree>
       <p:nvGrpSpPr>
-        <p:cNvPr id="116" name="Shape 116"/>
+        <p:cNvPr id="1" name="Shape 116"/>
         <p:cNvGrpSpPr/>
         <p:nvPr/>
       </p:nvGrpSpPr>
@@ -1028,9 +1061,11 @@
       <p:sp>
         <p:nvSpPr>
           <p:cNvPr id="117" name="Google Shape;117;g2271b25f26d_0_3193:notes"/>
-          <p:cNvSpPr/>
+          <p:cNvSpPr>
+            <a:spLocks noGrp="1" noRot="1" noChangeAspect="1"/>
+          </p:cNvSpPr>
           <p:nvPr>
-            <p:ph idx="2" type="sldImg"/>
+            <p:ph type="sldImg" idx="2"/>
           </p:nvPr>
         </p:nvSpPr>
         <p:spPr>
@@ -1039,9 +1074,13 @@
             <a:ext cx="6096000" cy="3429000"/>
           </a:xfrm>
           <a:custGeom>
-            <a:rect b="b" l="l" r="r" t="t"/>
+            <a:avLst/>
+            <a:gdLst/>
+            <a:ahLst/>
+            <a:cxnLst/>
+            <a:rect l="l" t="t" r="r" b="b"/>
             <a:pathLst>
-              <a:path extrusionOk="0" h="120000" w="120000">
+              <a:path w="120000" h="120000" extrusionOk="0">
                 <a:moveTo>
                   <a:pt x="0" y="0"/>
                 </a:moveTo>
@@ -1063,9 +1102,11 @@
       <p:sp>
         <p:nvSpPr>
           <p:cNvPr id="118" name="Google Shape;118;g2271b25f26d_0_3193:notes"/>
-          <p:cNvSpPr txBox="1"/>
+          <p:cNvSpPr txBox="1">
+            <a:spLocks noGrp="1"/>
+          </p:cNvSpPr>
           <p:nvPr>
-            <p:ph idx="1" type="body"/>
+            <p:ph type="body" idx="1"/>
           </p:nvPr>
         </p:nvSpPr>
         <p:spPr>
@@ -1078,12 +1119,12 @@
           </a:prstGeom>
         </p:spPr>
         <p:txBody>
-          <a:bodyPr anchorCtr="0" anchor="t" bIns="91425" lIns="91425" spcFirstLastPara="1" rIns="91425" wrap="square" tIns="91425">
+          <a:bodyPr spcFirstLastPara="1" wrap="square" lIns="91425" tIns="91425" rIns="91425" bIns="91425" anchor="t" anchorCtr="0">
             <a:noAutofit/>
           </a:bodyPr>
           <a:lstStyle/>
           <a:p>
-            <a:pPr indent="0" lvl="0" marL="0" rtl="0" algn="l">
+            <a:pPr marL="0" lvl="0" indent="0" algn="l" rtl="0">
               <a:spcBef>
                 <a:spcPts val="0"/>
               </a:spcBef>
@@ -1092,9 +1133,6 @@
               </a:spcAft>
               <a:buNone/>
             </a:pPr>
-            <a:r>
-              <a:t/>
-            </a:r>
             <a:endParaRPr/>
           </a:p>
         </p:txBody>
@@ -1108,11 +1146,11 @@
 </file>
 
 <file path=ppt/notesSlides/notesSlide5.xml><?xml version="1.0" encoding="utf-8"?>
-<p:notes xmlns:a="http://schemas.openxmlformats.org/drawingml/2006/main" xmlns:r="http://schemas.openxmlformats.org/officeDocument/2006/relationships" xmlns:mc="http://schemas.openxmlformats.org/markup-compatibility/2006" xmlns:mv="urn:schemas-microsoft-com:mac:vml" xmlns:p="http://schemas.openxmlformats.org/presentationml/2006/main" xmlns:c="http://schemas.openxmlformats.org/drawingml/2006/chart" xmlns:dgm="http://schemas.openxmlformats.org/drawingml/2006/diagram" xmlns:o="urn:schemas-microsoft-com:office:office" xmlns:v="urn:schemas-microsoft-com:vml" xmlns:pvml="urn:schemas-microsoft-com:office:powerpoint" xmlns:com="http://schemas.openxmlformats.org/drawingml/2006/compatibility" xmlns:p14="http://schemas.microsoft.com/office/powerpoint/2010/main" xmlns:p15="http://schemas.microsoft.com/office/powerpoint/2012/main" xmlns:ahyp="http://schemas.microsoft.com/office/drawing/2018/hyperlinkcolor" showMasterPhAnim="0" showMasterSp="0">
+<p:notes xmlns:a="http://schemas.openxmlformats.org/drawingml/2006/main" xmlns:r="http://schemas.openxmlformats.org/officeDocument/2006/relationships" xmlns:p="http://schemas.openxmlformats.org/presentationml/2006/main" showMasterSp="0" showMasterPhAnim="0">
   <p:cSld>
     <p:spTree>
       <p:nvGrpSpPr>
-        <p:cNvPr id="122" name="Shape 122"/>
+        <p:cNvPr id="1" name="Shape 122"/>
         <p:cNvGrpSpPr/>
         <p:nvPr/>
       </p:nvGrpSpPr>
@@ -1127,9 +1165,11 @@
       <p:sp>
         <p:nvSpPr>
           <p:cNvPr id="123" name="Google Shape;123;g2271b25f26d_0_3203:notes"/>
-          <p:cNvSpPr/>
+          <p:cNvSpPr>
+            <a:spLocks noGrp="1" noRot="1" noChangeAspect="1"/>
+          </p:cNvSpPr>
           <p:nvPr>
-            <p:ph idx="2" type="sldImg"/>
+            <p:ph type="sldImg" idx="2"/>
           </p:nvPr>
         </p:nvSpPr>
         <p:spPr>
@@ -1138,9 +1178,13 @@
             <a:ext cx="6096000" cy="3429000"/>
           </a:xfrm>
           <a:custGeom>
-            <a:rect b="b" l="l" r="r" t="t"/>
+            <a:avLst/>
+            <a:gdLst/>
+            <a:ahLst/>
+            <a:cxnLst/>
+            <a:rect l="l" t="t" r="r" b="b"/>
             <a:pathLst>
-              <a:path extrusionOk="0" h="120000" w="120000">
+              <a:path w="120000" h="120000" extrusionOk="0">
                 <a:moveTo>
                   <a:pt x="0" y="0"/>
                 </a:moveTo>
@@ -1162,9 +1206,11 @@
       <p:sp>
         <p:nvSpPr>
           <p:cNvPr id="124" name="Google Shape;124;g2271b25f26d_0_3203:notes"/>
-          <p:cNvSpPr txBox="1"/>
+          <p:cNvSpPr txBox="1">
+            <a:spLocks noGrp="1"/>
+          </p:cNvSpPr>
           <p:nvPr>
-            <p:ph idx="1" type="body"/>
+            <p:ph type="body" idx="1"/>
           </p:nvPr>
         </p:nvSpPr>
         <p:spPr>
@@ -1177,12 +1223,12 @@
           </a:prstGeom>
         </p:spPr>
         <p:txBody>
-          <a:bodyPr anchorCtr="0" anchor="t" bIns="91425" lIns="91425" spcFirstLastPara="1" rIns="91425" wrap="square" tIns="91425">
+          <a:bodyPr spcFirstLastPara="1" wrap="square" lIns="91425" tIns="91425" rIns="91425" bIns="91425" anchor="t" anchorCtr="0">
             <a:noAutofit/>
           </a:bodyPr>
           <a:lstStyle/>
           <a:p>
-            <a:pPr indent="0" lvl="0" marL="0" rtl="0" algn="l">
+            <a:pPr marL="0" lvl="0" indent="0" algn="l" rtl="0">
               <a:spcBef>
                 <a:spcPts val="0"/>
               </a:spcBef>
@@ -1191,9 +1237,6 @@
               </a:spcAft>
               <a:buNone/>
             </a:pPr>
-            <a:r>
-              <a:t/>
-            </a:r>
             <a:endParaRPr/>
           </a:p>
         </p:txBody>
@@ -1207,11 +1250,11 @@
 </file>
 
 <file path=ppt/notesSlides/notesSlide6.xml><?xml version="1.0" encoding="utf-8"?>
-<p:notes xmlns:a="http://schemas.openxmlformats.org/drawingml/2006/main" xmlns:r="http://schemas.openxmlformats.org/officeDocument/2006/relationships" xmlns:mc="http://schemas.openxmlformats.org/markup-compatibility/2006" xmlns:mv="urn:schemas-microsoft-com:mac:vml" xmlns:p="http://schemas.openxmlformats.org/presentationml/2006/main" xmlns:c="http://schemas.openxmlformats.org/drawingml/2006/chart" xmlns:dgm="http://schemas.openxmlformats.org/drawingml/2006/diagram" xmlns:o="urn:schemas-microsoft-com:office:office" xmlns:v="urn:schemas-microsoft-com:vml" xmlns:pvml="urn:schemas-microsoft-com:office:powerpoint" xmlns:com="http://schemas.openxmlformats.org/drawingml/2006/compatibility" xmlns:p14="http://schemas.microsoft.com/office/powerpoint/2010/main" xmlns:p15="http://schemas.microsoft.com/office/powerpoint/2012/main" xmlns:ahyp="http://schemas.microsoft.com/office/drawing/2018/hyperlinkcolor" showMasterPhAnim="0" showMasterSp="0">
+<p:notes xmlns:a="http://schemas.openxmlformats.org/drawingml/2006/main" xmlns:r="http://schemas.openxmlformats.org/officeDocument/2006/relationships" xmlns:p="http://schemas.openxmlformats.org/presentationml/2006/main" showMasterSp="0" showMasterPhAnim="0">
   <p:cSld>
     <p:spTree>
       <p:nvGrpSpPr>
-        <p:cNvPr id="128" name="Shape 128"/>
+        <p:cNvPr id="1" name="Shape 128"/>
         <p:cNvGrpSpPr/>
         <p:nvPr/>
       </p:nvGrpSpPr>
@@ -1226,9 +1269,11 @@
       <p:sp>
         <p:nvSpPr>
           <p:cNvPr id="129" name="Google Shape;129;g2271b25f26d_0_3208:notes"/>
-          <p:cNvSpPr/>
+          <p:cNvSpPr>
+            <a:spLocks noGrp="1" noRot="1" noChangeAspect="1"/>
+          </p:cNvSpPr>
           <p:nvPr>
-            <p:ph idx="2" type="sldImg"/>
+            <p:ph type="sldImg" idx="2"/>
           </p:nvPr>
         </p:nvSpPr>
         <p:spPr>
@@ -1237,9 +1282,13 @@
             <a:ext cx="6096000" cy="3429000"/>
           </a:xfrm>
           <a:custGeom>
-            <a:rect b="b" l="l" r="r" t="t"/>
+            <a:avLst/>
+            <a:gdLst/>
+            <a:ahLst/>
+            <a:cxnLst/>
+            <a:rect l="l" t="t" r="r" b="b"/>
             <a:pathLst>
-              <a:path extrusionOk="0" h="120000" w="120000">
+              <a:path w="120000" h="120000" extrusionOk="0">
                 <a:moveTo>
                   <a:pt x="0" y="0"/>
                 </a:moveTo>
@@ -1261,9 +1310,11 @@
       <p:sp>
         <p:nvSpPr>
           <p:cNvPr id="130" name="Google Shape;130;g2271b25f26d_0_3208:notes"/>
-          <p:cNvSpPr txBox="1"/>
+          <p:cNvSpPr txBox="1">
+            <a:spLocks noGrp="1"/>
+          </p:cNvSpPr>
           <p:nvPr>
-            <p:ph idx="1" type="body"/>
+            <p:ph type="body" idx="1"/>
           </p:nvPr>
         </p:nvSpPr>
         <p:spPr>
@@ -1276,12 +1327,12 @@
           </a:prstGeom>
         </p:spPr>
         <p:txBody>
-          <a:bodyPr anchorCtr="0" anchor="t" bIns="91425" lIns="91425" spcFirstLastPara="1" rIns="91425" wrap="square" tIns="91425">
+          <a:bodyPr spcFirstLastPara="1" wrap="square" lIns="91425" tIns="91425" rIns="91425" bIns="91425" anchor="t" anchorCtr="0">
             <a:noAutofit/>
           </a:bodyPr>
           <a:lstStyle/>
           <a:p>
-            <a:pPr indent="0" lvl="0" marL="0" rtl="0" algn="l">
+            <a:pPr marL="0" lvl="0" indent="0" algn="l" rtl="0">
               <a:spcBef>
                 <a:spcPts val="0"/>
               </a:spcBef>
@@ -1290,9 +1341,6 @@
               </a:spcAft>
               <a:buNone/>
             </a:pPr>
-            <a:r>
-              <a:t/>
-            </a:r>
             <a:endParaRPr/>
           </a:p>
         </p:txBody>
@@ -1306,11 +1354,11 @@
 </file>
 
 <file path=ppt/notesSlides/notesSlide7.xml><?xml version="1.0" encoding="utf-8"?>
-<p:notes xmlns:a="http://schemas.openxmlformats.org/drawingml/2006/main" xmlns:r="http://schemas.openxmlformats.org/officeDocument/2006/relationships" xmlns:mc="http://schemas.openxmlformats.org/markup-compatibility/2006" xmlns:mv="urn:schemas-microsoft-com:mac:vml" xmlns:p="http://schemas.openxmlformats.org/presentationml/2006/main" xmlns:c="http://schemas.openxmlformats.org/drawingml/2006/chart" xmlns:dgm="http://schemas.openxmlformats.org/drawingml/2006/diagram" xmlns:o="urn:schemas-microsoft-com:office:office" xmlns:v="urn:schemas-microsoft-com:vml" xmlns:pvml="urn:schemas-microsoft-com:office:powerpoint" xmlns:com="http://schemas.openxmlformats.org/drawingml/2006/compatibility" xmlns:p14="http://schemas.microsoft.com/office/powerpoint/2010/main" xmlns:p15="http://schemas.microsoft.com/office/powerpoint/2012/main" xmlns:ahyp="http://schemas.microsoft.com/office/drawing/2018/hyperlinkcolor" showMasterPhAnim="0" showMasterSp="0">
+<p:notes xmlns:a="http://schemas.openxmlformats.org/drawingml/2006/main" xmlns:r="http://schemas.openxmlformats.org/officeDocument/2006/relationships" xmlns:p="http://schemas.openxmlformats.org/presentationml/2006/main" showMasterSp="0" showMasterPhAnim="0">
   <p:cSld>
     <p:spTree>
       <p:nvGrpSpPr>
-        <p:cNvPr id="134" name="Shape 134"/>
+        <p:cNvPr id="1" name="Shape 134"/>
         <p:cNvGrpSpPr/>
         <p:nvPr/>
       </p:nvGrpSpPr>
@@ -1325,9 +1373,11 @@
       <p:sp>
         <p:nvSpPr>
           <p:cNvPr id="135" name="Google Shape;135;g2271b25f26d_0_3904:notes"/>
-          <p:cNvSpPr/>
+          <p:cNvSpPr>
+            <a:spLocks noGrp="1" noRot="1" noChangeAspect="1"/>
+          </p:cNvSpPr>
           <p:nvPr>
-            <p:ph idx="2" type="sldImg"/>
+            <p:ph type="sldImg" idx="2"/>
           </p:nvPr>
         </p:nvSpPr>
         <p:spPr>
@@ -1336,9 +1386,13 @@
             <a:ext cx="6096000" cy="3429000"/>
           </a:xfrm>
           <a:custGeom>
-            <a:rect b="b" l="l" r="r" t="t"/>
+            <a:avLst/>
+            <a:gdLst/>
+            <a:ahLst/>
+            <a:cxnLst/>
+            <a:rect l="l" t="t" r="r" b="b"/>
             <a:pathLst>
-              <a:path extrusionOk="0" h="120000" w="120000">
+              <a:path w="120000" h="120000" extrusionOk="0">
                 <a:moveTo>
                   <a:pt x="0" y="0"/>
                 </a:moveTo>
@@ -1360,9 +1414,11 @@
       <p:sp>
         <p:nvSpPr>
           <p:cNvPr id="136" name="Google Shape;136;g2271b25f26d_0_3904:notes"/>
-          <p:cNvSpPr txBox="1"/>
+          <p:cNvSpPr txBox="1">
+            <a:spLocks noGrp="1"/>
+          </p:cNvSpPr>
           <p:nvPr>
-            <p:ph idx="1" type="body"/>
+            <p:ph type="body" idx="1"/>
           </p:nvPr>
         </p:nvSpPr>
         <p:spPr>
@@ -1375,12 +1431,12 @@
           </a:prstGeom>
         </p:spPr>
         <p:txBody>
-          <a:bodyPr anchorCtr="0" anchor="t" bIns="91425" lIns="91425" spcFirstLastPara="1" rIns="91425" wrap="square" tIns="91425">
+          <a:bodyPr spcFirstLastPara="1" wrap="square" lIns="91425" tIns="91425" rIns="91425" bIns="91425" anchor="t" anchorCtr="0">
             <a:noAutofit/>
           </a:bodyPr>
           <a:lstStyle/>
           <a:p>
-            <a:pPr indent="0" lvl="0" marL="0" rtl="0" algn="l">
+            <a:pPr marL="0" lvl="0" indent="0" algn="l" rtl="0">
               <a:spcBef>
                 <a:spcPts val="0"/>
               </a:spcBef>
@@ -1389,9 +1445,6 @@
               </a:spcAft>
               <a:buNone/>
             </a:pPr>
-            <a:r>
-              <a:t/>
-            </a:r>
             <a:endParaRPr/>
           </a:p>
         </p:txBody>
@@ -1405,11 +1458,11 @@
 </file>
 
 <file path=ppt/notesSlides/notesSlide8.xml><?xml version="1.0" encoding="utf-8"?>
-<p:notes xmlns:a="http://schemas.openxmlformats.org/drawingml/2006/main" xmlns:r="http://schemas.openxmlformats.org/officeDocument/2006/relationships" xmlns:mc="http://schemas.openxmlformats.org/markup-compatibility/2006" xmlns:mv="urn:schemas-microsoft-com:mac:vml" xmlns:p="http://schemas.openxmlformats.org/presentationml/2006/main" xmlns:c="http://schemas.openxmlformats.org/drawingml/2006/chart" xmlns:dgm="http://schemas.openxmlformats.org/drawingml/2006/diagram" xmlns:o="urn:schemas-microsoft-com:office:office" xmlns:v="urn:schemas-microsoft-com:vml" xmlns:pvml="urn:schemas-microsoft-com:office:powerpoint" xmlns:com="http://schemas.openxmlformats.org/drawingml/2006/compatibility" xmlns:p14="http://schemas.microsoft.com/office/powerpoint/2010/main" xmlns:p15="http://schemas.microsoft.com/office/powerpoint/2012/main" xmlns:ahyp="http://schemas.microsoft.com/office/drawing/2018/hyperlinkcolor" showMasterPhAnim="0" showMasterSp="0">
+<p:notes xmlns:a="http://schemas.openxmlformats.org/drawingml/2006/main" xmlns:r="http://schemas.openxmlformats.org/officeDocument/2006/relationships" xmlns:p="http://schemas.openxmlformats.org/presentationml/2006/main" showMasterSp="0" showMasterPhAnim="0">
   <p:cSld>
     <p:spTree>
       <p:nvGrpSpPr>
-        <p:cNvPr id="164" name="Shape 164"/>
+        <p:cNvPr id="1" name="Shape 164"/>
         <p:cNvGrpSpPr/>
         <p:nvPr/>
       </p:nvGrpSpPr>
@@ -1424,9 +1477,11 @@
       <p:sp>
         <p:nvSpPr>
           <p:cNvPr id="165" name="Google Shape;165;g2271b25f26d_0_3938:notes"/>
-          <p:cNvSpPr/>
+          <p:cNvSpPr>
+            <a:spLocks noGrp="1" noRot="1" noChangeAspect="1"/>
+          </p:cNvSpPr>
           <p:nvPr>
-            <p:ph idx="2" type="sldImg"/>
+            <p:ph type="sldImg" idx="2"/>
           </p:nvPr>
         </p:nvSpPr>
         <p:spPr>
@@ -1435,9 +1490,13 @@
             <a:ext cx="6096000" cy="3429000"/>
           </a:xfrm>
           <a:custGeom>
-            <a:rect b="b" l="l" r="r" t="t"/>
+            <a:avLst/>
+            <a:gdLst/>
+            <a:ahLst/>
+            <a:cxnLst/>
+            <a:rect l="l" t="t" r="r" b="b"/>
             <a:pathLst>
-              <a:path extrusionOk="0" h="120000" w="120000">
+              <a:path w="120000" h="120000" extrusionOk="0">
                 <a:moveTo>
                   <a:pt x="0" y="0"/>
                 </a:moveTo>
@@ -1459,9 +1518,11 @@
       <p:sp>
         <p:nvSpPr>
           <p:cNvPr id="166" name="Google Shape;166;g2271b25f26d_0_3938:notes"/>
-          <p:cNvSpPr txBox="1"/>
+          <p:cNvSpPr txBox="1">
+            <a:spLocks noGrp="1"/>
+          </p:cNvSpPr>
           <p:nvPr>
-            <p:ph idx="1" type="body"/>
+            <p:ph type="body" idx="1"/>
           </p:nvPr>
         </p:nvSpPr>
         <p:spPr>
@@ -1474,12 +1535,12 @@
           </a:prstGeom>
         </p:spPr>
         <p:txBody>
-          <a:bodyPr anchorCtr="0" anchor="t" bIns="91425" lIns="91425" spcFirstLastPara="1" rIns="91425" wrap="square" tIns="91425">
+          <a:bodyPr spcFirstLastPara="1" wrap="square" lIns="91425" tIns="91425" rIns="91425" bIns="91425" anchor="t" anchorCtr="0">
             <a:noAutofit/>
           </a:bodyPr>
           <a:lstStyle/>
           <a:p>
-            <a:pPr indent="0" lvl="0" marL="0" rtl="0" algn="l">
+            <a:pPr marL="0" lvl="0" indent="0" algn="l" rtl="0">
               <a:spcBef>
                 <a:spcPts val="0"/>
               </a:spcBef>
@@ -1488,9 +1549,6 @@
               </a:spcAft>
               <a:buNone/>
             </a:pPr>
-            <a:r>
-              <a:t/>
-            </a:r>
             <a:endParaRPr/>
           </a:p>
         </p:txBody>
@@ -1504,11 +1562,11 @@
 </file>
 
 <file path=ppt/slideLayouts/slideLayout1.xml><?xml version="1.0" encoding="utf-8"?>
-<p:sldLayout xmlns:a="http://schemas.openxmlformats.org/drawingml/2006/main" xmlns:r="http://schemas.openxmlformats.org/officeDocument/2006/relationships" xmlns:mc="http://schemas.openxmlformats.org/markup-compatibility/2006" xmlns:mv="urn:schemas-microsoft-com:mac:vml" xmlns:p="http://schemas.openxmlformats.org/presentationml/2006/main" xmlns:c="http://schemas.openxmlformats.org/drawingml/2006/chart" xmlns:dgm="http://schemas.openxmlformats.org/drawingml/2006/diagram" xmlns:o="urn:schemas-microsoft-com:office:office" xmlns:v="urn:schemas-microsoft-com:vml" xmlns:pvml="urn:schemas-microsoft-com:office:powerpoint" xmlns:com="http://schemas.openxmlformats.org/drawingml/2006/compatibility" xmlns:p14="http://schemas.microsoft.com/office/powerpoint/2010/main" xmlns:p15="http://schemas.microsoft.com/office/powerpoint/2012/main" xmlns:ahyp="http://schemas.microsoft.com/office/drawing/2018/hyperlinkcolor" matchingName="Title slide" type="title">
+<p:sldLayout xmlns:a="http://schemas.openxmlformats.org/drawingml/2006/main" xmlns:r="http://schemas.openxmlformats.org/officeDocument/2006/relationships" xmlns:p="http://schemas.openxmlformats.org/presentationml/2006/main" matchingName="Title slide" type="title">
   <p:cSld name="TITLE">
     <p:spTree>
       <p:nvGrpSpPr>
-        <p:cNvPr id="9" name="Shape 9"/>
+        <p:cNvPr id="1" name="Shape 9"/>
         <p:cNvGrpSpPr/>
         <p:nvPr/>
       </p:nvGrpSpPr>
@@ -1556,12 +1614,12 @@
             </a:ln>
           </p:spPr>
           <p:txBody>
-            <a:bodyPr anchorCtr="0" anchor="ctr" bIns="91425" lIns="91425" spcFirstLastPara="1" rIns="91425" wrap="square" tIns="91425">
+            <a:bodyPr spcFirstLastPara="1" wrap="square" lIns="91425" tIns="91425" rIns="91425" bIns="91425" anchor="ctr" anchorCtr="0">
               <a:noAutofit/>
             </a:bodyPr>
             <a:lstStyle/>
             <a:p>
-              <a:pPr indent="0" lvl="0" marL="0" rtl="0" algn="l">
+              <a:pPr marL="0" lvl="0" indent="0" algn="l" rtl="0">
                 <a:spcBef>
                   <a:spcPts val="0"/>
                 </a:spcBef>
@@ -1570,9 +1628,6 @@
                 </a:spcAft>
                 <a:buNone/>
               </a:pPr>
-              <a:r>
-                <a:t/>
-              </a:r>
               <a:endParaRPr/>
             </a:p>
           </p:txBody>
@@ -1599,12 +1654,12 @@
             </a:ln>
           </p:spPr>
           <p:txBody>
-            <a:bodyPr anchorCtr="0" anchor="ctr" bIns="91425" lIns="91425" spcFirstLastPara="1" rIns="91425" wrap="square" tIns="91425">
+            <a:bodyPr spcFirstLastPara="1" wrap="square" lIns="91425" tIns="91425" rIns="91425" bIns="91425" anchor="ctr" anchorCtr="0">
               <a:noAutofit/>
             </a:bodyPr>
             <a:lstStyle/>
             <a:p>
-              <a:pPr indent="0" lvl="0" marL="0" rtl="0" algn="l">
+              <a:pPr marL="0" lvl="0" indent="0" algn="l" rtl="0">
                 <a:spcBef>
                   <a:spcPts val="0"/>
                 </a:spcBef>
@@ -1613,9 +1668,6 @@
                 </a:spcAft>
                 <a:buNone/>
               </a:pPr>
-              <a:r>
-                <a:t/>
-              </a:r>
               <a:endParaRPr/>
             </a:p>
           </p:txBody>
@@ -1642,12 +1694,12 @@
             </a:ln>
           </p:spPr>
           <p:txBody>
-            <a:bodyPr anchorCtr="0" anchor="ctr" bIns="91425" lIns="91425" spcFirstLastPara="1" rIns="91425" wrap="square" tIns="91425">
+            <a:bodyPr spcFirstLastPara="1" wrap="square" lIns="91425" tIns="91425" rIns="91425" bIns="91425" anchor="ctr" anchorCtr="0">
               <a:noAutofit/>
             </a:bodyPr>
             <a:lstStyle/>
             <a:p>
-              <a:pPr indent="0" lvl="0" marL="0" rtl="0" algn="l">
+              <a:pPr marL="0" lvl="0" indent="0" algn="l" rtl="0">
                 <a:spcBef>
                   <a:spcPts val="0"/>
                 </a:spcBef>
@@ -1656,9 +1708,6 @@
                 </a:spcAft>
                 <a:buNone/>
               </a:pPr>
-              <a:r>
-                <a:t/>
-              </a:r>
               <a:endParaRPr/>
             </a:p>
           </p:txBody>
@@ -1667,7 +1716,9 @@
       <p:sp>
         <p:nvSpPr>
           <p:cNvPr id="14" name="Google Shape;14;p2"/>
-          <p:cNvSpPr txBox="1"/>
+          <p:cNvSpPr txBox="1">
+            <a:spLocks noGrp="1"/>
+          </p:cNvSpPr>
           <p:nvPr>
             <p:ph type="ctrTitle"/>
           </p:nvPr>
@@ -1682,11 +1733,11 @@
           </a:prstGeom>
         </p:spPr>
         <p:txBody>
-          <a:bodyPr anchorCtr="0" anchor="b" bIns="91425" lIns="91425" spcFirstLastPara="1" rIns="91425" wrap="square" tIns="91425">
+          <a:bodyPr spcFirstLastPara="1" wrap="square" lIns="91425" tIns="91425" rIns="91425" bIns="91425" anchor="b" anchorCtr="0">
             <a:normAutofit/>
           </a:bodyPr>
           <a:lstStyle>
-            <a:lvl1pPr lvl="0" rtl="0" algn="ctr">
+            <a:lvl1pPr lvl="0" algn="ctr" rtl="0">
               <a:spcBef>
                 <a:spcPts val="0"/>
               </a:spcBef>
@@ -1697,7 +1748,7 @@
               <a:buNone/>
               <a:defRPr sz="4800"/>
             </a:lvl1pPr>
-            <a:lvl2pPr lvl="1" rtl="0" algn="ctr">
+            <a:lvl2pPr lvl="1" algn="ctr" rtl="0">
               <a:spcBef>
                 <a:spcPts val="0"/>
               </a:spcBef>
@@ -1708,7 +1759,7 @@
               <a:buNone/>
               <a:defRPr sz="4800"/>
             </a:lvl2pPr>
-            <a:lvl3pPr lvl="2" rtl="0" algn="ctr">
+            <a:lvl3pPr lvl="2" algn="ctr" rtl="0">
               <a:spcBef>
                 <a:spcPts val="0"/>
               </a:spcBef>
@@ -1719,7 +1770,7 @@
               <a:buNone/>
               <a:defRPr sz="4800"/>
             </a:lvl3pPr>
-            <a:lvl4pPr lvl="3" rtl="0" algn="ctr">
+            <a:lvl4pPr lvl="3" algn="ctr" rtl="0">
               <a:spcBef>
                 <a:spcPts val="0"/>
               </a:spcBef>
@@ -1730,7 +1781,7 @@
               <a:buNone/>
               <a:defRPr sz="4800"/>
             </a:lvl4pPr>
-            <a:lvl5pPr lvl="4" rtl="0" algn="ctr">
+            <a:lvl5pPr lvl="4" algn="ctr" rtl="0">
               <a:spcBef>
                 <a:spcPts val="0"/>
               </a:spcBef>
@@ -1741,7 +1792,7 @@
               <a:buNone/>
               <a:defRPr sz="4800"/>
             </a:lvl5pPr>
-            <a:lvl6pPr lvl="5" rtl="0" algn="ctr">
+            <a:lvl6pPr lvl="5" algn="ctr" rtl="0">
               <a:spcBef>
                 <a:spcPts val="0"/>
               </a:spcBef>
@@ -1752,7 +1803,7 @@
               <a:buNone/>
               <a:defRPr sz="4800"/>
             </a:lvl6pPr>
-            <a:lvl7pPr lvl="6" rtl="0" algn="ctr">
+            <a:lvl7pPr lvl="6" algn="ctr" rtl="0">
               <a:spcBef>
                 <a:spcPts val="0"/>
               </a:spcBef>
@@ -1763,7 +1814,7 @@
               <a:buNone/>
               <a:defRPr sz="4800"/>
             </a:lvl7pPr>
-            <a:lvl8pPr lvl="7" rtl="0" algn="ctr">
+            <a:lvl8pPr lvl="7" algn="ctr" rtl="0">
               <a:spcBef>
                 <a:spcPts val="0"/>
               </a:spcBef>
@@ -1774,7 +1825,7 @@
               <a:buNone/>
               <a:defRPr sz="4800"/>
             </a:lvl8pPr>
-            <a:lvl9pPr lvl="8" rtl="0" algn="ctr">
+            <a:lvl9pPr lvl="8" algn="ctr" rtl="0">
               <a:spcBef>
                 <a:spcPts val="0"/>
               </a:spcBef>
@@ -1786,15 +1837,19 @@
               <a:defRPr sz="4800"/>
             </a:lvl9pPr>
           </a:lstStyle>
-          <a:p/>
+          <a:p>
+            <a:endParaRPr/>
+          </a:p>
         </p:txBody>
       </p:sp>
       <p:sp>
         <p:nvSpPr>
           <p:cNvPr id="15" name="Google Shape;15;p2"/>
-          <p:cNvSpPr txBox="1"/>
+          <p:cNvSpPr txBox="1">
+            <a:spLocks noGrp="1"/>
+          </p:cNvSpPr>
           <p:nvPr>
-            <p:ph idx="1" type="subTitle"/>
+            <p:ph type="subTitle" idx="1"/>
           </p:nvPr>
         </p:nvSpPr>
         <p:spPr>
@@ -1807,11 +1862,11 @@
           </a:prstGeom>
         </p:spPr>
         <p:txBody>
-          <a:bodyPr anchorCtr="0" anchor="t" bIns="91425" lIns="91425" spcFirstLastPara="1" rIns="91425" wrap="square" tIns="91425">
+          <a:bodyPr spcFirstLastPara="1" wrap="square" lIns="91425" tIns="91425" rIns="91425" bIns="91425" anchor="t" anchorCtr="0">
             <a:normAutofit/>
           </a:bodyPr>
           <a:lstStyle>
-            <a:lvl1pPr lvl="0" rtl="0" algn="ctr">
+            <a:lvl1pPr lvl="0" algn="ctr" rtl="0">
               <a:lnSpc>
                 <a:spcPct val="100000"/>
               </a:lnSpc>
@@ -1825,7 +1880,7 @@
               <a:buNone/>
               <a:defRPr sz="2100"/>
             </a:lvl1pPr>
-            <a:lvl2pPr lvl="1" rtl="0" algn="ctr">
+            <a:lvl2pPr lvl="1" algn="ctr" rtl="0">
               <a:lnSpc>
                 <a:spcPct val="100000"/>
               </a:lnSpc>
@@ -1839,7 +1894,7 @@
               <a:buNone/>
               <a:defRPr sz="2100"/>
             </a:lvl2pPr>
-            <a:lvl3pPr lvl="2" rtl="0" algn="ctr">
+            <a:lvl3pPr lvl="2" algn="ctr" rtl="0">
               <a:lnSpc>
                 <a:spcPct val="100000"/>
               </a:lnSpc>
@@ -1853,7 +1908,7 @@
               <a:buNone/>
               <a:defRPr sz="2100"/>
             </a:lvl3pPr>
-            <a:lvl4pPr lvl="3" rtl="0" algn="ctr">
+            <a:lvl4pPr lvl="3" algn="ctr" rtl="0">
               <a:lnSpc>
                 <a:spcPct val="100000"/>
               </a:lnSpc>
@@ -1867,7 +1922,7 @@
               <a:buNone/>
               <a:defRPr sz="2100"/>
             </a:lvl4pPr>
-            <a:lvl5pPr lvl="4" rtl="0" algn="ctr">
+            <a:lvl5pPr lvl="4" algn="ctr" rtl="0">
               <a:lnSpc>
                 <a:spcPct val="100000"/>
               </a:lnSpc>
@@ -1881,7 +1936,7 @@
               <a:buNone/>
               <a:defRPr sz="2100"/>
             </a:lvl5pPr>
-            <a:lvl6pPr lvl="5" rtl="0" algn="ctr">
+            <a:lvl6pPr lvl="5" algn="ctr" rtl="0">
               <a:lnSpc>
                 <a:spcPct val="100000"/>
               </a:lnSpc>
@@ -1895,7 +1950,7 @@
               <a:buNone/>
               <a:defRPr sz="2100"/>
             </a:lvl6pPr>
-            <a:lvl7pPr lvl="6" rtl="0" algn="ctr">
+            <a:lvl7pPr lvl="6" algn="ctr" rtl="0">
               <a:lnSpc>
                 <a:spcPct val="100000"/>
               </a:lnSpc>
@@ -1909,7 +1964,7 @@
               <a:buNone/>
               <a:defRPr sz="2100"/>
             </a:lvl7pPr>
-            <a:lvl8pPr lvl="7" rtl="0" algn="ctr">
+            <a:lvl8pPr lvl="7" algn="ctr" rtl="0">
               <a:lnSpc>
                 <a:spcPct val="100000"/>
               </a:lnSpc>
@@ -1923,7 +1978,7 @@
               <a:buNone/>
               <a:defRPr sz="2100"/>
             </a:lvl8pPr>
-            <a:lvl9pPr lvl="8" rtl="0" algn="ctr">
+            <a:lvl9pPr lvl="8" algn="ctr" rtl="0">
               <a:lnSpc>
                 <a:spcPct val="100000"/>
               </a:lnSpc>
@@ -1938,15 +1993,19 @@
               <a:defRPr sz="2100"/>
             </a:lvl9pPr>
           </a:lstStyle>
-          <a:p/>
+          <a:p>
+            <a:endParaRPr/>
+          </a:p>
         </p:txBody>
       </p:sp>
       <p:sp>
         <p:nvSpPr>
           <p:cNvPr id="16" name="Google Shape;16;p2"/>
-          <p:cNvSpPr txBox="1"/>
+          <p:cNvSpPr txBox="1">
+            <a:spLocks noGrp="1"/>
+          </p:cNvSpPr>
           <p:nvPr>
-            <p:ph idx="12" type="sldNum"/>
+            <p:ph type="sldNum" idx="12"/>
           </p:nvPr>
         </p:nvSpPr>
         <p:spPr>
@@ -1959,7 +2018,7 @@
           </a:prstGeom>
         </p:spPr>
         <p:txBody>
-          <a:bodyPr anchorCtr="0" anchor="ctr" bIns="91425" lIns="91425" spcFirstLastPara="1" rIns="91425" wrap="square" tIns="91425">
+          <a:bodyPr spcFirstLastPara="1" wrap="square" lIns="91425" tIns="91425" rIns="91425" bIns="91425" anchor="ctr" anchorCtr="0">
             <a:normAutofit/>
           </a:bodyPr>
           <a:lstStyle>
@@ -2001,7 +2060,7 @@
             </a:lvl9pPr>
           </a:lstStyle>
           <a:p>
-            <a:pPr indent="0" lvl="0" marL="0" rtl="0" algn="r">
+            <a:pPr marL="0" lvl="0" indent="0" algn="r" rtl="0">
               <a:spcBef>
                 <a:spcPts val="0"/>
               </a:spcBef>
@@ -2027,11 +2086,11 @@
 </file>
 
 <file path=ppt/slideLayouts/slideLayout10.xml><?xml version="1.0" encoding="utf-8"?>
-<p:sldLayout xmlns:a="http://schemas.openxmlformats.org/drawingml/2006/main" xmlns:r="http://schemas.openxmlformats.org/officeDocument/2006/relationships" xmlns:mc="http://schemas.openxmlformats.org/markup-compatibility/2006" xmlns:mv="urn:schemas-microsoft-com:mac:vml" xmlns:p="http://schemas.openxmlformats.org/presentationml/2006/main" xmlns:c="http://schemas.openxmlformats.org/drawingml/2006/chart" xmlns:dgm="http://schemas.openxmlformats.org/drawingml/2006/diagram" xmlns:o="urn:schemas-microsoft-com:office:office" xmlns:v="urn:schemas-microsoft-com:vml" xmlns:pvml="urn:schemas-microsoft-com:office:powerpoint" xmlns:com="http://schemas.openxmlformats.org/drawingml/2006/compatibility" xmlns:p14="http://schemas.microsoft.com/office/powerpoint/2010/main" xmlns:p15="http://schemas.microsoft.com/office/powerpoint/2012/main" xmlns:ahyp="http://schemas.microsoft.com/office/drawing/2018/hyperlinkcolor" matchingName="Big number">
+<p:sldLayout xmlns:a="http://schemas.openxmlformats.org/drawingml/2006/main" xmlns:r="http://schemas.openxmlformats.org/officeDocument/2006/relationships" xmlns:p="http://schemas.openxmlformats.org/presentationml/2006/main" matchingName="Big number">
   <p:cSld name="BIG_NUMBER">
     <p:spTree>
       <p:nvGrpSpPr>
-        <p:cNvPr id="49" name="Shape 49"/>
+        <p:cNvPr id="1" name="Shape 49"/>
         <p:cNvGrpSpPr/>
         <p:nvPr/>
       </p:nvGrpSpPr>
@@ -2046,9 +2105,11 @@
       <p:sp>
         <p:nvSpPr>
           <p:cNvPr id="50" name="Google Shape;50;p11"/>
-          <p:cNvSpPr txBox="1"/>
+          <p:cNvSpPr txBox="1">
+            <a:spLocks noGrp="1"/>
+          </p:cNvSpPr>
           <p:nvPr>
-            <p:ph hasCustomPrompt="1" type="title"/>
+            <p:ph type="title" hasCustomPrompt="1"/>
           </p:nvPr>
         </p:nvSpPr>
         <p:spPr>
@@ -2061,11 +2122,11 @@
           </a:prstGeom>
         </p:spPr>
         <p:txBody>
-          <a:bodyPr anchorCtr="0" anchor="b" bIns="91425" lIns="91425" spcFirstLastPara="1" rIns="91425" wrap="square" tIns="91425">
+          <a:bodyPr spcFirstLastPara="1" wrap="square" lIns="91425" tIns="91425" rIns="91425" bIns="91425" anchor="b" anchorCtr="0">
             <a:normAutofit/>
           </a:bodyPr>
           <a:lstStyle>
-            <a:lvl1pPr lvl="0" rtl="0" algn="ctr">
+            <a:lvl1pPr lvl="0" algn="ctr" rtl="0">
               <a:spcBef>
                 <a:spcPts val="0"/>
               </a:spcBef>
@@ -2076,7 +2137,7 @@
               <a:buNone/>
               <a:defRPr sz="12000"/>
             </a:lvl1pPr>
-            <a:lvl2pPr lvl="1" rtl="0" algn="ctr">
+            <a:lvl2pPr lvl="1" algn="ctr" rtl="0">
               <a:spcBef>
                 <a:spcPts val="0"/>
               </a:spcBef>
@@ -2087,7 +2148,7 @@
               <a:buNone/>
               <a:defRPr sz="12000"/>
             </a:lvl2pPr>
-            <a:lvl3pPr lvl="2" rtl="0" algn="ctr">
+            <a:lvl3pPr lvl="2" algn="ctr" rtl="0">
               <a:spcBef>
                 <a:spcPts val="0"/>
               </a:spcBef>
@@ -2098,7 +2159,7 @@
               <a:buNone/>
               <a:defRPr sz="12000"/>
             </a:lvl3pPr>
-            <a:lvl4pPr lvl="3" rtl="0" algn="ctr">
+            <a:lvl4pPr lvl="3" algn="ctr" rtl="0">
               <a:spcBef>
                 <a:spcPts val="0"/>
               </a:spcBef>
@@ -2109,7 +2170,7 @@
               <a:buNone/>
               <a:defRPr sz="12000"/>
             </a:lvl4pPr>
-            <a:lvl5pPr lvl="4" rtl="0" algn="ctr">
+            <a:lvl5pPr lvl="4" algn="ctr" rtl="0">
               <a:spcBef>
                 <a:spcPts val="0"/>
               </a:spcBef>
@@ -2120,7 +2181,7 @@
               <a:buNone/>
               <a:defRPr sz="12000"/>
             </a:lvl5pPr>
-            <a:lvl6pPr lvl="5" rtl="0" algn="ctr">
+            <a:lvl6pPr lvl="5" algn="ctr" rtl="0">
               <a:spcBef>
                 <a:spcPts val="0"/>
               </a:spcBef>
@@ -2131,7 +2192,7 @@
               <a:buNone/>
               <a:defRPr sz="12000"/>
             </a:lvl6pPr>
-            <a:lvl7pPr lvl="6" rtl="0" algn="ctr">
+            <a:lvl7pPr lvl="6" algn="ctr" rtl="0">
               <a:spcBef>
                 <a:spcPts val="0"/>
               </a:spcBef>
@@ -2142,7 +2203,7 @@
               <a:buNone/>
               <a:defRPr sz="12000"/>
             </a:lvl7pPr>
-            <a:lvl8pPr lvl="7" rtl="0" algn="ctr">
+            <a:lvl8pPr lvl="7" algn="ctr" rtl="0">
               <a:spcBef>
                 <a:spcPts val="0"/>
               </a:spcBef>
@@ -2153,7 +2214,7 @@
               <a:buNone/>
               <a:defRPr sz="12000"/>
             </a:lvl8pPr>
-            <a:lvl9pPr lvl="8" rtl="0" algn="ctr">
+            <a:lvl9pPr lvl="8" algn="ctr" rtl="0">
               <a:spcBef>
                 <a:spcPts val="0"/>
               </a:spcBef>
@@ -2175,9 +2236,11 @@
       <p:sp>
         <p:nvSpPr>
           <p:cNvPr id="51" name="Google Shape;51;p11"/>
-          <p:cNvSpPr txBox="1"/>
+          <p:cNvSpPr txBox="1">
+            <a:spLocks noGrp="1"/>
+          </p:cNvSpPr>
           <p:nvPr>
-            <p:ph idx="1" type="body"/>
+            <p:ph type="body" idx="1"/>
           </p:nvPr>
         </p:nvSpPr>
         <p:spPr>
@@ -2190,11 +2253,11 @@
           </a:prstGeom>
         </p:spPr>
         <p:txBody>
-          <a:bodyPr anchorCtr="0" anchor="t" bIns="91425" lIns="91425" spcFirstLastPara="1" rIns="91425" wrap="square" tIns="91425">
+          <a:bodyPr spcFirstLastPara="1" wrap="square" lIns="91425" tIns="91425" rIns="91425" bIns="91425" anchor="t" anchorCtr="0">
             <a:normAutofit/>
           </a:bodyPr>
           <a:lstStyle>
-            <a:lvl1pPr indent="-342900" lvl="0" marL="457200" rtl="0" algn="ctr">
+            <a:lvl1pPr marL="457200" lvl="0" indent="-342900" algn="ctr" rtl="0">
               <a:spcBef>
                 <a:spcPts val="0"/>
               </a:spcBef>
@@ -2205,7 +2268,7 @@
               <a:buChar char="●"/>
               <a:defRPr/>
             </a:lvl1pPr>
-            <a:lvl2pPr indent="-317500" lvl="1" marL="914400" rtl="0" algn="ctr">
+            <a:lvl2pPr marL="914400" lvl="1" indent="-317500" algn="ctr" rtl="0">
               <a:spcBef>
                 <a:spcPts val="0"/>
               </a:spcBef>
@@ -2216,7 +2279,7 @@
               <a:buChar char="○"/>
               <a:defRPr/>
             </a:lvl2pPr>
-            <a:lvl3pPr indent="-317500" lvl="2" marL="1371600" rtl="0" algn="ctr">
+            <a:lvl3pPr marL="1371600" lvl="2" indent="-317500" algn="ctr" rtl="0">
               <a:spcBef>
                 <a:spcPts val="0"/>
               </a:spcBef>
@@ -2227,7 +2290,7 @@
               <a:buChar char="■"/>
               <a:defRPr/>
             </a:lvl3pPr>
-            <a:lvl4pPr indent="-317500" lvl="3" marL="1828800" rtl="0" algn="ctr">
+            <a:lvl4pPr marL="1828800" lvl="3" indent="-317500" algn="ctr" rtl="0">
               <a:spcBef>
                 <a:spcPts val="0"/>
               </a:spcBef>
@@ -2238,7 +2301,7 @@
               <a:buChar char="●"/>
               <a:defRPr/>
             </a:lvl4pPr>
-            <a:lvl5pPr indent="-317500" lvl="4" marL="2286000" rtl="0" algn="ctr">
+            <a:lvl5pPr marL="2286000" lvl="4" indent="-317500" algn="ctr" rtl="0">
               <a:spcBef>
                 <a:spcPts val="0"/>
               </a:spcBef>
@@ -2249,7 +2312,7 @@
               <a:buChar char="○"/>
               <a:defRPr/>
             </a:lvl5pPr>
-            <a:lvl6pPr indent="-317500" lvl="5" marL="2743200" rtl="0" algn="ctr">
+            <a:lvl6pPr marL="2743200" lvl="5" indent="-317500" algn="ctr" rtl="0">
               <a:spcBef>
                 <a:spcPts val="0"/>
               </a:spcBef>
@@ -2260,7 +2323,7 @@
               <a:buChar char="■"/>
               <a:defRPr/>
             </a:lvl6pPr>
-            <a:lvl7pPr indent="-317500" lvl="6" marL="3200400" rtl="0" algn="ctr">
+            <a:lvl7pPr marL="3200400" lvl="6" indent="-317500" algn="ctr" rtl="0">
               <a:spcBef>
                 <a:spcPts val="0"/>
               </a:spcBef>
@@ -2271,7 +2334,7 @@
               <a:buChar char="●"/>
               <a:defRPr/>
             </a:lvl7pPr>
-            <a:lvl8pPr indent="-317500" lvl="7" marL="3657600" rtl="0" algn="ctr">
+            <a:lvl8pPr marL="3657600" lvl="7" indent="-317500" algn="ctr" rtl="0">
               <a:spcBef>
                 <a:spcPts val="0"/>
               </a:spcBef>
@@ -2282,7 +2345,7 @@
               <a:buChar char="○"/>
               <a:defRPr/>
             </a:lvl8pPr>
-            <a:lvl9pPr indent="-317500" lvl="8" marL="4114800" rtl="0" algn="ctr">
+            <a:lvl9pPr marL="4114800" lvl="8" indent="-317500" algn="ctr" rtl="0">
               <a:spcBef>
                 <a:spcPts val="0"/>
               </a:spcBef>
@@ -2294,15 +2357,19 @@
               <a:defRPr/>
             </a:lvl9pPr>
           </a:lstStyle>
-          <a:p/>
+          <a:p>
+            <a:endParaRPr/>
+          </a:p>
         </p:txBody>
       </p:sp>
       <p:sp>
         <p:nvSpPr>
           <p:cNvPr id="52" name="Google Shape;52;p11"/>
-          <p:cNvSpPr txBox="1"/>
+          <p:cNvSpPr txBox="1">
+            <a:spLocks noGrp="1"/>
+          </p:cNvSpPr>
           <p:nvPr>
-            <p:ph idx="12" type="sldNum"/>
+            <p:ph type="sldNum" idx="12"/>
           </p:nvPr>
         </p:nvSpPr>
         <p:spPr>
@@ -2315,7 +2382,7 @@
           </a:prstGeom>
         </p:spPr>
         <p:txBody>
-          <a:bodyPr anchorCtr="0" anchor="ctr" bIns="91425" lIns="91425" spcFirstLastPara="1" rIns="91425" wrap="square" tIns="91425">
+          <a:bodyPr spcFirstLastPara="1" wrap="square" lIns="91425" tIns="91425" rIns="91425" bIns="91425" anchor="ctr" anchorCtr="0">
             <a:normAutofit/>
           </a:bodyPr>
           <a:lstStyle>
@@ -2357,7 +2424,7 @@
             </a:lvl9pPr>
           </a:lstStyle>
           <a:p>
-            <a:pPr indent="0" lvl="0" marL="0" rtl="0" algn="r">
+            <a:pPr marL="0" lvl="0" indent="0" algn="r" rtl="0">
               <a:spcBef>
                 <a:spcPts val="0"/>
               </a:spcBef>
@@ -2383,11 +2450,11 @@
 </file>
 
 <file path=ppt/slideLayouts/slideLayout11.xml><?xml version="1.0" encoding="utf-8"?>
-<p:sldLayout xmlns:a="http://schemas.openxmlformats.org/drawingml/2006/main" xmlns:r="http://schemas.openxmlformats.org/officeDocument/2006/relationships" xmlns:mc="http://schemas.openxmlformats.org/markup-compatibility/2006" xmlns:mv="urn:schemas-microsoft-com:mac:vml" xmlns:p="http://schemas.openxmlformats.org/presentationml/2006/main" xmlns:c="http://schemas.openxmlformats.org/drawingml/2006/chart" xmlns:dgm="http://schemas.openxmlformats.org/drawingml/2006/diagram" xmlns:o="urn:schemas-microsoft-com:office:office" xmlns:v="urn:schemas-microsoft-com:vml" xmlns:pvml="urn:schemas-microsoft-com:office:powerpoint" xmlns:com="http://schemas.openxmlformats.org/drawingml/2006/compatibility" xmlns:p14="http://schemas.microsoft.com/office/powerpoint/2010/main" xmlns:p15="http://schemas.microsoft.com/office/powerpoint/2012/main" xmlns:ahyp="http://schemas.microsoft.com/office/drawing/2018/hyperlinkcolor" matchingName="Blank" type="blank">
+<p:sldLayout xmlns:a="http://schemas.openxmlformats.org/drawingml/2006/main" xmlns:r="http://schemas.openxmlformats.org/officeDocument/2006/relationships" xmlns:p="http://schemas.openxmlformats.org/presentationml/2006/main" matchingName="Blank" type="blank">
   <p:cSld name="BLANK">
     <p:spTree>
       <p:nvGrpSpPr>
-        <p:cNvPr id="53" name="Shape 53"/>
+        <p:cNvPr id="1" name="Shape 53"/>
         <p:cNvGrpSpPr/>
         <p:nvPr/>
       </p:nvGrpSpPr>
@@ -2402,9 +2469,11 @@
       <p:sp>
         <p:nvSpPr>
           <p:cNvPr id="54" name="Google Shape;54;p12"/>
-          <p:cNvSpPr txBox="1"/>
+          <p:cNvSpPr txBox="1">
+            <a:spLocks noGrp="1"/>
+          </p:cNvSpPr>
           <p:nvPr>
-            <p:ph idx="12" type="sldNum"/>
+            <p:ph type="sldNum" idx="12"/>
           </p:nvPr>
         </p:nvSpPr>
         <p:spPr>
@@ -2417,7 +2486,7 @@
           </a:prstGeom>
         </p:spPr>
         <p:txBody>
-          <a:bodyPr anchorCtr="0" anchor="ctr" bIns="91425" lIns="91425" spcFirstLastPara="1" rIns="91425" wrap="square" tIns="91425">
+          <a:bodyPr spcFirstLastPara="1" wrap="square" lIns="91425" tIns="91425" rIns="91425" bIns="91425" anchor="ctr" anchorCtr="0">
             <a:normAutofit/>
           </a:bodyPr>
           <a:lstStyle>
@@ -2459,7 +2528,7 @@
             </a:lvl9pPr>
           </a:lstStyle>
           <a:p>
-            <a:pPr indent="0" lvl="0" marL="0" rtl="0" algn="r">
+            <a:pPr marL="0" lvl="0" indent="0" algn="r" rtl="0">
               <a:spcBef>
                 <a:spcPts val="0"/>
               </a:spcBef>
@@ -2485,11 +2554,11 @@
 </file>
 
 <file path=ppt/slideLayouts/slideLayout2.xml><?xml version="1.0" encoding="utf-8"?>
-<p:sldLayout xmlns:a="http://schemas.openxmlformats.org/drawingml/2006/main" xmlns:r="http://schemas.openxmlformats.org/officeDocument/2006/relationships" xmlns:mc="http://schemas.openxmlformats.org/markup-compatibility/2006" xmlns:mv="urn:schemas-microsoft-com:mac:vml" xmlns:p="http://schemas.openxmlformats.org/presentationml/2006/main" xmlns:c="http://schemas.openxmlformats.org/drawingml/2006/chart" xmlns:dgm="http://schemas.openxmlformats.org/drawingml/2006/diagram" xmlns:o="urn:schemas-microsoft-com:office:office" xmlns:v="urn:schemas-microsoft-com:vml" xmlns:pvml="urn:schemas-microsoft-com:office:powerpoint" xmlns:com="http://schemas.openxmlformats.org/drawingml/2006/compatibility" xmlns:p14="http://schemas.microsoft.com/office/powerpoint/2010/main" xmlns:p15="http://schemas.microsoft.com/office/powerpoint/2012/main" xmlns:ahyp="http://schemas.microsoft.com/office/drawing/2018/hyperlinkcolor" matchingName="Section header" type="secHead">
+<p:sldLayout xmlns:a="http://schemas.openxmlformats.org/drawingml/2006/main" xmlns:r="http://schemas.openxmlformats.org/officeDocument/2006/relationships" xmlns:p="http://schemas.openxmlformats.org/presentationml/2006/main" matchingName="Section header" type="secHead">
   <p:cSld name="SECTION_HEADER">
     <p:spTree>
       <p:nvGrpSpPr>
-        <p:cNvPr id="17" name="Shape 17"/>
+        <p:cNvPr id="1" name="Shape 17"/>
         <p:cNvGrpSpPr/>
         <p:nvPr/>
       </p:nvGrpSpPr>
@@ -2504,7 +2573,9 @@
       <p:sp>
         <p:nvSpPr>
           <p:cNvPr id="18" name="Google Shape;18;p3"/>
-          <p:cNvSpPr txBox="1"/>
+          <p:cNvSpPr txBox="1">
+            <a:spLocks noGrp="1"/>
+          </p:cNvSpPr>
           <p:nvPr>
             <p:ph type="title"/>
           </p:nvPr>
@@ -2519,11 +2590,11 @@
           </a:prstGeom>
         </p:spPr>
         <p:txBody>
-          <a:bodyPr anchorCtr="0" anchor="ctr" bIns="91425" lIns="91425" spcFirstLastPara="1" rIns="91425" wrap="square" tIns="91425">
+          <a:bodyPr spcFirstLastPara="1" wrap="square" lIns="91425" tIns="91425" rIns="91425" bIns="91425" anchor="ctr" anchorCtr="0">
             <a:normAutofit/>
           </a:bodyPr>
           <a:lstStyle>
-            <a:lvl1pPr lvl="0" rtl="0" algn="ctr">
+            <a:lvl1pPr lvl="0" algn="ctr" rtl="0">
               <a:spcBef>
                 <a:spcPts val="0"/>
               </a:spcBef>
@@ -2534,7 +2605,7 @@
               <a:buNone/>
               <a:defRPr sz="3600"/>
             </a:lvl1pPr>
-            <a:lvl2pPr lvl="1" rtl="0" algn="ctr">
+            <a:lvl2pPr lvl="1" algn="ctr" rtl="0">
               <a:spcBef>
                 <a:spcPts val="0"/>
               </a:spcBef>
@@ -2545,7 +2616,7 @@
               <a:buNone/>
               <a:defRPr sz="3600"/>
             </a:lvl2pPr>
-            <a:lvl3pPr lvl="2" rtl="0" algn="ctr">
+            <a:lvl3pPr lvl="2" algn="ctr" rtl="0">
               <a:spcBef>
                 <a:spcPts val="0"/>
               </a:spcBef>
@@ -2556,7 +2627,7 @@
               <a:buNone/>
               <a:defRPr sz="3600"/>
             </a:lvl3pPr>
-            <a:lvl4pPr lvl="3" rtl="0" algn="ctr">
+            <a:lvl4pPr lvl="3" algn="ctr" rtl="0">
               <a:spcBef>
                 <a:spcPts val="0"/>
               </a:spcBef>
@@ -2567,7 +2638,7 @@
               <a:buNone/>
               <a:defRPr sz="3600"/>
             </a:lvl4pPr>
-            <a:lvl5pPr lvl="4" rtl="0" algn="ctr">
+            <a:lvl5pPr lvl="4" algn="ctr" rtl="0">
               <a:spcBef>
                 <a:spcPts val="0"/>
               </a:spcBef>
@@ -2578,7 +2649,7 @@
               <a:buNone/>
               <a:defRPr sz="3600"/>
             </a:lvl5pPr>
-            <a:lvl6pPr lvl="5" rtl="0" algn="ctr">
+            <a:lvl6pPr lvl="5" algn="ctr" rtl="0">
               <a:spcBef>
                 <a:spcPts val="0"/>
               </a:spcBef>
@@ -2589,7 +2660,7 @@
               <a:buNone/>
               <a:defRPr sz="3600"/>
             </a:lvl6pPr>
-            <a:lvl7pPr lvl="6" rtl="0" algn="ctr">
+            <a:lvl7pPr lvl="6" algn="ctr" rtl="0">
               <a:spcBef>
                 <a:spcPts val="0"/>
               </a:spcBef>
@@ -2600,7 +2671,7 @@
               <a:buNone/>
               <a:defRPr sz="3600"/>
             </a:lvl7pPr>
-            <a:lvl8pPr lvl="7" rtl="0" algn="ctr">
+            <a:lvl8pPr lvl="7" algn="ctr" rtl="0">
               <a:spcBef>
                 <a:spcPts val="0"/>
               </a:spcBef>
@@ -2611,7 +2682,7 @@
               <a:buNone/>
               <a:defRPr sz="3600"/>
             </a:lvl8pPr>
-            <a:lvl9pPr lvl="8" rtl="0" algn="ctr">
+            <a:lvl9pPr lvl="8" algn="ctr" rtl="0">
               <a:spcBef>
                 <a:spcPts val="0"/>
               </a:spcBef>
@@ -2623,15 +2694,19 @@
               <a:defRPr sz="3600"/>
             </a:lvl9pPr>
           </a:lstStyle>
-          <a:p/>
+          <a:p>
+            <a:endParaRPr/>
+          </a:p>
         </p:txBody>
       </p:sp>
       <p:sp>
         <p:nvSpPr>
           <p:cNvPr id="19" name="Google Shape;19;p3"/>
-          <p:cNvSpPr txBox="1"/>
+          <p:cNvSpPr txBox="1">
+            <a:spLocks noGrp="1"/>
+          </p:cNvSpPr>
           <p:nvPr>
-            <p:ph idx="12" type="sldNum"/>
+            <p:ph type="sldNum" idx="12"/>
           </p:nvPr>
         </p:nvSpPr>
         <p:spPr>
@@ -2644,7 +2719,7 @@
           </a:prstGeom>
         </p:spPr>
         <p:txBody>
-          <a:bodyPr anchorCtr="0" anchor="ctr" bIns="91425" lIns="91425" spcFirstLastPara="1" rIns="91425" wrap="square" tIns="91425">
+          <a:bodyPr spcFirstLastPara="1" wrap="square" lIns="91425" tIns="91425" rIns="91425" bIns="91425" anchor="ctr" anchorCtr="0">
             <a:normAutofit/>
           </a:bodyPr>
           <a:lstStyle>
@@ -2686,7 +2761,7 @@
             </a:lvl9pPr>
           </a:lstStyle>
           <a:p>
-            <a:pPr indent="0" lvl="0" marL="0" rtl="0" algn="r">
+            <a:pPr marL="0" lvl="0" indent="0" algn="r" rtl="0">
               <a:spcBef>
                 <a:spcPts val="0"/>
               </a:spcBef>
@@ -2712,11 +2787,11 @@
 </file>
 
 <file path=ppt/slideLayouts/slideLayout3.xml><?xml version="1.0" encoding="utf-8"?>
-<p:sldLayout xmlns:a="http://schemas.openxmlformats.org/drawingml/2006/main" xmlns:r="http://schemas.openxmlformats.org/officeDocument/2006/relationships" xmlns:mc="http://schemas.openxmlformats.org/markup-compatibility/2006" xmlns:mv="urn:schemas-microsoft-com:mac:vml" xmlns:p="http://schemas.openxmlformats.org/presentationml/2006/main" xmlns:c="http://schemas.openxmlformats.org/drawingml/2006/chart" xmlns:dgm="http://schemas.openxmlformats.org/drawingml/2006/diagram" xmlns:o="urn:schemas-microsoft-com:office:office" xmlns:v="urn:schemas-microsoft-com:vml" xmlns:pvml="urn:schemas-microsoft-com:office:powerpoint" xmlns:com="http://schemas.openxmlformats.org/drawingml/2006/compatibility" xmlns:p14="http://schemas.microsoft.com/office/powerpoint/2010/main" xmlns:p15="http://schemas.microsoft.com/office/powerpoint/2012/main" xmlns:ahyp="http://schemas.microsoft.com/office/drawing/2018/hyperlinkcolor" matchingName="Title and body" type="tx">
+<p:sldLayout xmlns:a="http://schemas.openxmlformats.org/drawingml/2006/main" xmlns:r="http://schemas.openxmlformats.org/officeDocument/2006/relationships" xmlns:p="http://schemas.openxmlformats.org/presentationml/2006/main" matchingName="Title and body" type="tx">
   <p:cSld name="TITLE_AND_BODY">
     <p:spTree>
       <p:nvGrpSpPr>
-        <p:cNvPr id="20" name="Shape 20"/>
+        <p:cNvPr id="1" name="Shape 20"/>
         <p:cNvGrpSpPr/>
         <p:nvPr/>
       </p:nvGrpSpPr>
@@ -2731,7 +2806,9 @@
       <p:sp>
         <p:nvSpPr>
           <p:cNvPr id="21" name="Google Shape;21;p4"/>
-          <p:cNvSpPr txBox="1"/>
+          <p:cNvSpPr txBox="1">
+            <a:spLocks noGrp="1"/>
+          </p:cNvSpPr>
           <p:nvPr>
             <p:ph type="title"/>
           </p:nvPr>
@@ -2746,7 +2823,7 @@
           </a:prstGeom>
         </p:spPr>
         <p:txBody>
-          <a:bodyPr anchorCtr="0" anchor="t" bIns="91425" lIns="91425" spcFirstLastPara="1" rIns="91425" wrap="square" tIns="91425">
+          <a:bodyPr spcFirstLastPara="1" wrap="square" lIns="91425" tIns="91425" rIns="91425" bIns="91425" anchor="t" anchorCtr="0">
             <a:normAutofit/>
           </a:bodyPr>
           <a:lstStyle>
@@ -2850,15 +2927,19 @@
               <a:defRPr/>
             </a:lvl9pPr>
           </a:lstStyle>
-          <a:p/>
+          <a:p>
+            <a:endParaRPr/>
+          </a:p>
         </p:txBody>
       </p:sp>
       <p:sp>
         <p:nvSpPr>
           <p:cNvPr id="22" name="Google Shape;22;p4"/>
-          <p:cNvSpPr txBox="1"/>
+          <p:cNvSpPr txBox="1">
+            <a:spLocks noGrp="1"/>
+          </p:cNvSpPr>
           <p:nvPr>
-            <p:ph idx="1" type="body"/>
+            <p:ph type="body" idx="1"/>
           </p:nvPr>
         </p:nvSpPr>
         <p:spPr>
@@ -2871,11 +2952,11 @@
           </a:prstGeom>
         </p:spPr>
         <p:txBody>
-          <a:bodyPr anchorCtr="0" anchor="t" bIns="91425" lIns="91425" spcFirstLastPara="1" rIns="91425" wrap="square" tIns="91425">
+          <a:bodyPr spcFirstLastPara="1" wrap="square" lIns="91425" tIns="91425" rIns="91425" bIns="91425" anchor="t" anchorCtr="0">
             <a:normAutofit/>
           </a:bodyPr>
           <a:lstStyle>
-            <a:lvl1pPr indent="-342900" lvl="0" marL="457200" rtl="0">
+            <a:lvl1pPr marL="457200" lvl="0" indent="-342900" rtl="0">
               <a:spcBef>
                 <a:spcPts val="0"/>
               </a:spcBef>
@@ -2886,7 +2967,7 @@
               <a:buChar char="●"/>
               <a:defRPr/>
             </a:lvl1pPr>
-            <a:lvl2pPr indent="-317500" lvl="1" marL="914400" rtl="0">
+            <a:lvl2pPr marL="914400" lvl="1" indent="-317500" rtl="0">
               <a:spcBef>
                 <a:spcPts val="0"/>
               </a:spcBef>
@@ -2897,7 +2978,7 @@
               <a:buChar char="○"/>
               <a:defRPr/>
             </a:lvl2pPr>
-            <a:lvl3pPr indent="-317500" lvl="2" marL="1371600" rtl="0">
+            <a:lvl3pPr marL="1371600" lvl="2" indent="-317500" rtl="0">
               <a:spcBef>
                 <a:spcPts val="0"/>
               </a:spcBef>
@@ -2908,7 +2989,7 @@
               <a:buChar char="■"/>
               <a:defRPr/>
             </a:lvl3pPr>
-            <a:lvl4pPr indent="-317500" lvl="3" marL="1828800" rtl="0">
+            <a:lvl4pPr marL="1828800" lvl="3" indent="-317500" rtl="0">
               <a:spcBef>
                 <a:spcPts val="0"/>
               </a:spcBef>
@@ -2919,7 +3000,7 @@
               <a:buChar char="●"/>
               <a:defRPr/>
             </a:lvl4pPr>
-            <a:lvl5pPr indent="-317500" lvl="4" marL="2286000" rtl="0">
+            <a:lvl5pPr marL="2286000" lvl="4" indent="-317500" rtl="0">
               <a:spcBef>
                 <a:spcPts val="0"/>
               </a:spcBef>
@@ -2930,7 +3011,7 @@
               <a:buChar char="○"/>
               <a:defRPr/>
             </a:lvl5pPr>
-            <a:lvl6pPr indent="-317500" lvl="5" marL="2743200" rtl="0">
+            <a:lvl6pPr marL="2743200" lvl="5" indent="-317500" rtl="0">
               <a:spcBef>
                 <a:spcPts val="0"/>
               </a:spcBef>
@@ -2941,7 +3022,7 @@
               <a:buChar char="■"/>
               <a:defRPr/>
             </a:lvl6pPr>
-            <a:lvl7pPr indent="-317500" lvl="6" marL="3200400" rtl="0">
+            <a:lvl7pPr marL="3200400" lvl="6" indent="-317500" rtl="0">
               <a:spcBef>
                 <a:spcPts val="0"/>
               </a:spcBef>
@@ -2952,7 +3033,7 @@
               <a:buChar char="●"/>
               <a:defRPr/>
             </a:lvl7pPr>
-            <a:lvl8pPr indent="-317500" lvl="7" marL="3657600" rtl="0">
+            <a:lvl8pPr marL="3657600" lvl="7" indent="-317500" rtl="0">
               <a:spcBef>
                 <a:spcPts val="0"/>
               </a:spcBef>
@@ -2963,7 +3044,7 @@
               <a:buChar char="○"/>
               <a:defRPr/>
             </a:lvl8pPr>
-            <a:lvl9pPr indent="-317500" lvl="8" marL="4114800" rtl="0">
+            <a:lvl9pPr marL="4114800" lvl="8" indent="-317500" rtl="0">
               <a:spcBef>
                 <a:spcPts val="0"/>
               </a:spcBef>
@@ -2975,15 +3056,19 @@
               <a:defRPr/>
             </a:lvl9pPr>
           </a:lstStyle>
-          <a:p/>
+          <a:p>
+            <a:endParaRPr/>
+          </a:p>
         </p:txBody>
       </p:sp>
       <p:sp>
         <p:nvSpPr>
           <p:cNvPr id="23" name="Google Shape;23;p4"/>
-          <p:cNvSpPr txBox="1"/>
+          <p:cNvSpPr txBox="1">
+            <a:spLocks noGrp="1"/>
+          </p:cNvSpPr>
           <p:nvPr>
-            <p:ph idx="12" type="sldNum"/>
+            <p:ph type="sldNum" idx="12"/>
           </p:nvPr>
         </p:nvSpPr>
         <p:spPr>
@@ -2996,7 +3081,7 @@
           </a:prstGeom>
         </p:spPr>
         <p:txBody>
-          <a:bodyPr anchorCtr="0" anchor="ctr" bIns="91425" lIns="91425" spcFirstLastPara="1" rIns="91425" wrap="square" tIns="91425">
+          <a:bodyPr spcFirstLastPara="1" wrap="square" lIns="91425" tIns="91425" rIns="91425" bIns="91425" anchor="ctr" anchorCtr="0">
             <a:normAutofit/>
           </a:bodyPr>
           <a:lstStyle>
@@ -3038,7 +3123,7 @@
             </a:lvl9pPr>
           </a:lstStyle>
           <a:p>
-            <a:pPr indent="0" lvl="0" marL="0" rtl="0" algn="r">
+            <a:pPr marL="0" lvl="0" indent="0" algn="r" rtl="0">
               <a:spcBef>
                 <a:spcPts val="0"/>
               </a:spcBef>
@@ -3064,11 +3149,11 @@
 </file>
 
 <file path=ppt/slideLayouts/slideLayout4.xml><?xml version="1.0" encoding="utf-8"?>
-<p:sldLayout xmlns:a="http://schemas.openxmlformats.org/drawingml/2006/main" xmlns:r="http://schemas.openxmlformats.org/officeDocument/2006/relationships" xmlns:mc="http://schemas.openxmlformats.org/markup-compatibility/2006" xmlns:mv="urn:schemas-microsoft-com:mac:vml" xmlns:p="http://schemas.openxmlformats.org/presentationml/2006/main" xmlns:c="http://schemas.openxmlformats.org/drawingml/2006/chart" xmlns:dgm="http://schemas.openxmlformats.org/drawingml/2006/diagram" xmlns:o="urn:schemas-microsoft-com:office:office" xmlns:v="urn:schemas-microsoft-com:vml" xmlns:pvml="urn:schemas-microsoft-com:office:powerpoint" xmlns:com="http://schemas.openxmlformats.org/drawingml/2006/compatibility" xmlns:p14="http://schemas.microsoft.com/office/powerpoint/2010/main" xmlns:p15="http://schemas.microsoft.com/office/powerpoint/2012/main" xmlns:ahyp="http://schemas.microsoft.com/office/drawing/2018/hyperlinkcolor" matchingName="Title and two columns" type="twoColTx">
+<p:sldLayout xmlns:a="http://schemas.openxmlformats.org/drawingml/2006/main" xmlns:r="http://schemas.openxmlformats.org/officeDocument/2006/relationships" xmlns:p="http://schemas.openxmlformats.org/presentationml/2006/main" matchingName="Title and two columns" type="twoColTx">
   <p:cSld name="TITLE_AND_TWO_COLUMNS">
     <p:spTree>
       <p:nvGrpSpPr>
-        <p:cNvPr id="24" name="Shape 24"/>
+        <p:cNvPr id="1" name="Shape 24"/>
         <p:cNvGrpSpPr/>
         <p:nvPr/>
       </p:nvGrpSpPr>
@@ -3083,7 +3168,9 @@
       <p:sp>
         <p:nvSpPr>
           <p:cNvPr id="25" name="Google Shape;25;p5"/>
-          <p:cNvSpPr txBox="1"/>
+          <p:cNvSpPr txBox="1">
+            <a:spLocks noGrp="1"/>
+          </p:cNvSpPr>
           <p:nvPr>
             <p:ph type="title"/>
           </p:nvPr>
@@ -3098,7 +3185,7 @@
           </a:prstGeom>
         </p:spPr>
         <p:txBody>
-          <a:bodyPr anchorCtr="0" anchor="t" bIns="91425" lIns="91425" spcFirstLastPara="1" rIns="91425" wrap="square" tIns="91425">
+          <a:bodyPr spcFirstLastPara="1" wrap="square" lIns="91425" tIns="91425" rIns="91425" bIns="91425" anchor="t" anchorCtr="0">
             <a:normAutofit/>
           </a:bodyPr>
           <a:lstStyle>
@@ -3202,15 +3289,19 @@
               <a:defRPr/>
             </a:lvl9pPr>
           </a:lstStyle>
-          <a:p/>
+          <a:p>
+            <a:endParaRPr/>
+          </a:p>
         </p:txBody>
       </p:sp>
       <p:sp>
         <p:nvSpPr>
           <p:cNvPr id="26" name="Google Shape;26;p5"/>
-          <p:cNvSpPr txBox="1"/>
+          <p:cNvSpPr txBox="1">
+            <a:spLocks noGrp="1"/>
+          </p:cNvSpPr>
           <p:nvPr>
-            <p:ph idx="1" type="body"/>
+            <p:ph type="body" idx="1"/>
           </p:nvPr>
         </p:nvSpPr>
         <p:spPr>
@@ -3223,11 +3314,11 @@
           </a:prstGeom>
         </p:spPr>
         <p:txBody>
-          <a:bodyPr anchorCtr="0" anchor="t" bIns="91425" lIns="91425" spcFirstLastPara="1" rIns="91425" wrap="square" tIns="91425">
+          <a:bodyPr spcFirstLastPara="1" wrap="square" lIns="91425" tIns="91425" rIns="91425" bIns="91425" anchor="t" anchorCtr="0">
             <a:normAutofit/>
           </a:bodyPr>
           <a:lstStyle>
-            <a:lvl1pPr indent="-317500" lvl="0" marL="457200" rtl="0">
+            <a:lvl1pPr marL="457200" lvl="0" indent="-317500" rtl="0">
               <a:spcBef>
                 <a:spcPts val="0"/>
               </a:spcBef>
@@ -3238,7 +3329,7 @@
               <a:buChar char="●"/>
               <a:defRPr sz="1400"/>
             </a:lvl1pPr>
-            <a:lvl2pPr indent="-304800" lvl="1" marL="914400" rtl="0">
+            <a:lvl2pPr marL="914400" lvl="1" indent="-304800" rtl="0">
               <a:spcBef>
                 <a:spcPts val="0"/>
               </a:spcBef>
@@ -3249,7 +3340,7 @@
               <a:buChar char="○"/>
               <a:defRPr sz="1200"/>
             </a:lvl2pPr>
-            <a:lvl3pPr indent="-304800" lvl="2" marL="1371600" rtl="0">
+            <a:lvl3pPr marL="1371600" lvl="2" indent="-304800" rtl="0">
               <a:spcBef>
                 <a:spcPts val="0"/>
               </a:spcBef>
@@ -3260,7 +3351,7 @@
               <a:buChar char="■"/>
               <a:defRPr sz="1200"/>
             </a:lvl3pPr>
-            <a:lvl4pPr indent="-304800" lvl="3" marL="1828800" rtl="0">
+            <a:lvl4pPr marL="1828800" lvl="3" indent="-304800" rtl="0">
               <a:spcBef>
                 <a:spcPts val="0"/>
               </a:spcBef>
@@ -3271,7 +3362,7 @@
               <a:buChar char="●"/>
               <a:defRPr sz="1200"/>
             </a:lvl4pPr>
-            <a:lvl5pPr indent="-304800" lvl="4" marL="2286000" rtl="0">
+            <a:lvl5pPr marL="2286000" lvl="4" indent="-304800" rtl="0">
               <a:spcBef>
                 <a:spcPts val="0"/>
               </a:spcBef>
@@ -3282,7 +3373,7 @@
               <a:buChar char="○"/>
               <a:defRPr sz="1200"/>
             </a:lvl5pPr>
-            <a:lvl6pPr indent="-304800" lvl="5" marL="2743200" rtl="0">
+            <a:lvl6pPr marL="2743200" lvl="5" indent="-304800" rtl="0">
               <a:spcBef>
                 <a:spcPts val="0"/>
               </a:spcBef>
@@ -3293,7 +3384,7 @@
               <a:buChar char="■"/>
               <a:defRPr sz="1200"/>
             </a:lvl6pPr>
-            <a:lvl7pPr indent="-304800" lvl="6" marL="3200400" rtl="0">
+            <a:lvl7pPr marL="3200400" lvl="6" indent="-304800" rtl="0">
               <a:spcBef>
                 <a:spcPts val="0"/>
               </a:spcBef>
@@ -3304,7 +3395,7 @@
               <a:buChar char="●"/>
               <a:defRPr sz="1200"/>
             </a:lvl7pPr>
-            <a:lvl8pPr indent="-304800" lvl="7" marL="3657600" rtl="0">
+            <a:lvl8pPr marL="3657600" lvl="7" indent="-304800" rtl="0">
               <a:spcBef>
                 <a:spcPts val="0"/>
               </a:spcBef>
@@ -3315,7 +3406,7 @@
               <a:buChar char="○"/>
               <a:defRPr sz="1200"/>
             </a:lvl8pPr>
-            <a:lvl9pPr indent="-304800" lvl="8" marL="4114800" rtl="0">
+            <a:lvl9pPr marL="4114800" lvl="8" indent="-304800" rtl="0">
               <a:spcBef>
                 <a:spcPts val="0"/>
               </a:spcBef>
@@ -3327,15 +3418,19 @@
               <a:defRPr sz="1200"/>
             </a:lvl9pPr>
           </a:lstStyle>
-          <a:p/>
+          <a:p>
+            <a:endParaRPr/>
+          </a:p>
         </p:txBody>
       </p:sp>
       <p:sp>
         <p:nvSpPr>
           <p:cNvPr id="27" name="Google Shape;27;p5"/>
-          <p:cNvSpPr txBox="1"/>
+          <p:cNvSpPr txBox="1">
+            <a:spLocks noGrp="1"/>
+          </p:cNvSpPr>
           <p:nvPr>
-            <p:ph idx="2" type="body"/>
+            <p:ph type="body" idx="2"/>
           </p:nvPr>
         </p:nvSpPr>
         <p:spPr>
@@ -3348,11 +3443,11 @@
           </a:prstGeom>
         </p:spPr>
         <p:txBody>
-          <a:bodyPr anchorCtr="0" anchor="t" bIns="91425" lIns="91425" spcFirstLastPara="1" rIns="91425" wrap="square" tIns="91425">
+          <a:bodyPr spcFirstLastPara="1" wrap="square" lIns="91425" tIns="91425" rIns="91425" bIns="91425" anchor="t" anchorCtr="0">
             <a:normAutofit/>
           </a:bodyPr>
           <a:lstStyle>
-            <a:lvl1pPr indent="-317500" lvl="0" marL="457200" rtl="0">
+            <a:lvl1pPr marL="457200" lvl="0" indent="-317500" rtl="0">
               <a:spcBef>
                 <a:spcPts val="0"/>
               </a:spcBef>
@@ -3363,7 +3458,7 @@
               <a:buChar char="●"/>
               <a:defRPr sz="1400"/>
             </a:lvl1pPr>
-            <a:lvl2pPr indent="-304800" lvl="1" marL="914400" rtl="0">
+            <a:lvl2pPr marL="914400" lvl="1" indent="-304800" rtl="0">
               <a:spcBef>
                 <a:spcPts val="0"/>
               </a:spcBef>
@@ -3374,7 +3469,7 @@
               <a:buChar char="○"/>
               <a:defRPr sz="1200"/>
             </a:lvl2pPr>
-            <a:lvl3pPr indent="-304800" lvl="2" marL="1371600" rtl="0">
+            <a:lvl3pPr marL="1371600" lvl="2" indent="-304800" rtl="0">
               <a:spcBef>
                 <a:spcPts val="0"/>
               </a:spcBef>
@@ -3385,7 +3480,7 @@
               <a:buChar char="■"/>
               <a:defRPr sz="1200"/>
             </a:lvl3pPr>
-            <a:lvl4pPr indent="-304800" lvl="3" marL="1828800" rtl="0">
+            <a:lvl4pPr marL="1828800" lvl="3" indent="-304800" rtl="0">
               <a:spcBef>
                 <a:spcPts val="0"/>
               </a:spcBef>
@@ -3396,7 +3491,7 @@
               <a:buChar char="●"/>
               <a:defRPr sz="1200"/>
             </a:lvl4pPr>
-            <a:lvl5pPr indent="-304800" lvl="4" marL="2286000" rtl="0">
+            <a:lvl5pPr marL="2286000" lvl="4" indent="-304800" rtl="0">
               <a:spcBef>
                 <a:spcPts val="0"/>
               </a:spcBef>
@@ -3407,7 +3502,7 @@
               <a:buChar char="○"/>
               <a:defRPr sz="1200"/>
             </a:lvl5pPr>
-            <a:lvl6pPr indent="-304800" lvl="5" marL="2743200" rtl="0">
+            <a:lvl6pPr marL="2743200" lvl="5" indent="-304800" rtl="0">
               <a:spcBef>
                 <a:spcPts val="0"/>
               </a:spcBef>
@@ -3418,7 +3513,7 @@
               <a:buChar char="■"/>
               <a:defRPr sz="1200"/>
             </a:lvl6pPr>
-            <a:lvl7pPr indent="-304800" lvl="6" marL="3200400" rtl="0">
+            <a:lvl7pPr marL="3200400" lvl="6" indent="-304800" rtl="0">
               <a:spcBef>
                 <a:spcPts val="0"/>
               </a:spcBef>
@@ -3429,7 +3524,7 @@
               <a:buChar char="●"/>
               <a:defRPr sz="1200"/>
             </a:lvl7pPr>
-            <a:lvl8pPr indent="-304800" lvl="7" marL="3657600" rtl="0">
+            <a:lvl8pPr marL="3657600" lvl="7" indent="-304800" rtl="0">
               <a:spcBef>
                 <a:spcPts val="0"/>
               </a:spcBef>
@@ -3440,7 +3535,7 @@
               <a:buChar char="○"/>
               <a:defRPr sz="1200"/>
             </a:lvl8pPr>
-            <a:lvl9pPr indent="-304800" lvl="8" marL="4114800" rtl="0">
+            <a:lvl9pPr marL="4114800" lvl="8" indent="-304800" rtl="0">
               <a:spcBef>
                 <a:spcPts val="0"/>
               </a:spcBef>
@@ -3452,15 +3547,19 @@
               <a:defRPr sz="1200"/>
             </a:lvl9pPr>
           </a:lstStyle>
-          <a:p/>
+          <a:p>
+            <a:endParaRPr/>
+          </a:p>
         </p:txBody>
       </p:sp>
       <p:sp>
         <p:nvSpPr>
           <p:cNvPr id="28" name="Google Shape;28;p5"/>
-          <p:cNvSpPr txBox="1"/>
+          <p:cNvSpPr txBox="1">
+            <a:spLocks noGrp="1"/>
+          </p:cNvSpPr>
           <p:nvPr>
-            <p:ph idx="12" type="sldNum"/>
+            <p:ph type="sldNum" idx="12"/>
           </p:nvPr>
         </p:nvSpPr>
         <p:spPr>
@@ -3473,7 +3572,7 @@
           </a:prstGeom>
         </p:spPr>
         <p:txBody>
-          <a:bodyPr anchorCtr="0" anchor="ctr" bIns="91425" lIns="91425" spcFirstLastPara="1" rIns="91425" wrap="square" tIns="91425">
+          <a:bodyPr spcFirstLastPara="1" wrap="square" lIns="91425" tIns="91425" rIns="91425" bIns="91425" anchor="ctr" anchorCtr="0">
             <a:normAutofit/>
           </a:bodyPr>
           <a:lstStyle>
@@ -3515,7 +3614,7 @@
             </a:lvl9pPr>
           </a:lstStyle>
           <a:p>
-            <a:pPr indent="0" lvl="0" marL="0" rtl="0" algn="r">
+            <a:pPr marL="0" lvl="0" indent="0" algn="r" rtl="0">
               <a:spcBef>
                 <a:spcPts val="0"/>
               </a:spcBef>
@@ -3541,11 +3640,11 @@
 </file>
 
 <file path=ppt/slideLayouts/slideLayout5.xml><?xml version="1.0" encoding="utf-8"?>
-<p:sldLayout xmlns:a="http://schemas.openxmlformats.org/drawingml/2006/main" xmlns:r="http://schemas.openxmlformats.org/officeDocument/2006/relationships" xmlns:mc="http://schemas.openxmlformats.org/markup-compatibility/2006" xmlns:mv="urn:schemas-microsoft-com:mac:vml" xmlns:p="http://schemas.openxmlformats.org/presentationml/2006/main" xmlns:c="http://schemas.openxmlformats.org/drawingml/2006/chart" xmlns:dgm="http://schemas.openxmlformats.org/drawingml/2006/diagram" xmlns:o="urn:schemas-microsoft-com:office:office" xmlns:v="urn:schemas-microsoft-com:vml" xmlns:pvml="urn:schemas-microsoft-com:office:powerpoint" xmlns:com="http://schemas.openxmlformats.org/drawingml/2006/compatibility" xmlns:p14="http://schemas.microsoft.com/office/powerpoint/2010/main" xmlns:p15="http://schemas.microsoft.com/office/powerpoint/2012/main" xmlns:ahyp="http://schemas.microsoft.com/office/drawing/2018/hyperlinkcolor" matchingName="Title only" type="titleOnly">
+<p:sldLayout xmlns:a="http://schemas.openxmlformats.org/drawingml/2006/main" xmlns:r="http://schemas.openxmlformats.org/officeDocument/2006/relationships" xmlns:p="http://schemas.openxmlformats.org/presentationml/2006/main" matchingName="Title only" type="titleOnly">
   <p:cSld name="TITLE_ONLY">
     <p:spTree>
       <p:nvGrpSpPr>
-        <p:cNvPr id="29" name="Shape 29"/>
+        <p:cNvPr id="1" name="Shape 29"/>
         <p:cNvGrpSpPr/>
         <p:nvPr/>
       </p:nvGrpSpPr>
@@ -3560,7 +3659,9 @@
       <p:sp>
         <p:nvSpPr>
           <p:cNvPr id="30" name="Google Shape;30;p6"/>
-          <p:cNvSpPr txBox="1"/>
+          <p:cNvSpPr txBox="1">
+            <a:spLocks noGrp="1"/>
+          </p:cNvSpPr>
           <p:nvPr>
             <p:ph type="title"/>
           </p:nvPr>
@@ -3575,7 +3676,7 @@
           </a:prstGeom>
         </p:spPr>
         <p:txBody>
-          <a:bodyPr anchorCtr="0" anchor="t" bIns="91425" lIns="91425" spcFirstLastPara="1" rIns="91425" wrap="square" tIns="91425">
+          <a:bodyPr spcFirstLastPara="1" wrap="square" lIns="91425" tIns="91425" rIns="91425" bIns="91425" anchor="t" anchorCtr="0">
             <a:normAutofit/>
           </a:bodyPr>
           <a:lstStyle>
@@ -3679,15 +3780,19 @@
               <a:defRPr/>
             </a:lvl9pPr>
           </a:lstStyle>
-          <a:p/>
+          <a:p>
+            <a:endParaRPr/>
+          </a:p>
         </p:txBody>
       </p:sp>
       <p:sp>
         <p:nvSpPr>
           <p:cNvPr id="31" name="Google Shape;31;p6"/>
-          <p:cNvSpPr txBox="1"/>
+          <p:cNvSpPr txBox="1">
+            <a:spLocks noGrp="1"/>
+          </p:cNvSpPr>
           <p:nvPr>
-            <p:ph idx="12" type="sldNum"/>
+            <p:ph type="sldNum" idx="12"/>
           </p:nvPr>
         </p:nvSpPr>
         <p:spPr>
@@ -3700,7 +3805,7 @@
           </a:prstGeom>
         </p:spPr>
         <p:txBody>
-          <a:bodyPr anchorCtr="0" anchor="ctr" bIns="91425" lIns="91425" spcFirstLastPara="1" rIns="91425" wrap="square" tIns="91425">
+          <a:bodyPr spcFirstLastPara="1" wrap="square" lIns="91425" tIns="91425" rIns="91425" bIns="91425" anchor="ctr" anchorCtr="0">
             <a:normAutofit/>
           </a:bodyPr>
           <a:lstStyle>
@@ -3742,7 +3847,7 @@
             </a:lvl9pPr>
           </a:lstStyle>
           <a:p>
-            <a:pPr indent="0" lvl="0" marL="0" rtl="0" algn="r">
+            <a:pPr marL="0" lvl="0" indent="0" algn="r" rtl="0">
               <a:spcBef>
                 <a:spcPts val="0"/>
               </a:spcBef>
@@ -3768,11 +3873,11 @@
 </file>
 
 <file path=ppt/slideLayouts/slideLayout6.xml><?xml version="1.0" encoding="utf-8"?>
-<p:sldLayout xmlns:a="http://schemas.openxmlformats.org/drawingml/2006/main" xmlns:r="http://schemas.openxmlformats.org/officeDocument/2006/relationships" xmlns:mc="http://schemas.openxmlformats.org/markup-compatibility/2006" xmlns:mv="urn:schemas-microsoft-com:mac:vml" xmlns:p="http://schemas.openxmlformats.org/presentationml/2006/main" xmlns:c="http://schemas.openxmlformats.org/drawingml/2006/chart" xmlns:dgm="http://schemas.openxmlformats.org/drawingml/2006/diagram" xmlns:o="urn:schemas-microsoft-com:office:office" xmlns:v="urn:schemas-microsoft-com:vml" xmlns:pvml="urn:schemas-microsoft-com:office:powerpoint" xmlns:com="http://schemas.openxmlformats.org/drawingml/2006/compatibility" xmlns:p14="http://schemas.microsoft.com/office/powerpoint/2010/main" xmlns:p15="http://schemas.microsoft.com/office/powerpoint/2012/main" xmlns:ahyp="http://schemas.microsoft.com/office/drawing/2018/hyperlinkcolor" matchingName="One column text">
+<p:sldLayout xmlns:a="http://schemas.openxmlformats.org/drawingml/2006/main" xmlns:r="http://schemas.openxmlformats.org/officeDocument/2006/relationships" xmlns:p="http://schemas.openxmlformats.org/presentationml/2006/main" matchingName="One column text">
   <p:cSld name="ONE_COLUMN_TEXT">
     <p:spTree>
       <p:nvGrpSpPr>
-        <p:cNvPr id="32" name="Shape 32"/>
+        <p:cNvPr id="1" name="Shape 32"/>
         <p:cNvGrpSpPr/>
         <p:nvPr/>
       </p:nvGrpSpPr>
@@ -3787,7 +3892,9 @@
       <p:sp>
         <p:nvSpPr>
           <p:cNvPr id="33" name="Google Shape;33;p7"/>
-          <p:cNvSpPr txBox="1"/>
+          <p:cNvSpPr txBox="1">
+            <a:spLocks noGrp="1"/>
+          </p:cNvSpPr>
           <p:nvPr>
             <p:ph type="title"/>
           </p:nvPr>
@@ -3802,7 +3909,7 @@
           </a:prstGeom>
         </p:spPr>
         <p:txBody>
-          <a:bodyPr anchorCtr="0" anchor="b" bIns="91425" lIns="91425" spcFirstLastPara="1" rIns="91425" wrap="square" tIns="91425">
+          <a:bodyPr spcFirstLastPara="1" wrap="square" lIns="91425" tIns="91425" rIns="91425" bIns="91425" anchor="b" anchorCtr="0">
             <a:normAutofit/>
           </a:bodyPr>
           <a:lstStyle>
@@ -3906,15 +4013,19 @@
               <a:defRPr sz="2400"/>
             </a:lvl9pPr>
           </a:lstStyle>
-          <a:p/>
+          <a:p>
+            <a:endParaRPr/>
+          </a:p>
         </p:txBody>
       </p:sp>
       <p:sp>
         <p:nvSpPr>
           <p:cNvPr id="34" name="Google Shape;34;p7"/>
-          <p:cNvSpPr txBox="1"/>
+          <p:cNvSpPr txBox="1">
+            <a:spLocks noGrp="1"/>
+          </p:cNvSpPr>
           <p:nvPr>
-            <p:ph idx="1" type="body"/>
+            <p:ph type="body" idx="1"/>
           </p:nvPr>
         </p:nvSpPr>
         <p:spPr>
@@ -3927,11 +4038,11 @@
           </a:prstGeom>
         </p:spPr>
         <p:txBody>
-          <a:bodyPr anchorCtr="0" anchor="t" bIns="91425" lIns="91425" spcFirstLastPara="1" rIns="91425" wrap="square" tIns="91425">
+          <a:bodyPr spcFirstLastPara="1" wrap="square" lIns="91425" tIns="91425" rIns="91425" bIns="91425" anchor="t" anchorCtr="0">
             <a:normAutofit/>
           </a:bodyPr>
           <a:lstStyle>
-            <a:lvl1pPr indent="-304800" lvl="0" marL="457200" rtl="0">
+            <a:lvl1pPr marL="457200" lvl="0" indent="-304800" rtl="0">
               <a:spcBef>
                 <a:spcPts val="0"/>
               </a:spcBef>
@@ -3942,7 +4053,7 @@
               <a:buChar char="●"/>
               <a:defRPr sz="1200"/>
             </a:lvl1pPr>
-            <a:lvl2pPr indent="-304800" lvl="1" marL="914400" rtl="0">
+            <a:lvl2pPr marL="914400" lvl="1" indent="-304800" rtl="0">
               <a:spcBef>
                 <a:spcPts val="0"/>
               </a:spcBef>
@@ -3953,7 +4064,7 @@
               <a:buChar char="○"/>
               <a:defRPr sz="1200"/>
             </a:lvl2pPr>
-            <a:lvl3pPr indent="-304800" lvl="2" marL="1371600" rtl="0">
+            <a:lvl3pPr marL="1371600" lvl="2" indent="-304800" rtl="0">
               <a:spcBef>
                 <a:spcPts val="0"/>
               </a:spcBef>
@@ -3964,7 +4075,7 @@
               <a:buChar char="■"/>
               <a:defRPr sz="1200"/>
             </a:lvl3pPr>
-            <a:lvl4pPr indent="-304800" lvl="3" marL="1828800" rtl="0">
+            <a:lvl4pPr marL="1828800" lvl="3" indent="-304800" rtl="0">
               <a:spcBef>
                 <a:spcPts val="0"/>
               </a:spcBef>
@@ -3975,7 +4086,7 @@
               <a:buChar char="●"/>
               <a:defRPr sz="1200"/>
             </a:lvl4pPr>
-            <a:lvl5pPr indent="-304800" lvl="4" marL="2286000" rtl="0">
+            <a:lvl5pPr marL="2286000" lvl="4" indent="-304800" rtl="0">
               <a:spcBef>
                 <a:spcPts val="0"/>
               </a:spcBef>
@@ -3986,7 +4097,7 @@
               <a:buChar char="○"/>
               <a:defRPr sz="1200"/>
             </a:lvl5pPr>
-            <a:lvl6pPr indent="-304800" lvl="5" marL="2743200" rtl="0">
+            <a:lvl6pPr marL="2743200" lvl="5" indent="-304800" rtl="0">
               <a:spcBef>
                 <a:spcPts val="0"/>
               </a:spcBef>
@@ -3997,7 +4108,7 @@
               <a:buChar char="■"/>
               <a:defRPr sz="1200"/>
             </a:lvl6pPr>
-            <a:lvl7pPr indent="-304800" lvl="6" marL="3200400" rtl="0">
+            <a:lvl7pPr marL="3200400" lvl="6" indent="-304800" rtl="0">
               <a:spcBef>
                 <a:spcPts val="0"/>
               </a:spcBef>
@@ -4008,7 +4119,7 @@
               <a:buChar char="●"/>
               <a:defRPr sz="1200"/>
             </a:lvl7pPr>
-            <a:lvl8pPr indent="-304800" lvl="7" marL="3657600" rtl="0">
+            <a:lvl8pPr marL="3657600" lvl="7" indent="-304800" rtl="0">
               <a:spcBef>
                 <a:spcPts val="0"/>
               </a:spcBef>
@@ -4019,7 +4130,7 @@
               <a:buChar char="○"/>
               <a:defRPr sz="1200"/>
             </a:lvl8pPr>
-            <a:lvl9pPr indent="-304800" lvl="8" marL="4114800" rtl="0">
+            <a:lvl9pPr marL="4114800" lvl="8" indent="-304800" rtl="0">
               <a:spcBef>
                 <a:spcPts val="0"/>
               </a:spcBef>
@@ -4031,15 +4142,19 @@
               <a:defRPr sz="1200"/>
             </a:lvl9pPr>
           </a:lstStyle>
-          <a:p/>
+          <a:p>
+            <a:endParaRPr/>
+          </a:p>
         </p:txBody>
       </p:sp>
       <p:sp>
         <p:nvSpPr>
           <p:cNvPr id="35" name="Google Shape;35;p7"/>
-          <p:cNvSpPr txBox="1"/>
+          <p:cNvSpPr txBox="1">
+            <a:spLocks noGrp="1"/>
+          </p:cNvSpPr>
           <p:nvPr>
-            <p:ph idx="12" type="sldNum"/>
+            <p:ph type="sldNum" idx="12"/>
           </p:nvPr>
         </p:nvSpPr>
         <p:spPr>
@@ -4052,7 +4167,7 @@
           </a:prstGeom>
         </p:spPr>
         <p:txBody>
-          <a:bodyPr anchorCtr="0" anchor="ctr" bIns="91425" lIns="91425" spcFirstLastPara="1" rIns="91425" wrap="square" tIns="91425">
+          <a:bodyPr spcFirstLastPara="1" wrap="square" lIns="91425" tIns="91425" rIns="91425" bIns="91425" anchor="ctr" anchorCtr="0">
             <a:normAutofit/>
           </a:bodyPr>
           <a:lstStyle>
@@ -4094,7 +4209,7 @@
             </a:lvl9pPr>
           </a:lstStyle>
           <a:p>
-            <a:pPr indent="0" lvl="0" marL="0" rtl="0" algn="r">
+            <a:pPr marL="0" lvl="0" indent="0" algn="r" rtl="0">
               <a:spcBef>
                 <a:spcPts val="0"/>
               </a:spcBef>
@@ -4120,18 +4235,19 @@
 </file>
 
 <file path=ppt/slideLayouts/slideLayout7.xml><?xml version="1.0" encoding="utf-8"?>
-<p:sldLayout xmlns:a="http://schemas.openxmlformats.org/drawingml/2006/main" xmlns:r="http://schemas.openxmlformats.org/officeDocument/2006/relationships" xmlns:mc="http://schemas.openxmlformats.org/markup-compatibility/2006" xmlns:mv="urn:schemas-microsoft-com:mac:vml" xmlns:p="http://schemas.openxmlformats.org/presentationml/2006/main" xmlns:c="http://schemas.openxmlformats.org/drawingml/2006/chart" xmlns:dgm="http://schemas.openxmlformats.org/drawingml/2006/diagram" xmlns:o="urn:schemas-microsoft-com:office:office" xmlns:v="urn:schemas-microsoft-com:vml" xmlns:pvml="urn:schemas-microsoft-com:office:powerpoint" xmlns:com="http://schemas.openxmlformats.org/drawingml/2006/compatibility" xmlns:p14="http://schemas.microsoft.com/office/powerpoint/2010/main" xmlns:p15="http://schemas.microsoft.com/office/powerpoint/2012/main" xmlns:ahyp="http://schemas.microsoft.com/office/drawing/2018/hyperlinkcolor" matchingName="Main point">
+<p:sldLayout xmlns:a="http://schemas.openxmlformats.org/drawingml/2006/main" xmlns:r="http://schemas.openxmlformats.org/officeDocument/2006/relationships" xmlns:p="http://schemas.openxmlformats.org/presentationml/2006/main" matchingName="Main point">
   <p:cSld name="MAIN_POINT">
     <p:bg>
       <p:bgPr>
         <a:solidFill>
           <a:schemeClr val="lt2"/>
         </a:solidFill>
+        <a:effectLst/>
       </p:bgPr>
     </p:bg>
     <p:spTree>
       <p:nvGrpSpPr>
-        <p:cNvPr id="36" name="Shape 36"/>
+        <p:cNvPr id="1" name="Shape 36"/>
         <p:cNvGrpSpPr/>
         <p:nvPr/>
       </p:nvGrpSpPr>
@@ -4146,7 +4262,9 @@
       <p:sp>
         <p:nvSpPr>
           <p:cNvPr id="37" name="Google Shape;37;p8"/>
-          <p:cNvSpPr txBox="1"/>
+          <p:cNvSpPr txBox="1">
+            <a:spLocks noGrp="1"/>
+          </p:cNvSpPr>
           <p:nvPr>
             <p:ph type="title"/>
           </p:nvPr>
@@ -4161,7 +4279,7 @@
           </a:prstGeom>
         </p:spPr>
         <p:txBody>
-          <a:bodyPr anchorCtr="0" anchor="ctr" bIns="91425" lIns="91425" spcFirstLastPara="1" rIns="91425" wrap="square" tIns="91425">
+          <a:bodyPr spcFirstLastPara="1" wrap="square" lIns="91425" tIns="91425" rIns="91425" bIns="91425" anchor="ctr" anchorCtr="0">
             <a:normAutofit/>
           </a:bodyPr>
           <a:lstStyle>
@@ -4328,15 +4446,19 @@
               </a:defRPr>
             </a:lvl9pPr>
           </a:lstStyle>
-          <a:p/>
+          <a:p>
+            <a:endParaRPr/>
+          </a:p>
         </p:txBody>
       </p:sp>
       <p:sp>
         <p:nvSpPr>
           <p:cNvPr id="38" name="Google Shape;38;p8"/>
-          <p:cNvSpPr txBox="1"/>
+          <p:cNvSpPr txBox="1">
+            <a:spLocks noGrp="1"/>
+          </p:cNvSpPr>
           <p:nvPr>
-            <p:ph idx="12" type="sldNum"/>
+            <p:ph type="sldNum" idx="12"/>
           </p:nvPr>
         </p:nvSpPr>
         <p:spPr>
@@ -4349,7 +4471,7 @@
           </a:prstGeom>
         </p:spPr>
         <p:txBody>
-          <a:bodyPr anchorCtr="0" anchor="ctr" bIns="91425" lIns="91425" spcFirstLastPara="1" rIns="91425" wrap="square" tIns="91425">
+          <a:bodyPr spcFirstLastPara="1" wrap="square" lIns="91425" tIns="91425" rIns="91425" bIns="91425" anchor="ctr" anchorCtr="0">
             <a:normAutofit/>
           </a:bodyPr>
           <a:lstStyle>
@@ -4427,7 +4549,7 @@
             </a:lvl9pPr>
           </a:lstStyle>
           <a:p>
-            <a:pPr indent="0" lvl="0" marL="0" rtl="0" algn="r">
+            <a:pPr marL="0" lvl="0" indent="0" algn="r" rtl="0">
               <a:spcBef>
                 <a:spcPts val="0"/>
               </a:spcBef>
@@ -4453,11 +4575,11 @@
 </file>
 
 <file path=ppt/slideLayouts/slideLayout8.xml><?xml version="1.0" encoding="utf-8"?>
-<p:sldLayout xmlns:a="http://schemas.openxmlformats.org/drawingml/2006/main" xmlns:r="http://schemas.openxmlformats.org/officeDocument/2006/relationships" xmlns:mc="http://schemas.openxmlformats.org/markup-compatibility/2006" xmlns:mv="urn:schemas-microsoft-com:mac:vml" xmlns:p="http://schemas.openxmlformats.org/presentationml/2006/main" xmlns:c="http://schemas.openxmlformats.org/drawingml/2006/chart" xmlns:dgm="http://schemas.openxmlformats.org/drawingml/2006/diagram" xmlns:o="urn:schemas-microsoft-com:office:office" xmlns:v="urn:schemas-microsoft-com:vml" xmlns:pvml="urn:schemas-microsoft-com:office:powerpoint" xmlns:com="http://schemas.openxmlformats.org/drawingml/2006/compatibility" xmlns:p14="http://schemas.microsoft.com/office/powerpoint/2010/main" xmlns:p15="http://schemas.microsoft.com/office/powerpoint/2012/main" xmlns:ahyp="http://schemas.microsoft.com/office/drawing/2018/hyperlinkcolor" matchingName="Section title and description">
+<p:sldLayout xmlns:a="http://schemas.openxmlformats.org/drawingml/2006/main" xmlns:r="http://schemas.openxmlformats.org/officeDocument/2006/relationships" xmlns:p="http://schemas.openxmlformats.org/presentationml/2006/main" matchingName="Section title and description">
   <p:cSld name="SECTION_TITLE_AND_DESCRIPTION">
     <p:spTree>
       <p:nvGrpSpPr>
-        <p:cNvPr id="39" name="Shape 39"/>
+        <p:cNvPr id="1" name="Shape 39"/>
         <p:cNvGrpSpPr/>
         <p:nvPr/>
       </p:nvGrpSpPr>
@@ -4491,12 +4613,12 @@
           </a:ln>
         </p:spPr>
         <p:txBody>
-          <a:bodyPr anchorCtr="0" anchor="ctr" bIns="91425" lIns="91425" spcFirstLastPara="1" rIns="91425" wrap="square" tIns="91425">
+          <a:bodyPr spcFirstLastPara="1" wrap="square" lIns="91425" tIns="91425" rIns="91425" bIns="91425" anchor="ctr" anchorCtr="0">
             <a:noAutofit/>
           </a:bodyPr>
           <a:lstStyle/>
           <a:p>
-            <a:pPr indent="0" lvl="0" marL="0" rtl="0" algn="l">
+            <a:pPr marL="0" lvl="0" indent="0" algn="l" rtl="0">
               <a:spcBef>
                 <a:spcPts val="0"/>
               </a:spcBef>
@@ -4505,9 +4627,6 @@
               </a:spcAft>
               <a:buNone/>
             </a:pPr>
-            <a:r>
-              <a:t/>
-            </a:r>
             <a:endParaRPr/>
           </a:p>
         </p:txBody>
@@ -4527,21 +4646,23 @@
             <a:avLst/>
           </a:prstGeom>
           <a:noFill/>
-          <a:ln cap="flat" cmpd="sng" w="19050">
+          <a:ln w="19050" cap="flat" cmpd="sng">
             <a:solidFill>
               <a:schemeClr val="lt1"/>
             </a:solidFill>
             <a:prstDash val="solid"/>
             <a:round/>
-            <a:headEnd len="sm" w="sm" type="none"/>
-            <a:tailEnd len="sm" w="sm" type="none"/>
+            <a:headEnd type="none" w="sm" len="sm"/>
+            <a:tailEnd type="none" w="sm" len="sm"/>
           </a:ln>
         </p:spPr>
       </p:cxnSp>
       <p:sp>
         <p:nvSpPr>
           <p:cNvPr id="42" name="Google Shape;42;p9"/>
-          <p:cNvSpPr txBox="1"/>
+          <p:cNvSpPr txBox="1">
+            <a:spLocks noGrp="1"/>
+          </p:cNvSpPr>
           <p:nvPr>
             <p:ph type="title"/>
           </p:nvPr>
@@ -4556,11 +4677,11 @@
           </a:prstGeom>
         </p:spPr>
         <p:txBody>
-          <a:bodyPr anchorCtr="0" anchor="b" bIns="91425" lIns="91425" spcFirstLastPara="1" rIns="91425" wrap="square" tIns="91425">
+          <a:bodyPr spcFirstLastPara="1" wrap="square" lIns="91425" tIns="91425" rIns="91425" bIns="91425" anchor="b" anchorCtr="0">
             <a:normAutofit/>
           </a:bodyPr>
           <a:lstStyle>
-            <a:lvl1pPr lvl="0" rtl="0" algn="ctr">
+            <a:lvl1pPr lvl="0" algn="ctr" rtl="0">
               <a:spcBef>
                 <a:spcPts val="0"/>
               </a:spcBef>
@@ -4571,7 +4692,7 @@
               <a:buNone/>
               <a:defRPr sz="4200"/>
             </a:lvl1pPr>
-            <a:lvl2pPr lvl="1" rtl="0" algn="ctr">
+            <a:lvl2pPr lvl="1" algn="ctr" rtl="0">
               <a:spcBef>
                 <a:spcPts val="0"/>
               </a:spcBef>
@@ -4582,7 +4703,7 @@
               <a:buNone/>
               <a:defRPr sz="4200"/>
             </a:lvl2pPr>
-            <a:lvl3pPr lvl="2" rtl="0" algn="ctr">
+            <a:lvl3pPr lvl="2" algn="ctr" rtl="0">
               <a:spcBef>
                 <a:spcPts val="0"/>
               </a:spcBef>
@@ -4593,7 +4714,7 @@
               <a:buNone/>
               <a:defRPr sz="4200"/>
             </a:lvl3pPr>
-            <a:lvl4pPr lvl="3" rtl="0" algn="ctr">
+            <a:lvl4pPr lvl="3" algn="ctr" rtl="0">
               <a:spcBef>
                 <a:spcPts val="0"/>
               </a:spcBef>
@@ -4604,7 +4725,7 @@
               <a:buNone/>
               <a:defRPr sz="4200"/>
             </a:lvl4pPr>
-            <a:lvl5pPr lvl="4" rtl="0" algn="ctr">
+            <a:lvl5pPr lvl="4" algn="ctr" rtl="0">
               <a:spcBef>
                 <a:spcPts val="0"/>
               </a:spcBef>
@@ -4615,7 +4736,7 @@
               <a:buNone/>
               <a:defRPr sz="4200"/>
             </a:lvl5pPr>
-            <a:lvl6pPr lvl="5" rtl="0" algn="ctr">
+            <a:lvl6pPr lvl="5" algn="ctr" rtl="0">
               <a:spcBef>
                 <a:spcPts val="0"/>
               </a:spcBef>
@@ -4626,7 +4747,7 @@
               <a:buNone/>
               <a:defRPr sz="4200"/>
             </a:lvl6pPr>
-            <a:lvl7pPr lvl="6" rtl="0" algn="ctr">
+            <a:lvl7pPr lvl="6" algn="ctr" rtl="0">
               <a:spcBef>
                 <a:spcPts val="0"/>
               </a:spcBef>
@@ -4637,7 +4758,7 @@
               <a:buNone/>
               <a:defRPr sz="4200"/>
             </a:lvl7pPr>
-            <a:lvl8pPr lvl="7" rtl="0" algn="ctr">
+            <a:lvl8pPr lvl="7" algn="ctr" rtl="0">
               <a:spcBef>
                 <a:spcPts val="0"/>
               </a:spcBef>
@@ -4648,7 +4769,7 @@
               <a:buNone/>
               <a:defRPr sz="4200"/>
             </a:lvl8pPr>
-            <a:lvl9pPr lvl="8" rtl="0" algn="ctr">
+            <a:lvl9pPr lvl="8" algn="ctr" rtl="0">
               <a:spcBef>
                 <a:spcPts val="0"/>
               </a:spcBef>
@@ -4660,15 +4781,19 @@
               <a:defRPr sz="4200"/>
             </a:lvl9pPr>
           </a:lstStyle>
-          <a:p/>
+          <a:p>
+            <a:endParaRPr/>
+          </a:p>
         </p:txBody>
       </p:sp>
       <p:sp>
         <p:nvSpPr>
           <p:cNvPr id="43" name="Google Shape;43;p9"/>
-          <p:cNvSpPr txBox="1"/>
+          <p:cNvSpPr txBox="1">
+            <a:spLocks noGrp="1"/>
+          </p:cNvSpPr>
           <p:nvPr>
-            <p:ph idx="1" type="subTitle"/>
+            <p:ph type="subTitle" idx="1"/>
           </p:nvPr>
         </p:nvSpPr>
         <p:spPr>
@@ -4681,11 +4806,11 @@
           </a:prstGeom>
         </p:spPr>
         <p:txBody>
-          <a:bodyPr anchorCtr="0" anchor="t" bIns="91425" lIns="91425" spcFirstLastPara="1" rIns="91425" wrap="square" tIns="91425">
+          <a:bodyPr spcFirstLastPara="1" wrap="square" lIns="91425" tIns="91425" rIns="91425" bIns="91425" anchor="t" anchorCtr="0">
             <a:normAutofit/>
           </a:bodyPr>
           <a:lstStyle>
-            <a:lvl1pPr lvl="0" rtl="0" algn="ctr">
+            <a:lvl1pPr lvl="0" algn="ctr" rtl="0">
               <a:lnSpc>
                 <a:spcPct val="100000"/>
               </a:lnSpc>
@@ -4706,7 +4831,7 @@
                 </a:solidFill>
               </a:defRPr>
             </a:lvl1pPr>
-            <a:lvl2pPr lvl="1" rtl="0" algn="ctr">
+            <a:lvl2pPr lvl="1" algn="ctr" rtl="0">
               <a:lnSpc>
                 <a:spcPct val="100000"/>
               </a:lnSpc>
@@ -4727,7 +4852,7 @@
                 </a:solidFill>
               </a:defRPr>
             </a:lvl2pPr>
-            <a:lvl3pPr lvl="2" rtl="0" algn="ctr">
+            <a:lvl3pPr lvl="2" algn="ctr" rtl="0">
               <a:lnSpc>
                 <a:spcPct val="100000"/>
               </a:lnSpc>
@@ -4748,7 +4873,7 @@
                 </a:solidFill>
               </a:defRPr>
             </a:lvl3pPr>
-            <a:lvl4pPr lvl="3" rtl="0" algn="ctr">
+            <a:lvl4pPr lvl="3" algn="ctr" rtl="0">
               <a:lnSpc>
                 <a:spcPct val="100000"/>
               </a:lnSpc>
@@ -4769,7 +4894,7 @@
                 </a:solidFill>
               </a:defRPr>
             </a:lvl4pPr>
-            <a:lvl5pPr lvl="4" rtl="0" algn="ctr">
+            <a:lvl5pPr lvl="4" algn="ctr" rtl="0">
               <a:lnSpc>
                 <a:spcPct val="100000"/>
               </a:lnSpc>
@@ -4790,7 +4915,7 @@
                 </a:solidFill>
               </a:defRPr>
             </a:lvl5pPr>
-            <a:lvl6pPr lvl="5" rtl="0" algn="ctr">
+            <a:lvl6pPr lvl="5" algn="ctr" rtl="0">
               <a:lnSpc>
                 <a:spcPct val="100000"/>
               </a:lnSpc>
@@ -4811,7 +4936,7 @@
                 </a:solidFill>
               </a:defRPr>
             </a:lvl6pPr>
-            <a:lvl7pPr lvl="6" rtl="0" algn="ctr">
+            <a:lvl7pPr lvl="6" algn="ctr" rtl="0">
               <a:lnSpc>
                 <a:spcPct val="100000"/>
               </a:lnSpc>
@@ -4832,7 +4957,7 @@
                 </a:solidFill>
               </a:defRPr>
             </a:lvl7pPr>
-            <a:lvl8pPr lvl="7" rtl="0" algn="ctr">
+            <a:lvl8pPr lvl="7" algn="ctr" rtl="0">
               <a:lnSpc>
                 <a:spcPct val="100000"/>
               </a:lnSpc>
@@ -4853,7 +4978,7 @@
                 </a:solidFill>
               </a:defRPr>
             </a:lvl8pPr>
-            <a:lvl9pPr lvl="8" rtl="0" algn="ctr">
+            <a:lvl9pPr lvl="8" algn="ctr" rtl="0">
               <a:lnSpc>
                 <a:spcPct val="100000"/>
               </a:lnSpc>
@@ -4875,15 +5000,19 @@
               </a:defRPr>
             </a:lvl9pPr>
           </a:lstStyle>
-          <a:p/>
+          <a:p>
+            <a:endParaRPr/>
+          </a:p>
         </p:txBody>
       </p:sp>
       <p:sp>
         <p:nvSpPr>
           <p:cNvPr id="44" name="Google Shape;44;p9"/>
-          <p:cNvSpPr txBox="1"/>
+          <p:cNvSpPr txBox="1">
+            <a:spLocks noGrp="1"/>
+          </p:cNvSpPr>
           <p:nvPr>
-            <p:ph idx="2" type="body"/>
+            <p:ph type="body" idx="2"/>
           </p:nvPr>
         </p:nvSpPr>
         <p:spPr>
@@ -4896,11 +5025,11 @@
           </a:prstGeom>
         </p:spPr>
         <p:txBody>
-          <a:bodyPr anchorCtr="0" anchor="ctr" bIns="91425" lIns="91425" spcFirstLastPara="1" rIns="91425" wrap="square" tIns="91425">
+          <a:bodyPr spcFirstLastPara="1" wrap="square" lIns="91425" tIns="91425" rIns="91425" bIns="91425" anchor="ctr" anchorCtr="0">
             <a:normAutofit/>
           </a:bodyPr>
           <a:lstStyle>
-            <a:lvl1pPr indent="-342900" lvl="0" marL="457200" rtl="0">
+            <a:lvl1pPr marL="457200" lvl="0" indent="-342900" rtl="0">
               <a:spcBef>
                 <a:spcPts val="0"/>
               </a:spcBef>
@@ -4918,7 +5047,7 @@
                 </a:solidFill>
               </a:defRPr>
             </a:lvl1pPr>
-            <a:lvl2pPr indent="-317500" lvl="1" marL="914400" rtl="0">
+            <a:lvl2pPr marL="914400" lvl="1" indent="-317500" rtl="0">
               <a:spcBef>
                 <a:spcPts val="0"/>
               </a:spcBef>
@@ -4936,7 +5065,7 @@
                 </a:solidFill>
               </a:defRPr>
             </a:lvl2pPr>
-            <a:lvl3pPr indent="-317500" lvl="2" marL="1371600" rtl="0">
+            <a:lvl3pPr marL="1371600" lvl="2" indent="-317500" rtl="0">
               <a:spcBef>
                 <a:spcPts val="0"/>
               </a:spcBef>
@@ -4954,7 +5083,7 @@
                 </a:solidFill>
               </a:defRPr>
             </a:lvl3pPr>
-            <a:lvl4pPr indent="-317500" lvl="3" marL="1828800" rtl="0">
+            <a:lvl4pPr marL="1828800" lvl="3" indent="-317500" rtl="0">
               <a:spcBef>
                 <a:spcPts val="0"/>
               </a:spcBef>
@@ -4972,7 +5101,7 @@
                 </a:solidFill>
               </a:defRPr>
             </a:lvl4pPr>
-            <a:lvl5pPr indent="-317500" lvl="4" marL="2286000" rtl="0">
+            <a:lvl5pPr marL="2286000" lvl="4" indent="-317500" rtl="0">
               <a:spcBef>
                 <a:spcPts val="0"/>
               </a:spcBef>
@@ -4990,7 +5119,7 @@
                 </a:solidFill>
               </a:defRPr>
             </a:lvl5pPr>
-            <a:lvl6pPr indent="-317500" lvl="5" marL="2743200" rtl="0">
+            <a:lvl6pPr marL="2743200" lvl="5" indent="-317500" rtl="0">
               <a:spcBef>
                 <a:spcPts val="0"/>
               </a:spcBef>
@@ -5008,7 +5137,7 @@
                 </a:solidFill>
               </a:defRPr>
             </a:lvl6pPr>
-            <a:lvl7pPr indent="-317500" lvl="6" marL="3200400" rtl="0">
+            <a:lvl7pPr marL="3200400" lvl="6" indent="-317500" rtl="0">
               <a:spcBef>
                 <a:spcPts val="0"/>
               </a:spcBef>
@@ -5026,7 +5155,7 @@
                 </a:solidFill>
               </a:defRPr>
             </a:lvl7pPr>
-            <a:lvl8pPr indent="-317500" lvl="7" marL="3657600" rtl="0">
+            <a:lvl8pPr marL="3657600" lvl="7" indent="-317500" rtl="0">
               <a:spcBef>
                 <a:spcPts val="0"/>
               </a:spcBef>
@@ -5044,7 +5173,7 @@
                 </a:solidFill>
               </a:defRPr>
             </a:lvl8pPr>
-            <a:lvl9pPr indent="-317500" lvl="8" marL="4114800" rtl="0">
+            <a:lvl9pPr marL="4114800" lvl="8" indent="-317500" rtl="0">
               <a:spcBef>
                 <a:spcPts val="0"/>
               </a:spcBef>
@@ -5063,15 +5192,19 @@
               </a:defRPr>
             </a:lvl9pPr>
           </a:lstStyle>
-          <a:p/>
+          <a:p>
+            <a:endParaRPr/>
+          </a:p>
         </p:txBody>
       </p:sp>
       <p:sp>
         <p:nvSpPr>
           <p:cNvPr id="45" name="Google Shape;45;p9"/>
-          <p:cNvSpPr txBox="1"/>
+          <p:cNvSpPr txBox="1">
+            <a:spLocks noGrp="1"/>
+          </p:cNvSpPr>
           <p:nvPr>
-            <p:ph idx="12" type="sldNum"/>
+            <p:ph type="sldNum" idx="12"/>
           </p:nvPr>
         </p:nvSpPr>
         <p:spPr>
@@ -5084,7 +5217,7 @@
           </a:prstGeom>
         </p:spPr>
         <p:txBody>
-          <a:bodyPr anchorCtr="0" anchor="ctr" bIns="91425" lIns="91425" spcFirstLastPara="1" rIns="91425" wrap="square" tIns="91425">
+          <a:bodyPr spcFirstLastPara="1" wrap="square" lIns="91425" tIns="91425" rIns="91425" bIns="91425" anchor="ctr" anchorCtr="0">
             <a:normAutofit/>
           </a:bodyPr>
           <a:lstStyle>
@@ -5162,7 +5295,7 @@
             </a:lvl9pPr>
           </a:lstStyle>
           <a:p>
-            <a:pPr indent="0" lvl="0" marL="0" rtl="0" algn="r">
+            <a:pPr marL="0" lvl="0" indent="0" algn="r" rtl="0">
               <a:spcBef>
                 <a:spcPts val="0"/>
               </a:spcBef>
@@ -5188,11 +5321,11 @@
 </file>
 
 <file path=ppt/slideLayouts/slideLayout9.xml><?xml version="1.0" encoding="utf-8"?>
-<p:sldLayout xmlns:a="http://schemas.openxmlformats.org/drawingml/2006/main" xmlns:r="http://schemas.openxmlformats.org/officeDocument/2006/relationships" xmlns:mc="http://schemas.openxmlformats.org/markup-compatibility/2006" xmlns:mv="urn:schemas-microsoft-com:mac:vml" xmlns:p="http://schemas.openxmlformats.org/presentationml/2006/main" xmlns:c="http://schemas.openxmlformats.org/drawingml/2006/chart" xmlns:dgm="http://schemas.openxmlformats.org/drawingml/2006/diagram" xmlns:o="urn:schemas-microsoft-com:office:office" xmlns:v="urn:schemas-microsoft-com:vml" xmlns:pvml="urn:schemas-microsoft-com:office:powerpoint" xmlns:com="http://schemas.openxmlformats.org/drawingml/2006/compatibility" xmlns:p14="http://schemas.microsoft.com/office/powerpoint/2010/main" xmlns:p15="http://schemas.microsoft.com/office/powerpoint/2012/main" xmlns:ahyp="http://schemas.microsoft.com/office/drawing/2018/hyperlinkcolor" matchingName="Caption">
+<p:sldLayout xmlns:a="http://schemas.openxmlformats.org/drawingml/2006/main" xmlns:r="http://schemas.openxmlformats.org/officeDocument/2006/relationships" xmlns:p="http://schemas.openxmlformats.org/presentationml/2006/main" matchingName="Caption">
   <p:cSld name="CAPTION_ONLY">
     <p:spTree>
       <p:nvGrpSpPr>
-        <p:cNvPr id="46" name="Shape 46"/>
+        <p:cNvPr id="1" name="Shape 46"/>
         <p:cNvGrpSpPr/>
         <p:nvPr/>
       </p:nvGrpSpPr>
@@ -5207,9 +5340,11 @@
       <p:sp>
         <p:nvSpPr>
           <p:cNvPr id="47" name="Google Shape;47;p10"/>
-          <p:cNvSpPr txBox="1"/>
+          <p:cNvSpPr txBox="1">
+            <a:spLocks noGrp="1"/>
+          </p:cNvSpPr>
           <p:nvPr>
-            <p:ph idx="1" type="body"/>
+            <p:ph type="body" idx="1"/>
           </p:nvPr>
         </p:nvSpPr>
         <p:spPr>
@@ -5222,11 +5357,11 @@
           </a:prstGeom>
         </p:spPr>
         <p:txBody>
-          <a:bodyPr anchorCtr="0" anchor="ctr" bIns="91425" lIns="91425" spcFirstLastPara="1" rIns="91425" wrap="square" tIns="91425">
+          <a:bodyPr spcFirstLastPara="1" wrap="square" lIns="91425" tIns="91425" rIns="91425" bIns="91425" anchor="ctr" anchorCtr="0">
             <a:normAutofit/>
           </a:bodyPr>
           <a:lstStyle>
-            <a:lvl1pPr indent="-228600" lvl="0" marL="457200" rtl="0">
+            <a:lvl1pPr marL="457200" lvl="0" indent="-228600" rtl="0">
               <a:lnSpc>
                 <a:spcPct val="100000"/>
               </a:lnSpc>
@@ -5253,15 +5388,19 @@
               </a:defRPr>
             </a:lvl1pPr>
           </a:lstStyle>
-          <a:p/>
+          <a:p>
+            <a:endParaRPr/>
+          </a:p>
         </p:txBody>
       </p:sp>
       <p:sp>
         <p:nvSpPr>
           <p:cNvPr id="48" name="Google Shape;48;p10"/>
-          <p:cNvSpPr txBox="1"/>
+          <p:cNvSpPr txBox="1">
+            <a:spLocks noGrp="1"/>
+          </p:cNvSpPr>
           <p:nvPr>
-            <p:ph idx="12" type="sldNum"/>
+            <p:ph type="sldNum" idx="12"/>
           </p:nvPr>
         </p:nvSpPr>
         <p:spPr>
@@ -5274,7 +5413,7 @@
           </a:prstGeom>
         </p:spPr>
         <p:txBody>
-          <a:bodyPr anchorCtr="0" anchor="ctr" bIns="91425" lIns="91425" spcFirstLastPara="1" rIns="91425" wrap="square" tIns="91425">
+          <a:bodyPr spcFirstLastPara="1" wrap="square" lIns="91425" tIns="91425" rIns="91425" bIns="91425" anchor="ctr" anchorCtr="0">
             <a:normAutofit/>
           </a:bodyPr>
           <a:lstStyle>
@@ -5316,7 +5455,7 @@
             </a:lvl9pPr>
           </a:lstStyle>
           <a:p>
-            <a:pPr indent="0" lvl="0" marL="0" rtl="0" algn="r">
+            <a:pPr marL="0" lvl="0" indent="0" algn="r" rtl="0">
               <a:spcBef>
                 <a:spcPts val="0"/>
               </a:spcBef>
@@ -5342,18 +5481,19 @@
 </file>
 
 <file path=ppt/slideMasters/slideMaster1.xml><?xml version="1.0" encoding="utf-8"?>
-<p:sldMaster xmlns:a="http://schemas.openxmlformats.org/drawingml/2006/main" xmlns:r="http://schemas.openxmlformats.org/officeDocument/2006/relationships" xmlns:mc="http://schemas.openxmlformats.org/markup-compatibility/2006" xmlns:mv="urn:schemas-microsoft-com:mac:vml" xmlns:p="http://schemas.openxmlformats.org/presentationml/2006/main" xmlns:c="http://schemas.openxmlformats.org/drawingml/2006/chart" xmlns:dgm="http://schemas.openxmlformats.org/drawingml/2006/diagram" xmlns:o="urn:schemas-microsoft-com:office:office" xmlns:v="urn:schemas-microsoft-com:vml" xmlns:pvml="urn:schemas-microsoft-com:office:powerpoint" xmlns:com="http://schemas.openxmlformats.org/drawingml/2006/compatibility" xmlns:p14="http://schemas.microsoft.com/office/powerpoint/2010/main" xmlns:p15="http://schemas.microsoft.com/office/powerpoint/2012/main" xmlns:ahyp="http://schemas.microsoft.com/office/drawing/2018/hyperlinkcolor">
+<p:sldMaster xmlns:a="http://schemas.openxmlformats.org/drawingml/2006/main" xmlns:r="http://schemas.openxmlformats.org/officeDocument/2006/relationships" xmlns:p="http://schemas.openxmlformats.org/presentationml/2006/main">
   <p:cSld name="slate">
     <p:bg>
       <p:bgPr>
         <a:solidFill>
           <a:schemeClr val="lt1"/>
         </a:solidFill>
+        <a:effectLst/>
       </p:bgPr>
     </p:bg>
     <p:spTree>
       <p:nvGrpSpPr>
-        <p:cNvPr id="5" name="Shape 5"/>
+        <p:cNvPr id="1" name="Shape 5"/>
         <p:cNvGrpSpPr/>
         <p:nvPr/>
       </p:nvGrpSpPr>
@@ -5368,7 +5508,9 @@
       <p:sp>
         <p:nvSpPr>
           <p:cNvPr id="6" name="Google Shape;6;p1"/>
-          <p:cNvSpPr txBox="1"/>
+          <p:cNvSpPr txBox="1">
+            <a:spLocks noGrp="1"/>
+          </p:cNvSpPr>
           <p:nvPr>
             <p:ph type="title"/>
           </p:nvPr>
@@ -5387,7 +5529,7 @@
           </a:ln>
         </p:spPr>
         <p:txBody>
-          <a:bodyPr anchorCtr="0" anchor="t" bIns="91425" lIns="91425" spcFirstLastPara="1" rIns="91425" wrap="square" tIns="91425">
+          <a:bodyPr spcFirstLastPara="1" wrap="square" lIns="91425" tIns="91425" rIns="91425" bIns="91425" anchor="t" anchorCtr="0">
             <a:normAutofit/>
           </a:bodyPr>
           <a:lstStyle>
@@ -5599,15 +5741,19 @@
               </a:defRPr>
             </a:lvl9pPr>
           </a:lstStyle>
-          <a:p/>
+          <a:p>
+            <a:endParaRPr/>
+          </a:p>
         </p:txBody>
       </p:sp>
       <p:sp>
         <p:nvSpPr>
           <p:cNvPr id="7" name="Google Shape;7;p1"/>
-          <p:cNvSpPr txBox="1"/>
+          <p:cNvSpPr txBox="1">
+            <a:spLocks noGrp="1"/>
+          </p:cNvSpPr>
           <p:nvPr>
-            <p:ph idx="1" type="body"/>
+            <p:ph type="body" idx="1"/>
           </p:nvPr>
         </p:nvSpPr>
         <p:spPr>
@@ -5624,11 +5770,11 @@
           </a:ln>
         </p:spPr>
         <p:txBody>
-          <a:bodyPr anchorCtr="0" anchor="t" bIns="91425" lIns="91425" spcFirstLastPara="1" rIns="91425" wrap="square" tIns="91425">
+          <a:bodyPr spcFirstLastPara="1" wrap="square" lIns="91425" tIns="91425" rIns="91425" bIns="91425" anchor="t" anchorCtr="0">
             <a:normAutofit/>
           </a:bodyPr>
           <a:lstStyle>
-            <a:lvl1pPr indent="-342900" lvl="0" marL="457200" rtl="0">
+            <a:lvl1pPr marL="457200" lvl="0" indent="-342900" rtl="0">
               <a:lnSpc>
                 <a:spcPct val="115000"/>
               </a:lnSpc>
@@ -5654,7 +5800,7 @@
                 <a:sym typeface="Average"/>
               </a:defRPr>
             </a:lvl1pPr>
-            <a:lvl2pPr indent="-317500" lvl="1" marL="914400" rtl="0">
+            <a:lvl2pPr marL="914400" lvl="1" indent="-317500" rtl="0">
               <a:lnSpc>
                 <a:spcPct val="115000"/>
               </a:lnSpc>
@@ -5680,7 +5826,7 @@
                 <a:sym typeface="Average"/>
               </a:defRPr>
             </a:lvl2pPr>
-            <a:lvl3pPr indent="-317500" lvl="2" marL="1371600" rtl="0">
+            <a:lvl3pPr marL="1371600" lvl="2" indent="-317500" rtl="0">
               <a:lnSpc>
                 <a:spcPct val="115000"/>
               </a:lnSpc>
@@ -5706,7 +5852,7 @@
                 <a:sym typeface="Average"/>
               </a:defRPr>
             </a:lvl3pPr>
-            <a:lvl4pPr indent="-317500" lvl="3" marL="1828800" rtl="0">
+            <a:lvl4pPr marL="1828800" lvl="3" indent="-317500" rtl="0">
               <a:lnSpc>
                 <a:spcPct val="115000"/>
               </a:lnSpc>
@@ -5732,7 +5878,7 @@
                 <a:sym typeface="Average"/>
               </a:defRPr>
             </a:lvl4pPr>
-            <a:lvl5pPr indent="-317500" lvl="4" marL="2286000" rtl="0">
+            <a:lvl5pPr marL="2286000" lvl="4" indent="-317500" rtl="0">
               <a:lnSpc>
                 <a:spcPct val="115000"/>
               </a:lnSpc>
@@ -5758,7 +5904,7 @@
                 <a:sym typeface="Average"/>
               </a:defRPr>
             </a:lvl5pPr>
-            <a:lvl6pPr indent="-317500" lvl="5" marL="2743200" rtl="0">
+            <a:lvl6pPr marL="2743200" lvl="5" indent="-317500" rtl="0">
               <a:lnSpc>
                 <a:spcPct val="115000"/>
               </a:lnSpc>
@@ -5784,7 +5930,7 @@
                 <a:sym typeface="Average"/>
               </a:defRPr>
             </a:lvl6pPr>
-            <a:lvl7pPr indent="-317500" lvl="6" marL="3200400" rtl="0">
+            <a:lvl7pPr marL="3200400" lvl="6" indent="-317500" rtl="0">
               <a:lnSpc>
                 <a:spcPct val="115000"/>
               </a:lnSpc>
@@ -5810,7 +5956,7 @@
                 <a:sym typeface="Average"/>
               </a:defRPr>
             </a:lvl7pPr>
-            <a:lvl8pPr indent="-317500" lvl="7" marL="3657600" rtl="0">
+            <a:lvl8pPr marL="3657600" lvl="7" indent="-317500" rtl="0">
               <a:lnSpc>
                 <a:spcPct val="115000"/>
               </a:lnSpc>
@@ -5836,7 +5982,7 @@
                 <a:sym typeface="Average"/>
               </a:defRPr>
             </a:lvl8pPr>
-            <a:lvl9pPr indent="-317500" lvl="8" marL="4114800" rtl="0">
+            <a:lvl9pPr marL="4114800" lvl="8" indent="-317500" rtl="0">
               <a:lnSpc>
                 <a:spcPct val="115000"/>
               </a:lnSpc>
@@ -5863,15 +6009,19 @@
               </a:defRPr>
             </a:lvl9pPr>
           </a:lstStyle>
-          <a:p/>
+          <a:p>
+            <a:endParaRPr/>
+          </a:p>
         </p:txBody>
       </p:sp>
       <p:sp>
         <p:nvSpPr>
           <p:cNvPr id="8" name="Google Shape;8;p1"/>
-          <p:cNvSpPr txBox="1"/>
+          <p:cNvSpPr txBox="1">
+            <a:spLocks noGrp="1"/>
+          </p:cNvSpPr>
           <p:nvPr>
-            <p:ph idx="12" type="sldNum"/>
+            <p:ph type="sldNum" idx="12"/>
           </p:nvPr>
         </p:nvSpPr>
         <p:spPr>
@@ -5888,11 +6038,11 @@
           </a:ln>
         </p:spPr>
         <p:txBody>
-          <a:bodyPr anchorCtr="0" anchor="ctr" bIns="91425" lIns="91425" spcFirstLastPara="1" rIns="91425" wrap="square" tIns="91425">
+          <a:bodyPr spcFirstLastPara="1" wrap="square" lIns="91425" tIns="91425" rIns="91425" bIns="91425" anchor="ctr" anchorCtr="0">
             <a:normAutofit/>
           </a:bodyPr>
           <a:lstStyle>
-            <a:lvl1pPr lvl="0" rtl="0" algn="r">
+            <a:lvl1pPr lvl="0" algn="r" rtl="0">
               <a:buNone/>
               <a:defRPr sz="1000">
                 <a:solidFill>
@@ -5904,7 +6054,7 @@
                 <a:sym typeface="Average"/>
               </a:defRPr>
             </a:lvl1pPr>
-            <a:lvl2pPr lvl="1" rtl="0" algn="r">
+            <a:lvl2pPr lvl="1" algn="r" rtl="0">
               <a:buNone/>
               <a:defRPr sz="1000">
                 <a:solidFill>
@@ -5916,7 +6066,7 @@
                 <a:sym typeface="Average"/>
               </a:defRPr>
             </a:lvl2pPr>
-            <a:lvl3pPr lvl="2" rtl="0" algn="r">
+            <a:lvl3pPr lvl="2" algn="r" rtl="0">
               <a:buNone/>
               <a:defRPr sz="1000">
                 <a:solidFill>
@@ -5928,7 +6078,7 @@
                 <a:sym typeface="Average"/>
               </a:defRPr>
             </a:lvl3pPr>
-            <a:lvl4pPr lvl="3" rtl="0" algn="r">
+            <a:lvl4pPr lvl="3" algn="r" rtl="0">
               <a:buNone/>
               <a:defRPr sz="1000">
                 <a:solidFill>
@@ -5940,7 +6090,7 @@
                 <a:sym typeface="Average"/>
               </a:defRPr>
             </a:lvl4pPr>
-            <a:lvl5pPr lvl="4" rtl="0" algn="r">
+            <a:lvl5pPr lvl="4" algn="r" rtl="0">
               <a:buNone/>
               <a:defRPr sz="1000">
                 <a:solidFill>
@@ -5952,7 +6102,7 @@
                 <a:sym typeface="Average"/>
               </a:defRPr>
             </a:lvl5pPr>
-            <a:lvl6pPr lvl="5" rtl="0" algn="r">
+            <a:lvl6pPr lvl="5" algn="r" rtl="0">
               <a:buNone/>
               <a:defRPr sz="1000">
                 <a:solidFill>
@@ -5964,7 +6114,7 @@
                 <a:sym typeface="Average"/>
               </a:defRPr>
             </a:lvl6pPr>
-            <a:lvl7pPr lvl="6" rtl="0" algn="r">
+            <a:lvl7pPr lvl="6" algn="r" rtl="0">
               <a:buNone/>
               <a:defRPr sz="1000">
                 <a:solidFill>
@@ -5976,7 +6126,7 @@
                 <a:sym typeface="Average"/>
               </a:defRPr>
             </a:lvl7pPr>
-            <a:lvl8pPr lvl="7" rtl="0" algn="r">
+            <a:lvl8pPr lvl="7" algn="r" rtl="0">
               <a:buNone/>
               <a:defRPr sz="1000">
                 <a:solidFill>
@@ -5988,7 +6138,7 @@
                 <a:sym typeface="Average"/>
               </a:defRPr>
             </a:lvl8pPr>
-            <a:lvl9pPr lvl="8" rtl="0" algn="r">
+            <a:lvl9pPr lvl="8" algn="r" rtl="0">
               <a:buNone/>
               <a:defRPr sz="1000">
                 <a:solidFill>
@@ -6002,7 +6152,7 @@
             </a:lvl9pPr>
           </a:lstStyle>
           <a:p>
-            <a:pPr indent="0" lvl="0" marL="0" rtl="0" algn="r">
+            <a:pPr marL="0" lvl="0" indent="0" algn="r" rtl="0">
               <a:spcBef>
                 <a:spcPts val="0"/>
               </a:spcBef>
@@ -6021,7 +6171,7 @@
       </p:sp>
     </p:spTree>
   </p:cSld>
-  <p:clrMap accent1="accent1" accent2="accent2" accent3="accent3" accent4="accent4" accent5="accent5" accent6="accent6" bg1="lt1" bg2="dk2" tx1="dk1" tx2="lt2" folHlink="folHlink" hlink="hlink"/>
+  <p:clrMap bg1="lt1" tx1="dk1" bg2="dk2" tx2="lt2" accent1="accent1" accent2="accent2" accent3="accent3" accent4="accent4" accent5="accent5" accent6="accent6" hlink="hlink" folHlink="folHlink"/>
   <p:sldLayoutIdLst>
     <p:sldLayoutId id="2147483648" r:id="rId1"/>
     <p:sldLayoutId id="2147483649" r:id="rId2"/>
@@ -6035,10 +6185,10 @@
     <p:sldLayoutId id="2147483657" r:id="rId10"/>
     <p:sldLayoutId id="2147483658" r:id="rId11"/>
   </p:sldLayoutIdLst>
-  <p:hf dt="0" ftr="0" hdr="0" sldNum="0"/>
+  <p:hf sldNum="0" hdr="0" ftr="0" dt="0"/>
   <p:txStyles>
     <p:titleStyle>
-      <a:defPPr lvl="0" marR="0" rtl="0" algn="l">
+      <a:defPPr marR="0" lvl="0" algn="l" rtl="0">
         <a:lnSpc>
           <a:spcPct val="100000"/>
         </a:lnSpc>
@@ -6049,7 +6199,7 @@
           <a:spcPts val="0"/>
         </a:spcAft>
       </a:defPPr>
-      <a:lvl1pPr lvl="0" marR="0" rtl="0" algn="l">
+      <a:lvl1pPr marR="0" lvl="0" algn="l" rtl="0">
         <a:lnSpc>
           <a:spcPct val="100000"/>
         </a:lnSpc>
@@ -6063,7 +6213,7 @@
           <a:srgbClr val="000000"/>
         </a:buClr>
         <a:buFont typeface="Arial"/>
-        <a:defRPr b="0" i="0" sz="1400" u="none" cap="none" strike="noStrike">
+        <a:defRPr sz="1400" b="0" i="0" u="none" strike="noStrike" cap="none">
           <a:solidFill>
             <a:srgbClr val="000000"/>
           </a:solidFill>
@@ -6073,7 +6223,7 @@
           <a:sym typeface="Arial"/>
         </a:defRPr>
       </a:lvl1pPr>
-      <a:lvl2pPr lvl="1" marR="0" rtl="0" algn="l">
+      <a:lvl2pPr marR="0" lvl="1" algn="l" rtl="0">
         <a:lnSpc>
           <a:spcPct val="100000"/>
         </a:lnSpc>
@@ -6087,7 +6237,7 @@
           <a:srgbClr val="000000"/>
         </a:buClr>
         <a:buFont typeface="Arial"/>
-        <a:defRPr b="0" i="0" sz="1400" u="none" cap="none" strike="noStrike">
+        <a:defRPr sz="1400" b="0" i="0" u="none" strike="noStrike" cap="none">
           <a:solidFill>
             <a:srgbClr val="000000"/>
           </a:solidFill>
@@ -6097,7 +6247,7 @@
           <a:sym typeface="Arial"/>
         </a:defRPr>
       </a:lvl2pPr>
-      <a:lvl3pPr lvl="2" marR="0" rtl="0" algn="l">
+      <a:lvl3pPr marR="0" lvl="2" algn="l" rtl="0">
         <a:lnSpc>
           <a:spcPct val="100000"/>
         </a:lnSpc>
@@ -6111,7 +6261,7 @@
           <a:srgbClr val="000000"/>
         </a:buClr>
         <a:buFont typeface="Arial"/>
-        <a:defRPr b="0" i="0" sz="1400" u="none" cap="none" strike="noStrike">
+        <a:defRPr sz="1400" b="0" i="0" u="none" strike="noStrike" cap="none">
           <a:solidFill>
             <a:srgbClr val="000000"/>
           </a:solidFill>
@@ -6121,7 +6271,7 @@
           <a:sym typeface="Arial"/>
         </a:defRPr>
       </a:lvl3pPr>
-      <a:lvl4pPr lvl="3" marR="0" rtl="0" algn="l">
+      <a:lvl4pPr marR="0" lvl="3" algn="l" rtl="0">
         <a:lnSpc>
           <a:spcPct val="100000"/>
         </a:lnSpc>
@@ -6135,7 +6285,7 @@
           <a:srgbClr val="000000"/>
         </a:buClr>
         <a:buFont typeface="Arial"/>
-        <a:defRPr b="0" i="0" sz="1400" u="none" cap="none" strike="noStrike">
+        <a:defRPr sz="1400" b="0" i="0" u="none" strike="noStrike" cap="none">
           <a:solidFill>
             <a:srgbClr val="000000"/>
           </a:solidFill>
@@ -6145,7 +6295,7 @@
           <a:sym typeface="Arial"/>
         </a:defRPr>
       </a:lvl4pPr>
-      <a:lvl5pPr lvl="4" marR="0" rtl="0" algn="l">
+      <a:lvl5pPr marR="0" lvl="4" algn="l" rtl="0">
         <a:lnSpc>
           <a:spcPct val="100000"/>
         </a:lnSpc>
@@ -6159,7 +6309,7 @@
           <a:srgbClr val="000000"/>
         </a:buClr>
         <a:buFont typeface="Arial"/>
-        <a:defRPr b="0" i="0" sz="1400" u="none" cap="none" strike="noStrike">
+        <a:defRPr sz="1400" b="0" i="0" u="none" strike="noStrike" cap="none">
           <a:solidFill>
             <a:srgbClr val="000000"/>
           </a:solidFill>
@@ -6169,7 +6319,7 @@
           <a:sym typeface="Arial"/>
         </a:defRPr>
       </a:lvl5pPr>
-      <a:lvl6pPr lvl="5" marR="0" rtl="0" algn="l">
+      <a:lvl6pPr marR="0" lvl="5" algn="l" rtl="0">
         <a:lnSpc>
           <a:spcPct val="100000"/>
         </a:lnSpc>
@@ -6183,7 +6333,7 @@
           <a:srgbClr val="000000"/>
         </a:buClr>
         <a:buFont typeface="Arial"/>
-        <a:defRPr b="0" i="0" sz="1400" u="none" cap="none" strike="noStrike">
+        <a:defRPr sz="1400" b="0" i="0" u="none" strike="noStrike" cap="none">
           <a:solidFill>
             <a:srgbClr val="000000"/>
           </a:solidFill>
@@ -6193,7 +6343,7 @@
           <a:sym typeface="Arial"/>
         </a:defRPr>
       </a:lvl6pPr>
-      <a:lvl7pPr lvl="6" marR="0" rtl="0" algn="l">
+      <a:lvl7pPr marR="0" lvl="6" algn="l" rtl="0">
         <a:lnSpc>
           <a:spcPct val="100000"/>
         </a:lnSpc>
@@ -6207,7 +6357,7 @@
           <a:srgbClr val="000000"/>
         </a:buClr>
         <a:buFont typeface="Arial"/>
-        <a:defRPr b="0" i="0" sz="1400" u="none" cap="none" strike="noStrike">
+        <a:defRPr sz="1400" b="0" i="0" u="none" strike="noStrike" cap="none">
           <a:solidFill>
             <a:srgbClr val="000000"/>
           </a:solidFill>
@@ -6217,7 +6367,7 @@
           <a:sym typeface="Arial"/>
         </a:defRPr>
       </a:lvl7pPr>
-      <a:lvl8pPr lvl="7" marR="0" rtl="0" algn="l">
+      <a:lvl8pPr marR="0" lvl="7" algn="l" rtl="0">
         <a:lnSpc>
           <a:spcPct val="100000"/>
         </a:lnSpc>
@@ -6231,7 +6381,7 @@
           <a:srgbClr val="000000"/>
         </a:buClr>
         <a:buFont typeface="Arial"/>
-        <a:defRPr b="0" i="0" sz="1400" u="none" cap="none" strike="noStrike">
+        <a:defRPr sz="1400" b="0" i="0" u="none" strike="noStrike" cap="none">
           <a:solidFill>
             <a:srgbClr val="000000"/>
           </a:solidFill>
@@ -6241,7 +6391,7 @@
           <a:sym typeface="Arial"/>
         </a:defRPr>
       </a:lvl8pPr>
-      <a:lvl9pPr lvl="8" marR="0" rtl="0" algn="l">
+      <a:lvl9pPr marR="0" lvl="8" algn="l" rtl="0">
         <a:lnSpc>
           <a:spcPct val="100000"/>
         </a:lnSpc>
@@ -6255,7 +6405,7 @@
           <a:srgbClr val="000000"/>
         </a:buClr>
         <a:buFont typeface="Arial"/>
-        <a:defRPr b="0" i="0" sz="1400" u="none" cap="none" strike="noStrike">
+        <a:defRPr sz="1400" b="0" i="0" u="none" strike="noStrike" cap="none">
           <a:solidFill>
             <a:srgbClr val="000000"/>
           </a:solidFill>
@@ -6267,7 +6417,7 @@
       </a:lvl9pPr>
     </p:titleStyle>
     <p:bodyStyle>
-      <a:defPPr lvl="0" marR="0" rtl="0" algn="l">
+      <a:defPPr marR="0" lvl="0" algn="l" rtl="0">
         <a:lnSpc>
           <a:spcPct val="100000"/>
         </a:lnSpc>
@@ -6278,7 +6428,7 @@
           <a:spcPts val="0"/>
         </a:spcAft>
       </a:defPPr>
-      <a:lvl1pPr lvl="0" marR="0" rtl="0" algn="l">
+      <a:lvl1pPr marR="0" lvl="0" algn="l" rtl="0">
         <a:lnSpc>
           <a:spcPct val="100000"/>
         </a:lnSpc>
@@ -6292,7 +6442,7 @@
           <a:srgbClr val="000000"/>
         </a:buClr>
         <a:buFont typeface="Arial"/>
-        <a:defRPr b="0" i="0" sz="1400" u="none" cap="none" strike="noStrike">
+        <a:defRPr sz="1400" b="0" i="0" u="none" strike="noStrike" cap="none">
           <a:solidFill>
             <a:srgbClr val="000000"/>
           </a:solidFill>
@@ -6302,7 +6452,7 @@
           <a:sym typeface="Arial"/>
         </a:defRPr>
       </a:lvl1pPr>
-      <a:lvl2pPr lvl="1" marR="0" rtl="0" algn="l">
+      <a:lvl2pPr marR="0" lvl="1" algn="l" rtl="0">
         <a:lnSpc>
           <a:spcPct val="100000"/>
         </a:lnSpc>
@@ -6316,7 +6466,7 @@
           <a:srgbClr val="000000"/>
         </a:buClr>
         <a:buFont typeface="Arial"/>
-        <a:defRPr b="0" i="0" sz="1400" u="none" cap="none" strike="noStrike">
+        <a:defRPr sz="1400" b="0" i="0" u="none" strike="noStrike" cap="none">
           <a:solidFill>
             <a:srgbClr val="000000"/>
           </a:solidFill>
@@ -6326,7 +6476,7 @@
           <a:sym typeface="Arial"/>
         </a:defRPr>
       </a:lvl2pPr>
-      <a:lvl3pPr lvl="2" marR="0" rtl="0" algn="l">
+      <a:lvl3pPr marR="0" lvl="2" algn="l" rtl="0">
         <a:lnSpc>
           <a:spcPct val="100000"/>
         </a:lnSpc>
@@ -6340,7 +6490,7 @@
           <a:srgbClr val="000000"/>
         </a:buClr>
         <a:buFont typeface="Arial"/>
-        <a:defRPr b="0" i="0" sz="1400" u="none" cap="none" strike="noStrike">
+        <a:defRPr sz="1400" b="0" i="0" u="none" strike="noStrike" cap="none">
           <a:solidFill>
             <a:srgbClr val="000000"/>
           </a:solidFill>
@@ -6350,7 +6500,7 @@
           <a:sym typeface="Arial"/>
         </a:defRPr>
       </a:lvl3pPr>
-      <a:lvl4pPr lvl="3" marR="0" rtl="0" algn="l">
+      <a:lvl4pPr marR="0" lvl="3" algn="l" rtl="0">
         <a:lnSpc>
           <a:spcPct val="100000"/>
         </a:lnSpc>
@@ -6364,7 +6514,7 @@
           <a:srgbClr val="000000"/>
         </a:buClr>
         <a:buFont typeface="Arial"/>
-        <a:defRPr b="0" i="0" sz="1400" u="none" cap="none" strike="noStrike">
+        <a:defRPr sz="1400" b="0" i="0" u="none" strike="noStrike" cap="none">
           <a:solidFill>
             <a:srgbClr val="000000"/>
           </a:solidFill>
@@ -6374,7 +6524,7 @@
           <a:sym typeface="Arial"/>
         </a:defRPr>
       </a:lvl4pPr>
-      <a:lvl5pPr lvl="4" marR="0" rtl="0" algn="l">
+      <a:lvl5pPr marR="0" lvl="4" algn="l" rtl="0">
         <a:lnSpc>
           <a:spcPct val="100000"/>
         </a:lnSpc>
@@ -6388,7 +6538,7 @@
           <a:srgbClr val="000000"/>
         </a:buClr>
         <a:buFont typeface="Arial"/>
-        <a:defRPr b="0" i="0" sz="1400" u="none" cap="none" strike="noStrike">
+        <a:defRPr sz="1400" b="0" i="0" u="none" strike="noStrike" cap="none">
           <a:solidFill>
             <a:srgbClr val="000000"/>
           </a:solidFill>
@@ -6398,7 +6548,7 @@
           <a:sym typeface="Arial"/>
         </a:defRPr>
       </a:lvl5pPr>
-      <a:lvl6pPr lvl="5" marR="0" rtl="0" algn="l">
+      <a:lvl6pPr marR="0" lvl="5" algn="l" rtl="0">
         <a:lnSpc>
           <a:spcPct val="100000"/>
         </a:lnSpc>
@@ -6412,7 +6562,7 @@
           <a:srgbClr val="000000"/>
         </a:buClr>
         <a:buFont typeface="Arial"/>
-        <a:defRPr b="0" i="0" sz="1400" u="none" cap="none" strike="noStrike">
+        <a:defRPr sz="1400" b="0" i="0" u="none" strike="noStrike" cap="none">
           <a:solidFill>
             <a:srgbClr val="000000"/>
           </a:solidFill>
@@ -6422,7 +6572,7 @@
           <a:sym typeface="Arial"/>
         </a:defRPr>
       </a:lvl6pPr>
-      <a:lvl7pPr lvl="6" marR="0" rtl="0" algn="l">
+      <a:lvl7pPr marR="0" lvl="6" algn="l" rtl="0">
         <a:lnSpc>
           <a:spcPct val="100000"/>
         </a:lnSpc>
@@ -6436,7 +6586,7 @@
           <a:srgbClr val="000000"/>
         </a:buClr>
         <a:buFont typeface="Arial"/>
-        <a:defRPr b="0" i="0" sz="1400" u="none" cap="none" strike="noStrike">
+        <a:defRPr sz="1400" b="0" i="0" u="none" strike="noStrike" cap="none">
           <a:solidFill>
             <a:srgbClr val="000000"/>
           </a:solidFill>
@@ -6446,7 +6596,7 @@
           <a:sym typeface="Arial"/>
         </a:defRPr>
       </a:lvl7pPr>
-      <a:lvl8pPr lvl="7" marR="0" rtl="0" algn="l">
+      <a:lvl8pPr marR="0" lvl="7" algn="l" rtl="0">
         <a:lnSpc>
           <a:spcPct val="100000"/>
         </a:lnSpc>
@@ -6460,7 +6610,7 @@
           <a:srgbClr val="000000"/>
         </a:buClr>
         <a:buFont typeface="Arial"/>
-        <a:defRPr b="0" i="0" sz="1400" u="none" cap="none" strike="noStrike">
+        <a:defRPr sz="1400" b="0" i="0" u="none" strike="noStrike" cap="none">
           <a:solidFill>
             <a:srgbClr val="000000"/>
           </a:solidFill>
@@ -6470,7 +6620,7 @@
           <a:sym typeface="Arial"/>
         </a:defRPr>
       </a:lvl8pPr>
-      <a:lvl9pPr lvl="8" marR="0" rtl="0" algn="l">
+      <a:lvl9pPr marR="0" lvl="8" algn="l" rtl="0">
         <a:lnSpc>
           <a:spcPct val="100000"/>
         </a:lnSpc>
@@ -6484,7 +6634,7 @@
           <a:srgbClr val="000000"/>
         </a:buClr>
         <a:buFont typeface="Arial"/>
-        <a:defRPr b="0" i="0" sz="1400" u="none" cap="none" strike="noStrike">
+        <a:defRPr sz="1400" b="0" i="0" u="none" strike="noStrike" cap="none">
           <a:solidFill>
             <a:srgbClr val="000000"/>
           </a:solidFill>
@@ -6496,7 +6646,7 @@
       </a:lvl9pPr>
     </p:bodyStyle>
     <p:otherStyle>
-      <a:defPPr lvl="0" marR="0" rtl="0" algn="l">
+      <a:defPPr marR="0" lvl="0" algn="l" rtl="0">
         <a:lnSpc>
           <a:spcPct val="100000"/>
         </a:lnSpc>
@@ -6507,7 +6657,7 @@
           <a:spcPts val="0"/>
         </a:spcAft>
       </a:defPPr>
-      <a:lvl1pPr lvl="0" marR="0" rtl="0" algn="l">
+      <a:lvl1pPr marR="0" lvl="0" algn="l" rtl="0">
         <a:lnSpc>
           <a:spcPct val="100000"/>
         </a:lnSpc>
@@ -6521,7 +6671,7 @@
           <a:srgbClr val="000000"/>
         </a:buClr>
         <a:buFont typeface="Arial"/>
-        <a:defRPr b="0" i="0" sz="1400" u="none" cap="none" strike="noStrike">
+        <a:defRPr sz="1400" b="0" i="0" u="none" strike="noStrike" cap="none">
           <a:solidFill>
             <a:srgbClr val="000000"/>
           </a:solidFill>
@@ -6531,7 +6681,7 @@
           <a:sym typeface="Arial"/>
         </a:defRPr>
       </a:lvl1pPr>
-      <a:lvl2pPr lvl="1" marR="0" rtl="0" algn="l">
+      <a:lvl2pPr marR="0" lvl="1" algn="l" rtl="0">
         <a:lnSpc>
           <a:spcPct val="100000"/>
         </a:lnSpc>
@@ -6545,7 +6695,7 @@
           <a:srgbClr val="000000"/>
         </a:buClr>
         <a:buFont typeface="Arial"/>
-        <a:defRPr b="0" i="0" sz="1400" u="none" cap="none" strike="noStrike">
+        <a:defRPr sz="1400" b="0" i="0" u="none" strike="noStrike" cap="none">
           <a:solidFill>
             <a:srgbClr val="000000"/>
           </a:solidFill>
@@ -6555,7 +6705,7 @@
           <a:sym typeface="Arial"/>
         </a:defRPr>
       </a:lvl2pPr>
-      <a:lvl3pPr lvl="2" marR="0" rtl="0" algn="l">
+      <a:lvl3pPr marR="0" lvl="2" algn="l" rtl="0">
         <a:lnSpc>
           <a:spcPct val="100000"/>
         </a:lnSpc>
@@ -6569,7 +6719,7 @@
           <a:srgbClr val="000000"/>
         </a:buClr>
         <a:buFont typeface="Arial"/>
-        <a:defRPr b="0" i="0" sz="1400" u="none" cap="none" strike="noStrike">
+        <a:defRPr sz="1400" b="0" i="0" u="none" strike="noStrike" cap="none">
           <a:solidFill>
             <a:srgbClr val="000000"/>
           </a:solidFill>
@@ -6579,7 +6729,7 @@
           <a:sym typeface="Arial"/>
         </a:defRPr>
       </a:lvl3pPr>
-      <a:lvl4pPr lvl="3" marR="0" rtl="0" algn="l">
+      <a:lvl4pPr marR="0" lvl="3" algn="l" rtl="0">
         <a:lnSpc>
           <a:spcPct val="100000"/>
         </a:lnSpc>
@@ -6593,7 +6743,7 @@
           <a:srgbClr val="000000"/>
         </a:buClr>
         <a:buFont typeface="Arial"/>
-        <a:defRPr b="0" i="0" sz="1400" u="none" cap="none" strike="noStrike">
+        <a:defRPr sz="1400" b="0" i="0" u="none" strike="noStrike" cap="none">
           <a:solidFill>
             <a:srgbClr val="000000"/>
           </a:solidFill>
@@ -6603,7 +6753,7 @@
           <a:sym typeface="Arial"/>
         </a:defRPr>
       </a:lvl4pPr>
-      <a:lvl5pPr lvl="4" marR="0" rtl="0" algn="l">
+      <a:lvl5pPr marR="0" lvl="4" algn="l" rtl="0">
         <a:lnSpc>
           <a:spcPct val="100000"/>
         </a:lnSpc>
@@ -6617,7 +6767,7 @@
           <a:srgbClr val="000000"/>
         </a:buClr>
         <a:buFont typeface="Arial"/>
-        <a:defRPr b="0" i="0" sz="1400" u="none" cap="none" strike="noStrike">
+        <a:defRPr sz="1400" b="0" i="0" u="none" strike="noStrike" cap="none">
           <a:solidFill>
             <a:srgbClr val="000000"/>
           </a:solidFill>
@@ -6627,7 +6777,7 @@
           <a:sym typeface="Arial"/>
         </a:defRPr>
       </a:lvl5pPr>
-      <a:lvl6pPr lvl="5" marR="0" rtl="0" algn="l">
+      <a:lvl6pPr marR="0" lvl="5" algn="l" rtl="0">
         <a:lnSpc>
           <a:spcPct val="100000"/>
         </a:lnSpc>
@@ -6641,7 +6791,7 @@
           <a:srgbClr val="000000"/>
         </a:buClr>
         <a:buFont typeface="Arial"/>
-        <a:defRPr b="0" i="0" sz="1400" u="none" cap="none" strike="noStrike">
+        <a:defRPr sz="1400" b="0" i="0" u="none" strike="noStrike" cap="none">
           <a:solidFill>
             <a:srgbClr val="000000"/>
           </a:solidFill>
@@ -6651,7 +6801,7 @@
           <a:sym typeface="Arial"/>
         </a:defRPr>
       </a:lvl6pPr>
-      <a:lvl7pPr lvl="6" marR="0" rtl="0" algn="l">
+      <a:lvl7pPr marR="0" lvl="6" algn="l" rtl="0">
         <a:lnSpc>
           <a:spcPct val="100000"/>
         </a:lnSpc>
@@ -6665,7 +6815,7 @@
           <a:srgbClr val="000000"/>
         </a:buClr>
         <a:buFont typeface="Arial"/>
-        <a:defRPr b="0" i="0" sz="1400" u="none" cap="none" strike="noStrike">
+        <a:defRPr sz="1400" b="0" i="0" u="none" strike="noStrike" cap="none">
           <a:solidFill>
             <a:srgbClr val="000000"/>
           </a:solidFill>
@@ -6675,7 +6825,7 @@
           <a:sym typeface="Arial"/>
         </a:defRPr>
       </a:lvl7pPr>
-      <a:lvl8pPr lvl="7" marR="0" rtl="0" algn="l">
+      <a:lvl8pPr marR="0" lvl="7" algn="l" rtl="0">
         <a:lnSpc>
           <a:spcPct val="100000"/>
         </a:lnSpc>
@@ -6689,7 +6839,7 @@
           <a:srgbClr val="000000"/>
         </a:buClr>
         <a:buFont typeface="Arial"/>
-        <a:defRPr b="0" i="0" sz="1400" u="none" cap="none" strike="noStrike">
+        <a:defRPr sz="1400" b="0" i="0" u="none" strike="noStrike" cap="none">
           <a:solidFill>
             <a:srgbClr val="000000"/>
           </a:solidFill>
@@ -6699,7 +6849,7 @@
           <a:sym typeface="Arial"/>
         </a:defRPr>
       </a:lvl8pPr>
-      <a:lvl9pPr lvl="8" marR="0" rtl="0" algn="l">
+      <a:lvl9pPr marR="0" lvl="8" algn="l" rtl="0">
         <a:lnSpc>
           <a:spcPct val="100000"/>
         </a:lnSpc>
@@ -6713,7 +6863,7 @@
           <a:srgbClr val="000000"/>
         </a:buClr>
         <a:buFont typeface="Arial"/>
-        <a:defRPr b="0" i="0" sz="1400" u="none" cap="none" strike="noStrike">
+        <a:defRPr sz="1400" b="0" i="0" u="none" strike="noStrike" cap="none">
           <a:solidFill>
             <a:srgbClr val="000000"/>
           </a:solidFill>
@@ -6729,18 +6879,19 @@
 </file>
 
 <file path=ppt/slides/slide1.xml><?xml version="1.0" encoding="utf-8"?>
-<p:sld xmlns:a="http://schemas.openxmlformats.org/drawingml/2006/main" xmlns:r="http://schemas.openxmlformats.org/officeDocument/2006/relationships" xmlns:mc="http://schemas.openxmlformats.org/markup-compatibility/2006" xmlns:mv="urn:schemas-microsoft-com:mac:vml" xmlns:p="http://schemas.openxmlformats.org/presentationml/2006/main" xmlns:c="http://schemas.openxmlformats.org/drawingml/2006/chart" xmlns:dgm="http://schemas.openxmlformats.org/drawingml/2006/diagram" xmlns:o="urn:schemas-microsoft-com:office:office" xmlns:v="urn:schemas-microsoft-com:vml" xmlns:pvml="urn:schemas-microsoft-com:office:powerpoint" xmlns:com="http://schemas.openxmlformats.org/drawingml/2006/compatibility" xmlns:p14="http://schemas.microsoft.com/office/powerpoint/2010/main" xmlns:p15="http://schemas.microsoft.com/office/powerpoint/2012/main" xmlns:ahyp="http://schemas.microsoft.com/office/drawing/2018/hyperlinkcolor">
+<p:sld xmlns:a="http://schemas.openxmlformats.org/drawingml/2006/main" xmlns:r="http://schemas.openxmlformats.org/officeDocument/2006/relationships" xmlns:p="http://schemas.openxmlformats.org/presentationml/2006/main">
   <p:cSld>
     <p:bg>
       <p:bgPr>
         <a:solidFill>
           <a:schemeClr val="lt1"/>
         </a:solidFill>
+        <a:effectLst/>
       </p:bgPr>
     </p:bg>
     <p:spTree>
       <p:nvGrpSpPr>
-        <p:cNvPr id="58" name="Shape 58"/>
+        <p:cNvPr id="1" name="Shape 58"/>
         <p:cNvGrpSpPr/>
         <p:nvPr/>
       </p:nvGrpSpPr>
@@ -6755,7 +6906,9 @@
       <p:sp>
         <p:nvSpPr>
           <p:cNvPr id="59" name="Google Shape;59;p13"/>
-          <p:cNvSpPr txBox="1"/>
+          <p:cNvSpPr txBox="1">
+            <a:spLocks noGrp="1"/>
+          </p:cNvSpPr>
           <p:nvPr>
             <p:ph type="title"/>
           </p:nvPr>
@@ -6770,12 +6923,12 @@
           </a:prstGeom>
         </p:spPr>
         <p:txBody>
-          <a:bodyPr anchorCtr="0" anchor="b" bIns="91425" lIns="91425" spcFirstLastPara="1" rIns="91425" wrap="square" tIns="91425">
+          <a:bodyPr spcFirstLastPara="1" wrap="square" lIns="91425" tIns="91425" rIns="91425" bIns="91425" anchor="b" anchorCtr="0">
             <a:normAutofit/>
           </a:bodyPr>
           <a:lstStyle/>
           <a:p>
-            <a:pPr indent="0" lvl="0" marL="0" rtl="0" algn="ctr">
+            <a:pPr marL="0" lvl="0" indent="0" algn="ctr" rtl="0">
               <a:spcBef>
                 <a:spcPts val="0"/>
               </a:spcBef>
@@ -6795,9 +6948,11 @@
       <p:sp>
         <p:nvSpPr>
           <p:cNvPr id="60" name="Google Shape;60;p13"/>
-          <p:cNvSpPr txBox="1"/>
+          <p:cNvSpPr txBox="1">
+            <a:spLocks noGrp="1"/>
+          </p:cNvSpPr>
           <p:nvPr>
-            <p:ph idx="1" type="subTitle"/>
+            <p:ph type="subTitle" idx="1"/>
           </p:nvPr>
         </p:nvSpPr>
         <p:spPr>
@@ -6810,12 +6965,12 @@
           </a:prstGeom>
         </p:spPr>
         <p:txBody>
-          <a:bodyPr anchorCtr="0" anchor="t" bIns="91425" lIns="91425" spcFirstLastPara="1" rIns="91425" wrap="square" tIns="91425">
+          <a:bodyPr spcFirstLastPara="1" wrap="square" lIns="91425" tIns="91425" rIns="91425" bIns="91425" anchor="t" anchorCtr="0">
             <a:normAutofit/>
           </a:bodyPr>
           <a:lstStyle/>
           <a:p>
-            <a:pPr indent="0" lvl="0" marL="0" rtl="0" algn="l">
+            <a:pPr marL="0" lvl="0" indent="0" algn="l" rtl="0">
               <a:spcBef>
                 <a:spcPts val="0"/>
               </a:spcBef>
@@ -6835,9 +6990,11 @@
       <p:sp>
         <p:nvSpPr>
           <p:cNvPr id="61" name="Google Shape;61;p13"/>
-          <p:cNvSpPr txBox="1"/>
+          <p:cNvSpPr txBox="1">
+            <a:spLocks noGrp="1"/>
+          </p:cNvSpPr>
           <p:nvPr>
-            <p:ph idx="2" type="body"/>
+            <p:ph type="body" idx="2"/>
           </p:nvPr>
         </p:nvSpPr>
         <p:spPr>
@@ -6850,12 +7007,12 @@
           </a:prstGeom>
         </p:spPr>
         <p:txBody>
-          <a:bodyPr anchorCtr="0" anchor="ctr" bIns="91425" lIns="91425" spcFirstLastPara="1" rIns="91425" wrap="square" tIns="91425">
+          <a:bodyPr spcFirstLastPara="1" wrap="square" lIns="91425" tIns="91425" rIns="91425" bIns="91425" anchor="ctr" anchorCtr="0">
             <a:normAutofit/>
           </a:bodyPr>
           <a:lstStyle/>
           <a:p>
-            <a:pPr indent="0" lvl="0" marL="0" rtl="0" algn="l">
+            <a:pPr marL="0" lvl="0" indent="0" algn="l" rtl="0">
               <a:spcBef>
                 <a:spcPts val="0"/>
               </a:spcBef>
@@ -6864,9 +7021,6 @@
               </a:spcAft>
               <a:buNone/>
             </a:pPr>
-            <a:r>
-              <a:t/>
-            </a:r>
             <a:endParaRPr/>
           </a:p>
         </p:txBody>
@@ -6891,12 +7045,12 @@
           </a:ln>
         </p:spPr>
         <p:txBody>
-          <a:bodyPr anchorCtr="0" anchor="t" bIns="91425" lIns="91425" spcFirstLastPara="1" rIns="91425" wrap="square" tIns="91425">
+          <a:bodyPr spcFirstLastPara="1" wrap="square" lIns="91425" tIns="91425" rIns="91425" bIns="91425" anchor="t" anchorCtr="0">
             <a:spAutoFit/>
           </a:bodyPr>
           <a:lstStyle/>
           <a:p>
-            <a:pPr indent="0" lvl="0" marL="0" rtl="0" algn="l">
+            <a:pPr marL="0" lvl="0" indent="0" algn="l" rtl="0">
               <a:spcBef>
                 <a:spcPts val="0"/>
               </a:spcBef>
@@ -6906,7 +7060,7 @@
               <a:buNone/>
             </a:pPr>
             <a:r>
-              <a:rPr b="1" lang="en" sz="6000">
+              <a:rPr lang="en" sz="6000" b="1">
                 <a:solidFill>
                   <a:schemeClr val="dk1"/>
                 </a:solidFill>
@@ -6917,7 +7071,7 @@
               </a:rPr>
               <a:t>…</a:t>
             </a:r>
-            <a:endParaRPr b="1" sz="6000">
+            <a:endParaRPr sz="6000" b="1">
               <a:solidFill>
                 <a:schemeClr val="dk1"/>
               </a:solidFill>
@@ -6949,12 +7103,12 @@
           </a:ln>
         </p:spPr>
         <p:txBody>
-          <a:bodyPr anchorCtr="0" anchor="t" bIns="91425" lIns="91425" spcFirstLastPara="1" rIns="91425" wrap="square" tIns="91425">
+          <a:bodyPr spcFirstLastPara="1" wrap="square" lIns="91425" tIns="91425" rIns="91425" bIns="91425" anchor="t" anchorCtr="0">
             <a:spAutoFit/>
           </a:bodyPr>
           <a:lstStyle/>
           <a:p>
-            <a:pPr indent="0" lvl="0" marL="0" rtl="0" algn="ctr">
+            <a:pPr marL="0" lvl="0" indent="0" algn="ctr" rtl="0">
               <a:spcBef>
                 <a:spcPts val="0"/>
               </a:spcBef>
@@ -6986,7 +7140,7 @@
             </a:endParaRPr>
           </a:p>
           <a:p>
-            <a:pPr indent="0" lvl="0" marL="0" rtl="0" algn="ctr">
+            <a:pPr marL="0" lvl="0" indent="0" algn="ctr" rtl="0">
               <a:spcBef>
                 <a:spcPts val="0"/>
               </a:spcBef>
@@ -7018,7 +7172,7 @@
             </a:endParaRPr>
           </a:p>
           <a:p>
-            <a:pPr indent="0" lvl="0" marL="0" rtl="0" algn="ctr">
+            <a:pPr marL="0" lvl="0" indent="0" algn="ctr" rtl="0">
               <a:spcBef>
                 <a:spcPts val="0"/>
               </a:spcBef>
@@ -7050,7 +7204,7 @@
             </a:endParaRPr>
           </a:p>
           <a:p>
-            <a:pPr indent="0" lvl="0" marL="0" rtl="0" algn="ctr">
+            <a:pPr marL="0" lvl="0" indent="0" algn="ctr" rtl="0">
               <a:spcBef>
                 <a:spcPts val="0"/>
               </a:spcBef>
@@ -7119,19 +7273,1113 @@
 </p:sld>
 </file>
 
-<file path=ppt/slides/slide2.xml><?xml version="1.0" encoding="utf-8"?>
-<p:sld xmlns:a="http://schemas.openxmlformats.org/drawingml/2006/main" xmlns:r="http://schemas.openxmlformats.org/officeDocument/2006/relationships" xmlns:mc="http://schemas.openxmlformats.org/markup-compatibility/2006" xmlns:mv="urn:schemas-microsoft-com:mac:vml" xmlns:p="http://schemas.openxmlformats.org/presentationml/2006/main" xmlns:c="http://schemas.openxmlformats.org/drawingml/2006/chart" xmlns:dgm="http://schemas.openxmlformats.org/drawingml/2006/diagram" xmlns:o="urn:schemas-microsoft-com:office:office" xmlns:v="urn:schemas-microsoft-com:vml" xmlns:pvml="urn:schemas-microsoft-com:office:powerpoint" xmlns:com="http://schemas.openxmlformats.org/drawingml/2006/compatibility" xmlns:p14="http://schemas.microsoft.com/office/powerpoint/2010/main" xmlns:p15="http://schemas.microsoft.com/office/powerpoint/2012/main" xmlns:ahyp="http://schemas.microsoft.com/office/drawing/2018/hyperlinkcolor">
+<file path=ppt/slides/slide10.xml><?xml version="1.0" encoding="utf-8"?>
+<p:sld xmlns:a="http://schemas.openxmlformats.org/drawingml/2006/main" xmlns:r="http://schemas.openxmlformats.org/officeDocument/2006/relationships" xmlns:p="http://schemas.openxmlformats.org/presentationml/2006/main">
   <p:cSld>
     <p:bg>
       <p:bgPr>
         <a:solidFill>
           <a:schemeClr val="dk1"/>
         </a:solidFill>
+        <a:effectLst/>
       </p:bgPr>
     </p:bg>
     <p:spTree>
       <p:nvGrpSpPr>
-        <p:cNvPr id="68" name="Shape 68"/>
+        <p:cNvPr id="1" name="Shape 137"/>
+        <p:cNvGrpSpPr/>
+        <p:nvPr/>
+      </p:nvGrpSpPr>
+      <p:grpSpPr>
+        <a:xfrm>
+          <a:off x="0" y="0"/>
+          <a:ext cx="0" cy="0"/>
+          <a:chOff x="0" y="0"/>
+          <a:chExt cx="0" cy="0"/>
+        </a:xfrm>
+      </p:grpSpPr>
+      <p:sp>
+        <p:nvSpPr>
+          <p:cNvPr id="138" name="Google Shape;138;p19"/>
+          <p:cNvSpPr txBox="1">
+            <a:spLocks noGrp="1"/>
+          </p:cNvSpPr>
+          <p:nvPr>
+            <p:ph type="title"/>
+          </p:nvPr>
+        </p:nvSpPr>
+        <p:spPr>
+          <a:xfrm>
+            <a:off x="311700" y="445025"/>
+            <a:ext cx="8520600" cy="572700"/>
+          </a:xfrm>
+          <a:prstGeom prst="rect">
+            <a:avLst/>
+          </a:prstGeom>
+        </p:spPr>
+        <p:txBody>
+          <a:bodyPr spcFirstLastPara="1" wrap="square" lIns="91425" tIns="91425" rIns="91425" bIns="91425" anchor="t" anchorCtr="0">
+            <a:normAutofit fontScale="90000"/>
+          </a:bodyPr>
+          <a:lstStyle/>
+          <a:p>
+            <a:pPr marL="0" lvl="0" indent="0" algn="l" rtl="0">
+              <a:spcBef>
+                <a:spcPts val="0"/>
+              </a:spcBef>
+              <a:spcAft>
+                <a:spcPts val="0"/>
+              </a:spcAft>
+              <a:buNone/>
+            </a:pPr>
+            <a:r>
+              <a:rPr lang="en">
+                <a:solidFill>
+                  <a:schemeClr val="lt1"/>
+                </a:solidFill>
+              </a:rPr>
+              <a:t>Payment Options</a:t>
+            </a:r>
+            <a:endParaRPr>
+              <a:solidFill>
+                <a:schemeClr val="lt1"/>
+              </a:solidFill>
+            </a:endParaRPr>
+          </a:p>
+        </p:txBody>
+      </p:sp>
+      <p:grpSp>
+        <p:nvGrpSpPr>
+          <p:cNvPr id="139" name="Google Shape;139;p19"/>
+          <p:cNvGrpSpPr/>
+          <p:nvPr/>
+        </p:nvGrpSpPr>
+        <p:grpSpPr>
+          <a:xfrm>
+            <a:off x="669173" y="1986800"/>
+            <a:ext cx="2606465" cy="1289700"/>
+            <a:chOff x="669173" y="1986800"/>
+            <a:chExt cx="2606465" cy="1289700"/>
+          </a:xfrm>
+        </p:grpSpPr>
+        <p:sp>
+          <p:nvSpPr>
+            <p:cNvPr id="140" name="Google Shape;140;p19"/>
+            <p:cNvSpPr txBox="1"/>
+            <p:nvPr/>
+          </p:nvSpPr>
+          <p:spPr>
+            <a:xfrm>
+              <a:off x="669173" y="1986800"/>
+              <a:ext cx="1778400" cy="1289700"/>
+            </a:xfrm>
+            <a:prstGeom prst="rect">
+              <a:avLst/>
+            </a:prstGeom>
+            <a:noFill/>
+            <a:ln>
+              <a:noFill/>
+            </a:ln>
+          </p:spPr>
+          <p:txBody>
+            <a:bodyPr spcFirstLastPara="1" wrap="square" lIns="91425" tIns="91425" rIns="91425" bIns="91425" anchor="ctr" anchorCtr="0">
+              <a:noAutofit/>
+            </a:bodyPr>
+            <a:lstStyle/>
+            <a:p>
+              <a:pPr marL="0" lvl="0" indent="0" algn="r" rtl="0">
+                <a:spcBef>
+                  <a:spcPts val="0"/>
+                </a:spcBef>
+                <a:spcAft>
+                  <a:spcPts val="0"/>
+                </a:spcAft>
+                <a:buNone/>
+              </a:pPr>
+              <a:r>
+                <a:rPr lang="en" sz="1800" b="1">
+                  <a:latin typeface="Roboto"/>
+                  <a:ea typeface="Roboto"/>
+                  <a:cs typeface="Roboto"/>
+                  <a:sym typeface="Roboto"/>
+                </a:rPr>
+                <a:t>Cash On Delivery</a:t>
+              </a:r>
+              <a:endParaRPr sz="1800" b="1">
+                <a:latin typeface="Roboto"/>
+                <a:ea typeface="Roboto"/>
+                <a:cs typeface="Roboto"/>
+                <a:sym typeface="Roboto"/>
+              </a:endParaRPr>
+            </a:p>
+          </p:txBody>
+        </p:sp>
+        <p:cxnSp>
+          <p:nvCxnSpPr>
+            <p:cNvPr id="141" name="Google Shape;141;p19"/>
+            <p:cNvCxnSpPr/>
+            <p:nvPr/>
+          </p:nvCxnSpPr>
+          <p:spPr>
+            <a:xfrm rot="10800000">
+              <a:off x="2642038" y="2647950"/>
+              <a:ext cx="633600" cy="0"/>
+            </a:xfrm>
+            <a:prstGeom prst="straightConnector1">
+              <a:avLst/>
+            </a:prstGeom>
+            <a:noFill/>
+            <a:ln w="9525" cap="flat" cmpd="sng">
+              <a:solidFill>
+                <a:srgbClr val="505050"/>
+              </a:solidFill>
+              <a:prstDash val="solid"/>
+              <a:round/>
+              <a:headEnd type="none" w="sm" len="sm"/>
+              <a:tailEnd type="oval" w="med" len="med"/>
+            </a:ln>
+          </p:spPr>
+        </p:cxnSp>
+      </p:grpSp>
+      <p:grpSp>
+        <p:nvGrpSpPr>
+          <p:cNvPr id="142" name="Google Shape;142;p19"/>
+          <p:cNvGrpSpPr/>
+          <p:nvPr/>
+        </p:nvGrpSpPr>
+        <p:grpSpPr>
+          <a:xfrm>
+            <a:off x="5209838" y="1060350"/>
+            <a:ext cx="3017259" cy="1289700"/>
+            <a:chOff x="5209838" y="1060350"/>
+            <a:chExt cx="3017259" cy="1289700"/>
+          </a:xfrm>
+        </p:grpSpPr>
+        <p:sp>
+          <p:nvSpPr>
+            <p:cNvPr id="143" name="Google Shape;143;p19"/>
+            <p:cNvSpPr txBox="1"/>
+            <p:nvPr/>
+          </p:nvSpPr>
+          <p:spPr>
+            <a:xfrm>
+              <a:off x="6696497" y="1060350"/>
+              <a:ext cx="1530600" cy="1289700"/>
+            </a:xfrm>
+            <a:prstGeom prst="rect">
+              <a:avLst/>
+            </a:prstGeom>
+            <a:noFill/>
+            <a:ln>
+              <a:noFill/>
+            </a:ln>
+          </p:spPr>
+          <p:txBody>
+            <a:bodyPr spcFirstLastPara="1" wrap="square" lIns="91425" tIns="91425" rIns="91425" bIns="91425" anchor="ctr" anchorCtr="0">
+              <a:noAutofit/>
+            </a:bodyPr>
+            <a:lstStyle/>
+            <a:p>
+              <a:pPr marL="0" lvl="0" indent="0" algn="l" rtl="0">
+                <a:spcBef>
+                  <a:spcPts val="0"/>
+                </a:spcBef>
+                <a:spcAft>
+                  <a:spcPts val="0"/>
+                </a:spcAft>
+                <a:buNone/>
+              </a:pPr>
+              <a:r>
+                <a:rPr lang="en" sz="1800" b="1">
+                  <a:latin typeface="Roboto"/>
+                  <a:ea typeface="Roboto"/>
+                  <a:cs typeface="Roboto"/>
+                  <a:sym typeface="Roboto"/>
+                </a:rPr>
+                <a:t>Mobile Banking</a:t>
+              </a:r>
+              <a:endParaRPr sz="1800" b="1">
+                <a:latin typeface="Roboto"/>
+                <a:ea typeface="Roboto"/>
+                <a:cs typeface="Roboto"/>
+                <a:sym typeface="Roboto"/>
+              </a:endParaRPr>
+            </a:p>
+          </p:txBody>
+        </p:sp>
+        <p:cxnSp>
+          <p:nvCxnSpPr>
+            <p:cNvPr id="144" name="Google Shape;144;p19"/>
+            <p:cNvCxnSpPr/>
+            <p:nvPr/>
+          </p:nvCxnSpPr>
+          <p:spPr>
+            <a:xfrm>
+              <a:off x="5209838" y="1705200"/>
+              <a:ext cx="1286700" cy="0"/>
+            </a:xfrm>
+            <a:prstGeom prst="straightConnector1">
+              <a:avLst/>
+            </a:prstGeom>
+            <a:noFill/>
+            <a:ln w="9525" cap="flat" cmpd="sng">
+              <a:solidFill>
+                <a:srgbClr val="2F2F2F"/>
+              </a:solidFill>
+              <a:prstDash val="solid"/>
+              <a:round/>
+              <a:headEnd type="none" w="sm" len="sm"/>
+              <a:tailEnd type="oval" w="med" len="med"/>
+            </a:ln>
+          </p:spPr>
+        </p:cxnSp>
+      </p:grpSp>
+      <p:grpSp>
+        <p:nvGrpSpPr>
+          <p:cNvPr id="145" name="Google Shape;145;p19"/>
+          <p:cNvGrpSpPr/>
+          <p:nvPr/>
+        </p:nvGrpSpPr>
+        <p:grpSpPr>
+          <a:xfrm>
+            <a:off x="5209838" y="3020450"/>
+            <a:ext cx="3610650" cy="1289700"/>
+            <a:chOff x="5209838" y="3020450"/>
+            <a:chExt cx="3610650" cy="1289700"/>
+          </a:xfrm>
+        </p:grpSpPr>
+        <p:sp>
+          <p:nvSpPr>
+            <p:cNvPr id="146" name="Google Shape;146;p19"/>
+            <p:cNvSpPr txBox="1"/>
+            <p:nvPr/>
+          </p:nvSpPr>
+          <p:spPr>
+            <a:xfrm>
+              <a:off x="6696488" y="3020450"/>
+              <a:ext cx="2124000" cy="1289700"/>
+            </a:xfrm>
+            <a:prstGeom prst="rect">
+              <a:avLst/>
+            </a:prstGeom>
+            <a:noFill/>
+            <a:ln>
+              <a:noFill/>
+            </a:ln>
+          </p:spPr>
+          <p:txBody>
+            <a:bodyPr spcFirstLastPara="1" wrap="square" lIns="91425" tIns="91425" rIns="91425" bIns="91425" anchor="ctr" anchorCtr="0">
+              <a:noAutofit/>
+            </a:bodyPr>
+            <a:lstStyle/>
+            <a:p>
+              <a:pPr marL="0" lvl="0" indent="0" algn="l" rtl="0">
+                <a:spcBef>
+                  <a:spcPts val="0"/>
+                </a:spcBef>
+                <a:spcAft>
+                  <a:spcPts val="0"/>
+                </a:spcAft>
+                <a:buNone/>
+              </a:pPr>
+              <a:r>
+                <a:rPr lang="en" sz="1800" b="1">
+                  <a:latin typeface="Roboto"/>
+                  <a:ea typeface="Roboto"/>
+                  <a:cs typeface="Roboto"/>
+                  <a:sym typeface="Roboto"/>
+                </a:rPr>
+                <a:t>Card</a:t>
+              </a:r>
+              <a:endParaRPr sz="1800" b="1">
+                <a:latin typeface="Roboto"/>
+                <a:ea typeface="Roboto"/>
+                <a:cs typeface="Roboto"/>
+                <a:sym typeface="Roboto"/>
+              </a:endParaRPr>
+            </a:p>
+          </p:txBody>
+        </p:sp>
+        <p:cxnSp>
+          <p:nvCxnSpPr>
+            <p:cNvPr id="147" name="Google Shape;147;p19"/>
+            <p:cNvCxnSpPr/>
+            <p:nvPr/>
+          </p:nvCxnSpPr>
+          <p:spPr>
+            <a:xfrm>
+              <a:off x="5209838" y="3648300"/>
+              <a:ext cx="1286700" cy="0"/>
+            </a:xfrm>
+            <a:prstGeom prst="straightConnector1">
+              <a:avLst/>
+            </a:prstGeom>
+            <a:noFill/>
+            <a:ln w="9525" cap="flat" cmpd="sng">
+              <a:solidFill>
+                <a:srgbClr val="414141"/>
+              </a:solidFill>
+              <a:prstDash val="solid"/>
+              <a:round/>
+              <a:headEnd type="none" w="sm" len="sm"/>
+              <a:tailEnd type="oval" w="med" len="med"/>
+            </a:ln>
+          </p:spPr>
+        </p:cxnSp>
+      </p:grpSp>
+      <p:grpSp>
+        <p:nvGrpSpPr>
+          <p:cNvPr id="148" name="Google Shape;148;p19"/>
+          <p:cNvGrpSpPr/>
+          <p:nvPr/>
+        </p:nvGrpSpPr>
+        <p:grpSpPr>
+          <a:xfrm>
+            <a:off x="2662213" y="728463"/>
+            <a:ext cx="3814835" cy="3790597"/>
+            <a:chOff x="2662213" y="676344"/>
+            <a:chExt cx="3814835" cy="3790597"/>
+          </a:xfrm>
+        </p:grpSpPr>
+        <p:sp>
+          <p:nvSpPr>
+            <p:cNvPr id="149" name="Google Shape;149;p19"/>
+            <p:cNvSpPr/>
+            <p:nvPr/>
+          </p:nvSpPr>
+          <p:spPr>
+            <a:xfrm rot="3600185">
+              <a:off x="3169983" y="1184511"/>
+              <a:ext cx="2774659" cy="2774659"/>
+            </a:xfrm>
+            <a:prstGeom prst="blockArc">
+              <a:avLst>
+                <a:gd name="adj1" fmla="val 12622480"/>
+                <a:gd name="adj2" fmla="val 19781569"/>
+                <a:gd name="adj3" fmla="val 20773"/>
+              </a:avLst>
+            </a:prstGeom>
+            <a:solidFill>
+              <a:srgbClr val="2F2F2F"/>
+            </a:solidFill>
+            <a:ln>
+              <a:noFill/>
+            </a:ln>
+          </p:spPr>
+          <p:txBody>
+            <a:bodyPr spcFirstLastPara="1" wrap="square" lIns="91425" tIns="91425" rIns="91425" bIns="91425" anchor="ctr" anchorCtr="0">
+              <a:noAutofit/>
+            </a:bodyPr>
+            <a:lstStyle/>
+            <a:p>
+              <a:pPr marL="0" lvl="0" indent="0" algn="l" rtl="0">
+                <a:spcBef>
+                  <a:spcPts val="0"/>
+                </a:spcBef>
+                <a:spcAft>
+                  <a:spcPts val="0"/>
+                </a:spcAft>
+                <a:buNone/>
+              </a:pPr>
+              <a:endParaRPr/>
+            </a:p>
+          </p:txBody>
+        </p:sp>
+        <p:sp>
+          <p:nvSpPr>
+            <p:cNvPr id="150" name="Google Shape;150;p19"/>
+            <p:cNvSpPr/>
+            <p:nvPr/>
+          </p:nvSpPr>
+          <p:spPr>
+            <a:xfrm rot="10800000">
+              <a:off x="3183490" y="1163229"/>
+              <a:ext cx="2774700" cy="2774700"/>
+            </a:xfrm>
+            <a:prstGeom prst="blockArc">
+              <a:avLst>
+                <a:gd name="adj1" fmla="val 12622480"/>
+                <a:gd name="adj2" fmla="val 19662822"/>
+                <a:gd name="adj3" fmla="val 20729"/>
+              </a:avLst>
+            </a:prstGeom>
+            <a:solidFill>
+              <a:srgbClr val="414141"/>
+            </a:solidFill>
+            <a:ln>
+              <a:noFill/>
+            </a:ln>
+          </p:spPr>
+          <p:txBody>
+            <a:bodyPr spcFirstLastPara="1" wrap="square" lIns="91425" tIns="91425" rIns="91425" bIns="91425" anchor="ctr" anchorCtr="0">
+              <a:noAutofit/>
+            </a:bodyPr>
+            <a:lstStyle/>
+            <a:p>
+              <a:pPr marL="0" lvl="0" indent="0" algn="l" rtl="0">
+                <a:spcBef>
+                  <a:spcPts val="0"/>
+                </a:spcBef>
+                <a:spcAft>
+                  <a:spcPts val="0"/>
+                </a:spcAft>
+                <a:buNone/>
+              </a:pPr>
+              <a:endParaRPr/>
+            </a:p>
+          </p:txBody>
+        </p:sp>
+        <p:sp>
+          <p:nvSpPr>
+            <p:cNvPr id="151" name="Google Shape;151;p19"/>
+            <p:cNvSpPr/>
+            <p:nvPr/>
+          </p:nvSpPr>
+          <p:spPr>
+            <a:xfrm rot="-3600185">
+              <a:off x="3194618" y="1184114"/>
+              <a:ext cx="2774659" cy="2774659"/>
+            </a:xfrm>
+            <a:prstGeom prst="blockArc">
+              <a:avLst>
+                <a:gd name="adj1" fmla="val 12622480"/>
+                <a:gd name="adj2" fmla="val 19703271"/>
+                <a:gd name="adj3" fmla="val 20851"/>
+              </a:avLst>
+            </a:prstGeom>
+            <a:solidFill>
+              <a:srgbClr val="505050"/>
+            </a:solidFill>
+            <a:ln>
+              <a:noFill/>
+            </a:ln>
+          </p:spPr>
+          <p:txBody>
+            <a:bodyPr spcFirstLastPara="1" wrap="square" lIns="91425" tIns="91425" rIns="91425" bIns="91425" anchor="ctr" anchorCtr="0">
+              <a:noAutofit/>
+            </a:bodyPr>
+            <a:lstStyle/>
+            <a:p>
+              <a:pPr marL="0" lvl="0" indent="0" algn="l" rtl="0">
+                <a:spcBef>
+                  <a:spcPts val="0"/>
+                </a:spcBef>
+                <a:spcAft>
+                  <a:spcPts val="0"/>
+                </a:spcAft>
+                <a:buNone/>
+              </a:pPr>
+              <a:endParaRPr/>
+            </a:p>
+          </p:txBody>
+        </p:sp>
+        <p:grpSp>
+          <p:nvGrpSpPr>
+            <p:cNvPr id="152" name="Google Shape;152;p19"/>
+            <p:cNvGrpSpPr/>
+            <p:nvPr/>
+          </p:nvGrpSpPr>
+          <p:grpSpPr>
+            <a:xfrm rot="-7200165">
+              <a:off x="3337679" y="2826785"/>
+              <a:ext cx="585011" cy="585536"/>
+              <a:chOff x="1967628" y="812211"/>
+              <a:chExt cx="588000" cy="588000"/>
+            </a:xfrm>
+          </p:grpSpPr>
+          <p:sp>
+            <p:nvSpPr>
+              <p:cNvPr id="153" name="Google Shape;153;p19"/>
+              <p:cNvSpPr/>
+              <p:nvPr/>
+            </p:nvSpPr>
+            <p:spPr>
+              <a:xfrm rot="39023">
+                <a:off x="1970909" y="815492"/>
+                <a:ext cx="581437" cy="581437"/>
+              </a:xfrm>
+              <a:prstGeom prst="pie">
+                <a:avLst>
+                  <a:gd name="adj1" fmla="val 6190354"/>
+                  <a:gd name="adj2" fmla="val 14996165"/>
+                </a:avLst>
+              </a:prstGeom>
+              <a:solidFill>
+                <a:srgbClr val="505050"/>
+              </a:solidFill>
+              <a:ln>
+                <a:noFill/>
+              </a:ln>
+              <a:effectLst>
+                <a:outerShdw blurRad="142875" algn="bl" rotWithShape="0">
+                  <a:srgbClr val="000000">
+                    <a:alpha val="43000"/>
+                  </a:srgbClr>
+                </a:outerShdw>
+              </a:effectLst>
+            </p:spPr>
+            <p:txBody>
+              <a:bodyPr spcFirstLastPara="1" wrap="square" lIns="91425" tIns="91425" rIns="91425" bIns="91425" anchor="ctr" anchorCtr="0">
+                <a:noAutofit/>
+              </a:bodyPr>
+              <a:lstStyle/>
+              <a:p>
+                <a:pPr marL="0" lvl="0" indent="0" algn="l" rtl="0">
+                  <a:spcBef>
+                    <a:spcPts val="0"/>
+                  </a:spcBef>
+                  <a:spcAft>
+                    <a:spcPts val="0"/>
+                  </a:spcAft>
+                  <a:buNone/>
+                </a:pPr>
+                <a:endParaRPr/>
+              </a:p>
+            </p:txBody>
+          </p:sp>
+          <p:sp>
+            <p:nvSpPr>
+              <p:cNvPr id="154" name="Google Shape;154;p19"/>
+              <p:cNvSpPr/>
+              <p:nvPr/>
+            </p:nvSpPr>
+            <p:spPr>
+              <a:xfrm rot="10800000">
+                <a:off x="1970875" y="815525"/>
+                <a:ext cx="581400" cy="581400"/>
+              </a:xfrm>
+              <a:prstGeom prst="pie">
+                <a:avLst>
+                  <a:gd name="adj1" fmla="val 4028252"/>
+                  <a:gd name="adj2" fmla="val 17183677"/>
+                </a:avLst>
+              </a:prstGeom>
+              <a:solidFill>
+                <a:srgbClr val="505050"/>
+              </a:solidFill>
+              <a:ln>
+                <a:noFill/>
+              </a:ln>
+            </p:spPr>
+            <p:txBody>
+              <a:bodyPr spcFirstLastPara="1" wrap="square" lIns="91425" tIns="91425" rIns="91425" bIns="91425" anchor="ctr" anchorCtr="0">
+                <a:noAutofit/>
+              </a:bodyPr>
+              <a:lstStyle/>
+              <a:p>
+                <a:pPr marL="0" lvl="0" indent="0" algn="l" rtl="0">
+                  <a:spcBef>
+                    <a:spcPts val="0"/>
+                  </a:spcBef>
+                  <a:spcAft>
+                    <a:spcPts val="0"/>
+                  </a:spcAft>
+                  <a:buNone/>
+                </a:pPr>
+                <a:endParaRPr/>
+              </a:p>
+            </p:txBody>
+          </p:sp>
+        </p:grpSp>
+        <p:grpSp>
+          <p:nvGrpSpPr>
+            <p:cNvPr id="155" name="Google Shape;155;p19"/>
+            <p:cNvGrpSpPr/>
+            <p:nvPr/>
+          </p:nvGrpSpPr>
+          <p:grpSpPr>
+            <a:xfrm>
+              <a:off x="4264097" y="1180331"/>
+              <a:ext cx="585001" cy="585530"/>
+              <a:chOff x="1970048" y="811613"/>
+              <a:chExt cx="588000" cy="588000"/>
+            </a:xfrm>
+          </p:grpSpPr>
+          <p:sp>
+            <p:nvSpPr>
+              <p:cNvPr id="156" name="Google Shape;156;p19"/>
+              <p:cNvSpPr/>
+              <p:nvPr/>
+            </p:nvSpPr>
+            <p:spPr>
+              <a:xfrm rot="39023">
+                <a:off x="1973329" y="814894"/>
+                <a:ext cx="581437" cy="581437"/>
+              </a:xfrm>
+              <a:prstGeom prst="pie">
+                <a:avLst>
+                  <a:gd name="adj1" fmla="val 6190354"/>
+                  <a:gd name="adj2" fmla="val 14996165"/>
+                </a:avLst>
+              </a:prstGeom>
+              <a:solidFill>
+                <a:srgbClr val="2F2F2F"/>
+              </a:solidFill>
+              <a:ln>
+                <a:noFill/>
+              </a:ln>
+              <a:effectLst>
+                <a:outerShdw blurRad="142875" algn="bl" rotWithShape="0">
+                  <a:srgbClr val="000000">
+                    <a:alpha val="43000"/>
+                  </a:srgbClr>
+                </a:outerShdw>
+              </a:effectLst>
+            </p:spPr>
+            <p:txBody>
+              <a:bodyPr spcFirstLastPara="1" wrap="square" lIns="91425" tIns="91425" rIns="91425" bIns="91425" anchor="ctr" anchorCtr="0">
+                <a:noAutofit/>
+              </a:bodyPr>
+              <a:lstStyle/>
+              <a:p>
+                <a:pPr marL="0" lvl="0" indent="0" algn="l" rtl="0">
+                  <a:spcBef>
+                    <a:spcPts val="0"/>
+                  </a:spcBef>
+                  <a:spcAft>
+                    <a:spcPts val="0"/>
+                  </a:spcAft>
+                  <a:buNone/>
+                </a:pPr>
+                <a:endParaRPr/>
+              </a:p>
+            </p:txBody>
+          </p:sp>
+          <p:sp>
+            <p:nvSpPr>
+              <p:cNvPr id="157" name="Google Shape;157;p19"/>
+              <p:cNvSpPr/>
+              <p:nvPr/>
+            </p:nvSpPr>
+            <p:spPr>
+              <a:xfrm rot="10800000">
+                <a:off x="1973295" y="814927"/>
+                <a:ext cx="581400" cy="581400"/>
+              </a:xfrm>
+              <a:prstGeom prst="pie">
+                <a:avLst>
+                  <a:gd name="adj1" fmla="val 4028252"/>
+                  <a:gd name="adj2" fmla="val 17183677"/>
+                </a:avLst>
+              </a:prstGeom>
+              <a:solidFill>
+                <a:srgbClr val="2F2F2F"/>
+              </a:solidFill>
+              <a:ln>
+                <a:noFill/>
+              </a:ln>
+            </p:spPr>
+            <p:txBody>
+              <a:bodyPr spcFirstLastPara="1" wrap="square" lIns="91425" tIns="91425" rIns="91425" bIns="91425" anchor="ctr" anchorCtr="0">
+                <a:noAutofit/>
+              </a:bodyPr>
+              <a:lstStyle/>
+              <a:p>
+                <a:pPr marL="0" lvl="0" indent="0" algn="l" rtl="0">
+                  <a:spcBef>
+                    <a:spcPts val="0"/>
+                  </a:spcBef>
+                  <a:spcAft>
+                    <a:spcPts val="0"/>
+                  </a:spcAft>
+                  <a:buNone/>
+                </a:pPr>
+                <a:endParaRPr/>
+              </a:p>
+            </p:txBody>
+          </p:sp>
+        </p:grpSp>
+        <p:grpSp>
+          <p:nvGrpSpPr>
+            <p:cNvPr id="158" name="Google Shape;158;p19"/>
+            <p:cNvGrpSpPr/>
+            <p:nvPr/>
+          </p:nvGrpSpPr>
+          <p:grpSpPr>
+            <a:xfrm rot="7200165">
+              <a:off x="5229930" y="2804716"/>
+              <a:ext cx="585011" cy="585536"/>
+              <a:chOff x="1977085" y="811649"/>
+              <a:chExt cx="588000" cy="588000"/>
+            </a:xfrm>
+          </p:grpSpPr>
+          <p:sp>
+            <p:nvSpPr>
+              <p:cNvPr id="159" name="Google Shape;159;p19"/>
+              <p:cNvSpPr/>
+              <p:nvPr/>
+            </p:nvSpPr>
+            <p:spPr>
+              <a:xfrm rot="39023">
+                <a:off x="1980366" y="814930"/>
+                <a:ext cx="581437" cy="581437"/>
+              </a:xfrm>
+              <a:prstGeom prst="pie">
+                <a:avLst>
+                  <a:gd name="adj1" fmla="val 6190354"/>
+                  <a:gd name="adj2" fmla="val 14996165"/>
+                </a:avLst>
+              </a:prstGeom>
+              <a:solidFill>
+                <a:srgbClr val="414141"/>
+              </a:solidFill>
+              <a:ln>
+                <a:noFill/>
+              </a:ln>
+              <a:effectLst>
+                <a:outerShdw blurRad="142875" algn="bl" rotWithShape="0">
+                  <a:srgbClr val="000000">
+                    <a:alpha val="43000"/>
+                  </a:srgbClr>
+                </a:outerShdw>
+              </a:effectLst>
+            </p:spPr>
+            <p:txBody>
+              <a:bodyPr spcFirstLastPara="1" wrap="square" lIns="91425" tIns="91425" rIns="91425" bIns="91425" anchor="ctr" anchorCtr="0">
+                <a:noAutofit/>
+              </a:bodyPr>
+              <a:lstStyle/>
+              <a:p>
+                <a:pPr marL="0" lvl="0" indent="0" algn="l" rtl="0">
+                  <a:spcBef>
+                    <a:spcPts val="0"/>
+                  </a:spcBef>
+                  <a:spcAft>
+                    <a:spcPts val="0"/>
+                  </a:spcAft>
+                  <a:buNone/>
+                </a:pPr>
+                <a:endParaRPr/>
+              </a:p>
+            </p:txBody>
+          </p:sp>
+          <p:sp>
+            <p:nvSpPr>
+              <p:cNvPr id="160" name="Google Shape;160;p19"/>
+              <p:cNvSpPr/>
+              <p:nvPr/>
+            </p:nvSpPr>
+            <p:spPr>
+              <a:xfrm rot="10800000">
+                <a:off x="1980332" y="814963"/>
+                <a:ext cx="581400" cy="581400"/>
+              </a:xfrm>
+              <a:prstGeom prst="pie">
+                <a:avLst>
+                  <a:gd name="adj1" fmla="val 4028252"/>
+                  <a:gd name="adj2" fmla="val 17183677"/>
+                </a:avLst>
+              </a:prstGeom>
+              <a:solidFill>
+                <a:srgbClr val="414141"/>
+              </a:solidFill>
+              <a:ln>
+                <a:noFill/>
+              </a:ln>
+            </p:spPr>
+            <p:txBody>
+              <a:bodyPr spcFirstLastPara="1" wrap="square" lIns="91425" tIns="91425" rIns="91425" bIns="91425" anchor="ctr" anchorCtr="0">
+                <a:noAutofit/>
+              </a:bodyPr>
+              <a:lstStyle/>
+              <a:p>
+                <a:pPr marL="0" lvl="0" indent="0" algn="l" rtl="0">
+                  <a:spcBef>
+                    <a:spcPts val="0"/>
+                  </a:spcBef>
+                  <a:spcAft>
+                    <a:spcPts val="0"/>
+                  </a:spcAft>
+                  <a:buNone/>
+                </a:pPr>
+                <a:endParaRPr/>
+              </a:p>
+            </p:txBody>
+          </p:sp>
+        </p:grpSp>
+        <p:sp>
+          <p:nvSpPr>
+            <p:cNvPr id="161" name="Google Shape;161;p19"/>
+            <p:cNvSpPr txBox="1"/>
+            <p:nvPr/>
+          </p:nvSpPr>
+          <p:spPr>
+            <a:xfrm>
+              <a:off x="4334550" y="1255312"/>
+              <a:ext cx="509100" cy="267000"/>
+            </a:xfrm>
+            <a:prstGeom prst="rect">
+              <a:avLst/>
+            </a:prstGeom>
+            <a:noFill/>
+            <a:ln>
+              <a:noFill/>
+            </a:ln>
+          </p:spPr>
+          <p:txBody>
+            <a:bodyPr spcFirstLastPara="1" wrap="square" lIns="91425" tIns="91425" rIns="91425" bIns="91425" anchor="t" anchorCtr="0">
+              <a:noAutofit/>
+            </a:bodyPr>
+            <a:lstStyle/>
+            <a:p>
+              <a:pPr marL="0" lvl="0" indent="0" algn="ctr" rtl="0">
+                <a:spcBef>
+                  <a:spcPts val="0"/>
+                </a:spcBef>
+                <a:spcAft>
+                  <a:spcPts val="0"/>
+                </a:spcAft>
+                <a:buNone/>
+              </a:pPr>
+              <a:r>
+                <a:rPr lang="en" sz="1600" b="1">
+                  <a:solidFill>
+                    <a:srgbClr val="FFFFFF"/>
+                  </a:solidFill>
+                  <a:latin typeface="Roboto"/>
+                  <a:ea typeface="Roboto"/>
+                  <a:cs typeface="Roboto"/>
+                  <a:sym typeface="Roboto"/>
+                </a:rPr>
+                <a:t>03 </a:t>
+              </a:r>
+              <a:endParaRPr sz="1600" b="1">
+                <a:solidFill>
+                  <a:srgbClr val="FFFFFF"/>
+                </a:solidFill>
+                <a:latin typeface="Roboto"/>
+                <a:ea typeface="Roboto"/>
+                <a:cs typeface="Roboto"/>
+                <a:sym typeface="Roboto"/>
+              </a:endParaRPr>
+            </a:p>
+          </p:txBody>
+        </p:sp>
+        <p:sp>
+          <p:nvSpPr>
+            <p:cNvPr id="162" name="Google Shape;162;p19"/>
+            <p:cNvSpPr txBox="1"/>
+            <p:nvPr/>
+          </p:nvSpPr>
+          <p:spPr>
+            <a:xfrm>
+              <a:off x="3375648" y="2887440"/>
+              <a:ext cx="509100" cy="267000"/>
+            </a:xfrm>
+            <a:prstGeom prst="rect">
+              <a:avLst/>
+            </a:prstGeom>
+            <a:noFill/>
+            <a:ln>
+              <a:noFill/>
+            </a:ln>
+          </p:spPr>
+          <p:txBody>
+            <a:bodyPr spcFirstLastPara="1" wrap="square" lIns="91425" tIns="91425" rIns="91425" bIns="91425" anchor="t" anchorCtr="0">
+              <a:noAutofit/>
+            </a:bodyPr>
+            <a:lstStyle/>
+            <a:p>
+              <a:pPr marL="0" lvl="0" indent="0" algn="ctr" rtl="0">
+                <a:spcBef>
+                  <a:spcPts val="0"/>
+                </a:spcBef>
+                <a:spcAft>
+                  <a:spcPts val="0"/>
+                </a:spcAft>
+                <a:buNone/>
+              </a:pPr>
+              <a:r>
+                <a:rPr lang="en" sz="1600" b="1">
+                  <a:solidFill>
+                    <a:srgbClr val="FFFFFF"/>
+                  </a:solidFill>
+                  <a:latin typeface="Roboto"/>
+                  <a:ea typeface="Roboto"/>
+                  <a:cs typeface="Roboto"/>
+                  <a:sym typeface="Roboto"/>
+                </a:rPr>
+                <a:t>01 </a:t>
+              </a:r>
+              <a:endParaRPr sz="1600" b="1">
+                <a:solidFill>
+                  <a:srgbClr val="FFFFFF"/>
+                </a:solidFill>
+                <a:latin typeface="Roboto"/>
+                <a:ea typeface="Roboto"/>
+                <a:cs typeface="Roboto"/>
+                <a:sym typeface="Roboto"/>
+              </a:endParaRPr>
+            </a:p>
+          </p:txBody>
+        </p:sp>
+        <p:sp>
+          <p:nvSpPr>
+            <p:cNvPr id="163" name="Google Shape;163;p19"/>
+            <p:cNvSpPr txBox="1"/>
+            <p:nvPr/>
+          </p:nvSpPr>
+          <p:spPr>
+            <a:xfrm>
+              <a:off x="5281877" y="2857865"/>
+              <a:ext cx="509100" cy="267000"/>
+            </a:xfrm>
+            <a:prstGeom prst="rect">
+              <a:avLst/>
+            </a:prstGeom>
+            <a:noFill/>
+            <a:ln>
+              <a:noFill/>
+            </a:ln>
+          </p:spPr>
+          <p:txBody>
+            <a:bodyPr spcFirstLastPara="1" wrap="square" lIns="91425" tIns="91425" rIns="91425" bIns="91425" anchor="t" anchorCtr="0">
+              <a:noAutofit/>
+            </a:bodyPr>
+            <a:lstStyle/>
+            <a:p>
+              <a:pPr marL="0" lvl="0" indent="0" algn="ctr" rtl="0">
+                <a:spcBef>
+                  <a:spcPts val="0"/>
+                </a:spcBef>
+                <a:spcAft>
+                  <a:spcPts val="0"/>
+                </a:spcAft>
+                <a:buNone/>
+              </a:pPr>
+              <a:r>
+                <a:rPr lang="en" sz="1600" b="1">
+                  <a:solidFill>
+                    <a:srgbClr val="FFFFFF"/>
+                  </a:solidFill>
+                  <a:latin typeface="Roboto"/>
+                  <a:ea typeface="Roboto"/>
+                  <a:cs typeface="Roboto"/>
+                  <a:sym typeface="Roboto"/>
+                </a:rPr>
+                <a:t>02 </a:t>
+              </a:r>
+              <a:endParaRPr sz="1600" b="1">
+                <a:solidFill>
+                  <a:srgbClr val="FFFFFF"/>
+                </a:solidFill>
+                <a:latin typeface="Roboto"/>
+                <a:ea typeface="Roboto"/>
+                <a:cs typeface="Roboto"/>
+                <a:sym typeface="Roboto"/>
+              </a:endParaRPr>
+            </a:p>
+          </p:txBody>
+        </p:sp>
+      </p:grpSp>
+    </p:spTree>
+  </p:cSld>
+  <p:clrMapOvr>
+    <a:masterClrMapping/>
+  </p:clrMapOvr>
+  <p:transition>
+    <p:fade/>
+  </p:transition>
+</p:sld>
+</file>
+
+<file path=ppt/slides/slide11.xml><?xml version="1.0" encoding="utf-8"?>
+<p:sld xmlns:a="http://schemas.openxmlformats.org/drawingml/2006/main" xmlns:r="http://schemas.openxmlformats.org/officeDocument/2006/relationships" xmlns:p="http://schemas.openxmlformats.org/presentationml/2006/main">
+  <p:cSld>
+    <p:bg>
+      <p:bgPr>
+        <a:solidFill>
+          <a:schemeClr val="dk1"/>
+        </a:solidFill>
+        <a:effectLst/>
+      </p:bgPr>
+    </p:bg>
+    <p:spTree>
+      <p:nvGrpSpPr>
+        <p:cNvPr id="1" name="Shape 167"/>
+        <p:cNvGrpSpPr/>
+        <p:nvPr/>
+      </p:nvGrpSpPr>
+      <p:grpSpPr>
+        <a:xfrm>
+          <a:off x="0" y="0"/>
+          <a:ext cx="0" cy="0"/>
+          <a:chOff x="0" y="0"/>
+          <a:chExt cx="0" cy="0"/>
+        </a:xfrm>
+      </p:grpSpPr>
+      <p:sp>
+        <p:nvSpPr>
+          <p:cNvPr id="168" name="Google Shape;168;p20"/>
+          <p:cNvSpPr txBox="1">
+            <a:spLocks noGrp="1"/>
+          </p:cNvSpPr>
+          <p:nvPr>
+            <p:ph type="title"/>
+          </p:nvPr>
+        </p:nvSpPr>
+        <p:spPr>
+          <a:xfrm>
+            <a:off x="2733450" y="1751100"/>
+            <a:ext cx="3677100" cy="1641300"/>
+          </a:xfrm>
+          <a:prstGeom prst="rect">
+            <a:avLst/>
+          </a:prstGeom>
+        </p:spPr>
+        <p:txBody>
+          <a:bodyPr spcFirstLastPara="1" wrap="square" lIns="91425" tIns="91425" rIns="91425" bIns="91425" anchor="t" anchorCtr="0">
+            <a:noAutofit/>
+          </a:bodyPr>
+          <a:lstStyle/>
+          <a:p>
+            <a:pPr marL="0" lvl="0" indent="0" algn="l" rtl="0">
+              <a:spcBef>
+                <a:spcPts val="0"/>
+              </a:spcBef>
+              <a:spcAft>
+                <a:spcPts val="0"/>
+              </a:spcAft>
+              <a:buNone/>
+            </a:pPr>
+            <a:r>
+              <a:rPr lang="en" sz="7200">
+                <a:solidFill>
+                  <a:schemeClr val="lt1"/>
+                </a:solidFill>
+              </a:rPr>
+              <a:t>Thank You</a:t>
+            </a:r>
+            <a:endParaRPr sz="7200">
+              <a:solidFill>
+                <a:schemeClr val="lt1"/>
+              </a:solidFill>
+            </a:endParaRPr>
+          </a:p>
+        </p:txBody>
+      </p:sp>
+    </p:spTree>
+  </p:cSld>
+  <p:clrMapOvr>
+    <a:masterClrMapping/>
+  </p:clrMapOvr>
+</p:sld>
+</file>
+
+<file path=ppt/slides/slide2.xml><?xml version="1.0" encoding="utf-8"?>
+<p:sld xmlns:a="http://schemas.openxmlformats.org/drawingml/2006/main" xmlns:r="http://schemas.openxmlformats.org/officeDocument/2006/relationships" xmlns:p="http://schemas.openxmlformats.org/presentationml/2006/main">
+  <p:cSld>
+    <p:bg>
+      <p:bgPr>
+        <a:solidFill>
+          <a:schemeClr val="dk1"/>
+        </a:solidFill>
+        <a:effectLst/>
+      </p:bgPr>
+    </p:bg>
+    <p:spTree>
+      <p:nvGrpSpPr>
+        <p:cNvPr id="1" name="Shape 68"/>
         <p:cNvGrpSpPr/>
         <p:nvPr/>
       </p:nvGrpSpPr>
@@ -7146,7 +8394,9 @@
       <p:sp>
         <p:nvSpPr>
           <p:cNvPr id="69" name="Google Shape;69;p14"/>
-          <p:cNvSpPr txBox="1"/>
+          <p:cNvSpPr txBox="1">
+            <a:spLocks noGrp="1"/>
+          </p:cNvSpPr>
           <p:nvPr>
             <p:ph type="title"/>
           </p:nvPr>
@@ -7161,12 +8411,12 @@
           </a:prstGeom>
         </p:spPr>
         <p:txBody>
-          <a:bodyPr anchorCtr="0" anchor="t" bIns="91425" lIns="91425" spcFirstLastPara="1" rIns="91425" wrap="square" tIns="91425">
+          <a:bodyPr spcFirstLastPara="1" wrap="square" lIns="91425" tIns="91425" rIns="91425" bIns="91425" anchor="t" anchorCtr="0">
             <a:normAutofit fontScale="90000"/>
           </a:bodyPr>
           <a:lstStyle/>
           <a:p>
-            <a:pPr indent="0" lvl="0" marL="0" rtl="0" algn="l">
+            <a:pPr marL="0" lvl="0" indent="0" algn="l" rtl="0">
               <a:spcBef>
                 <a:spcPts val="0"/>
               </a:spcBef>
@@ -7227,12 +8477,12 @@
             </a:ln>
           </p:spPr>
           <p:txBody>
-            <a:bodyPr anchorCtr="0" anchor="ctr" bIns="91425" lIns="91425" spcFirstLastPara="1" rIns="91425" wrap="square" tIns="91425">
+            <a:bodyPr spcFirstLastPara="1" wrap="square" lIns="91425" tIns="91425" rIns="91425" bIns="91425" anchor="ctr" anchorCtr="0">
               <a:noAutofit/>
             </a:bodyPr>
             <a:lstStyle/>
             <a:p>
-              <a:pPr indent="0" lvl="0" marL="0" rtl="0" algn="l">
+              <a:pPr marL="0" lvl="0" indent="0" algn="l" rtl="0">
                 <a:spcBef>
                   <a:spcPts val="0"/>
                 </a:spcBef>
@@ -7241,9 +8491,6 @@
                 </a:spcAft>
                 <a:buNone/>
               </a:pPr>
-              <a:r>
-                <a:t/>
-              </a:r>
               <a:endParaRPr/>
             </a:p>
           </p:txBody>
@@ -7270,12 +8517,12 @@
             </a:ln>
           </p:spPr>
           <p:txBody>
-            <a:bodyPr anchorCtr="0" anchor="ctr" bIns="91425" lIns="91425" spcFirstLastPara="1" rIns="91425" wrap="square" tIns="91425">
+            <a:bodyPr spcFirstLastPara="1" wrap="square" lIns="91425" tIns="91425" rIns="91425" bIns="91425" anchor="ctr" anchorCtr="0">
               <a:noAutofit/>
             </a:bodyPr>
             <a:lstStyle/>
             <a:p>
-              <a:pPr indent="0" lvl="0" marL="0" rtl="0" algn="l">
+              <a:pPr marL="0" lvl="0" indent="0" algn="l" rtl="0">
                 <a:spcBef>
                   <a:spcPts val="0"/>
                 </a:spcBef>
@@ -7284,9 +8531,6 @@
                 </a:spcAft>
                 <a:buNone/>
               </a:pPr>
-              <a:r>
-                <a:t/>
-              </a:r>
               <a:endParaRPr/>
             </a:p>
           </p:txBody>
@@ -7313,12 +8557,12 @@
             </a:ln>
           </p:spPr>
           <p:txBody>
-            <a:bodyPr anchorCtr="0" anchor="ctr" bIns="91425" lIns="91425" spcFirstLastPara="1" rIns="91425" wrap="square" tIns="91425">
+            <a:bodyPr spcFirstLastPara="1" wrap="square" lIns="91425" tIns="91425" rIns="91425" bIns="91425" anchor="ctr" anchorCtr="0">
               <a:noAutofit/>
             </a:bodyPr>
             <a:lstStyle/>
             <a:p>
-              <a:pPr indent="0" lvl="0" marL="0" rtl="0" algn="l">
+              <a:pPr marL="0" lvl="0" indent="0" algn="l" rtl="0">
                 <a:spcBef>
                   <a:spcPts val="0"/>
                 </a:spcBef>
@@ -7327,9 +8571,6 @@
                 </a:spcAft>
                 <a:buNone/>
               </a:pPr>
-              <a:r>
-                <a:t/>
-              </a:r>
               <a:endParaRPr/>
             </a:p>
           </p:txBody>
@@ -7356,12 +8597,12 @@
             </a:ln>
           </p:spPr>
           <p:txBody>
-            <a:bodyPr anchorCtr="0" anchor="ctr" bIns="91425" lIns="91425" spcFirstLastPara="1" rIns="91425" wrap="square" tIns="91425">
+            <a:bodyPr spcFirstLastPara="1" wrap="square" lIns="91425" tIns="91425" rIns="91425" bIns="91425" anchor="ctr" anchorCtr="0">
               <a:noAutofit/>
             </a:bodyPr>
             <a:lstStyle/>
             <a:p>
-              <a:pPr indent="0" lvl="0" marL="0" rtl="0" algn="l">
+              <a:pPr marL="0" lvl="0" indent="0" algn="l" rtl="0">
                 <a:spcBef>
                   <a:spcPts val="0"/>
                 </a:spcBef>
@@ -7370,9 +8611,6 @@
                 </a:spcAft>
                 <a:buNone/>
               </a:pPr>
-              <a:r>
-                <a:t/>
-              </a:r>
               <a:endParaRPr/>
             </a:p>
           </p:txBody>
@@ -7399,12 +8637,12 @@
             </a:ln>
           </p:spPr>
           <p:txBody>
-            <a:bodyPr anchorCtr="0" anchor="ctr" bIns="91425" lIns="91425" spcFirstLastPara="1" rIns="91425" wrap="square" tIns="91425">
+            <a:bodyPr spcFirstLastPara="1" wrap="square" lIns="91425" tIns="91425" rIns="91425" bIns="91425" anchor="ctr" anchorCtr="0">
               <a:noAutofit/>
             </a:bodyPr>
             <a:lstStyle/>
             <a:p>
-              <a:pPr indent="0" lvl="0" marL="0" rtl="0" algn="l">
+              <a:pPr marL="0" lvl="0" indent="0" algn="l" rtl="0">
                 <a:spcBef>
                   <a:spcPts val="0"/>
                 </a:spcBef>
@@ -7413,9 +8651,6 @@
                 </a:spcAft>
                 <a:buNone/>
               </a:pPr>
-              <a:r>
-                <a:t/>
-              </a:r>
               <a:endParaRPr/>
             </a:p>
           </p:txBody>
@@ -7442,12 +8677,12 @@
             </a:ln>
           </p:spPr>
           <p:txBody>
-            <a:bodyPr anchorCtr="0" anchor="ctr" bIns="91425" lIns="91425" spcFirstLastPara="1" rIns="91425" wrap="square" tIns="91425">
+            <a:bodyPr spcFirstLastPara="1" wrap="square" lIns="91425" tIns="91425" rIns="91425" bIns="91425" anchor="ctr" anchorCtr="0">
               <a:noAutofit/>
             </a:bodyPr>
             <a:lstStyle/>
             <a:p>
-              <a:pPr indent="0" lvl="0" marL="0" rtl="0" algn="l">
+              <a:pPr marL="0" lvl="0" indent="0" algn="l" rtl="0">
                 <a:spcBef>
                   <a:spcPts val="0"/>
                 </a:spcBef>
@@ -7456,9 +8691,6 @@
                 </a:spcAft>
                 <a:buNone/>
               </a:pPr>
-              <a:r>
-                <a:t/>
-              </a:r>
               <a:endParaRPr/>
             </a:p>
           </p:txBody>
@@ -7499,7 +8731,7 @@
               <a:noFill/>
             </a:ln>
             <a:effectLst>
-              <a:outerShdw blurRad="228600" rotWithShape="0" algn="tl" dir="5400000" dist="50800">
+              <a:outerShdw blurRad="228600" dist="50800" dir="5400000" algn="tl" rotWithShape="0">
                 <a:srgbClr val="000000">
                   <a:alpha val="54900"/>
                 </a:srgbClr>
@@ -7507,12 +8739,12 @@
             </a:effectLst>
           </p:spPr>
           <p:txBody>
-            <a:bodyPr anchorCtr="0" anchor="ctr" bIns="91425" lIns="91425" spcFirstLastPara="1" rIns="91425" wrap="square" tIns="91425">
+            <a:bodyPr spcFirstLastPara="1" wrap="square" lIns="91425" tIns="91425" rIns="91425" bIns="91425" anchor="ctr" anchorCtr="0">
               <a:noAutofit/>
             </a:bodyPr>
             <a:lstStyle/>
             <a:p>
-              <a:pPr indent="0" lvl="0" marL="0" rtl="0" algn="l">
+              <a:pPr marL="0" lvl="0" indent="0" algn="l" rtl="0">
                 <a:spcBef>
                   <a:spcPts val="0"/>
                 </a:spcBef>
@@ -7521,9 +8753,6 @@
                 </a:spcAft>
                 <a:buNone/>
               </a:pPr>
-              <a:r>
-                <a:t/>
-              </a:r>
               <a:endParaRPr/>
             </a:p>
           </p:txBody>
@@ -7548,12 +8777,12 @@
             </a:ln>
           </p:spPr>
           <p:txBody>
-            <a:bodyPr anchorCtr="0" anchor="ctr" bIns="91425" lIns="91425" spcFirstLastPara="1" rIns="91425" wrap="square" tIns="91425">
+            <a:bodyPr spcFirstLastPara="1" wrap="square" lIns="91425" tIns="91425" rIns="91425" bIns="91425" anchor="ctr" anchorCtr="0">
               <a:noAutofit/>
             </a:bodyPr>
             <a:lstStyle/>
             <a:p>
-              <a:pPr indent="0" lvl="0" marL="0" rtl="0" algn="ctr">
+              <a:pPr marL="0" lvl="0" indent="0" algn="ctr" rtl="0">
                 <a:spcBef>
                   <a:spcPts val="0"/>
                 </a:spcBef>
@@ -7622,7 +8851,7 @@
               <a:noFill/>
             </a:ln>
             <a:effectLst>
-              <a:outerShdw blurRad="228600" rotWithShape="0" algn="tl" dir="5400000" dist="50800">
+              <a:outerShdw blurRad="228600" dist="50800" dir="5400000" algn="tl" rotWithShape="0">
                 <a:srgbClr val="000000">
                   <a:alpha val="54900"/>
                 </a:srgbClr>
@@ -7630,12 +8859,12 @@
             </a:effectLst>
           </p:spPr>
           <p:txBody>
-            <a:bodyPr anchorCtr="0" anchor="ctr" bIns="91425" lIns="91425" spcFirstLastPara="1" rIns="91425" wrap="square" tIns="91425">
+            <a:bodyPr spcFirstLastPara="1" wrap="square" lIns="91425" tIns="91425" rIns="91425" bIns="91425" anchor="ctr" anchorCtr="0">
               <a:noAutofit/>
             </a:bodyPr>
             <a:lstStyle/>
             <a:p>
-              <a:pPr indent="0" lvl="0" marL="0" rtl="0" algn="l">
+              <a:pPr marL="0" lvl="0" indent="0" algn="l" rtl="0">
                 <a:spcBef>
                   <a:spcPts val="0"/>
                 </a:spcBef>
@@ -7644,9 +8873,6 @@
                 </a:spcAft>
                 <a:buNone/>
               </a:pPr>
-              <a:r>
-                <a:t/>
-              </a:r>
               <a:endParaRPr/>
             </a:p>
           </p:txBody>
@@ -7671,12 +8897,12 @@
             </a:ln>
           </p:spPr>
           <p:txBody>
-            <a:bodyPr anchorCtr="0" anchor="ctr" bIns="91425" lIns="91425" spcFirstLastPara="1" rIns="91425" wrap="square" tIns="91425">
+            <a:bodyPr spcFirstLastPara="1" wrap="square" lIns="91425" tIns="91425" rIns="91425" bIns="91425" anchor="ctr" anchorCtr="0">
               <a:noAutofit/>
             </a:bodyPr>
             <a:lstStyle/>
             <a:p>
-              <a:pPr indent="0" lvl="0" marL="0" rtl="0" algn="ctr">
+              <a:pPr marL="0" lvl="0" indent="0" algn="ctr" rtl="0">
                 <a:spcBef>
                   <a:spcPts val="0"/>
                 </a:spcBef>
@@ -7745,7 +8971,7 @@
               <a:noFill/>
             </a:ln>
             <a:effectLst>
-              <a:outerShdw blurRad="228600" rotWithShape="0" algn="tl" dir="5400000" dist="50800">
+              <a:outerShdw blurRad="228600" dist="50800" dir="5400000" algn="tl" rotWithShape="0">
                 <a:srgbClr val="000000">
                   <a:alpha val="54900"/>
                 </a:srgbClr>
@@ -7753,12 +8979,12 @@
             </a:effectLst>
           </p:spPr>
           <p:txBody>
-            <a:bodyPr anchorCtr="0" anchor="ctr" bIns="91425" lIns="91425" spcFirstLastPara="1" rIns="91425" wrap="square" tIns="91425">
+            <a:bodyPr spcFirstLastPara="1" wrap="square" lIns="91425" tIns="91425" rIns="91425" bIns="91425" anchor="ctr" anchorCtr="0">
               <a:noAutofit/>
             </a:bodyPr>
             <a:lstStyle/>
             <a:p>
-              <a:pPr indent="0" lvl="0" marL="0" rtl="0" algn="l">
+              <a:pPr marL="0" lvl="0" indent="0" algn="l" rtl="0">
                 <a:spcBef>
                   <a:spcPts val="0"/>
                 </a:spcBef>
@@ -7767,9 +8993,6 @@
                 </a:spcAft>
                 <a:buNone/>
               </a:pPr>
-              <a:r>
-                <a:t/>
-              </a:r>
               <a:endParaRPr/>
             </a:p>
           </p:txBody>
@@ -7794,12 +9017,12 @@
             </a:ln>
           </p:spPr>
           <p:txBody>
-            <a:bodyPr anchorCtr="0" anchor="ctr" bIns="91425" lIns="91425" spcFirstLastPara="1" rIns="91425" wrap="square" tIns="91425">
+            <a:bodyPr spcFirstLastPara="1" wrap="square" lIns="91425" tIns="91425" rIns="91425" bIns="91425" anchor="ctr" anchorCtr="0">
               <a:noAutofit/>
             </a:bodyPr>
             <a:lstStyle/>
             <a:p>
-              <a:pPr indent="0" lvl="0" marL="0" rtl="0" algn="ctr">
+              <a:pPr marL="0" lvl="0" indent="0" algn="ctr" rtl="0">
                 <a:spcBef>
                   <a:spcPts val="0"/>
                 </a:spcBef>
@@ -7838,22 +9061,26 @@
   <p:clrMapOvr>
     <a:masterClrMapping/>
   </p:clrMapOvr>
+  <p:transition>
+    <p:fade/>
+  </p:transition>
 </p:sld>
 </file>
 
 <file path=ppt/slides/slide3.xml><?xml version="1.0" encoding="utf-8"?>
-<p:sld xmlns:a="http://schemas.openxmlformats.org/drawingml/2006/main" xmlns:r="http://schemas.openxmlformats.org/officeDocument/2006/relationships" xmlns:mc="http://schemas.openxmlformats.org/markup-compatibility/2006" xmlns:mv="urn:schemas-microsoft-com:mac:vml" xmlns:p="http://schemas.openxmlformats.org/presentationml/2006/main" xmlns:c="http://schemas.openxmlformats.org/drawingml/2006/chart" xmlns:dgm="http://schemas.openxmlformats.org/drawingml/2006/diagram" xmlns:o="urn:schemas-microsoft-com:office:office" xmlns:v="urn:schemas-microsoft-com:vml" xmlns:pvml="urn:schemas-microsoft-com:office:powerpoint" xmlns:com="http://schemas.openxmlformats.org/drawingml/2006/compatibility" xmlns:p14="http://schemas.microsoft.com/office/powerpoint/2010/main" xmlns:p15="http://schemas.microsoft.com/office/powerpoint/2012/main" xmlns:ahyp="http://schemas.microsoft.com/office/drawing/2018/hyperlinkcolor">
+<p:sld xmlns:a="http://schemas.openxmlformats.org/drawingml/2006/main" xmlns:r="http://schemas.openxmlformats.org/officeDocument/2006/relationships" xmlns:p="http://schemas.openxmlformats.org/presentationml/2006/main">
   <p:cSld>
     <p:bg>
       <p:bgPr>
         <a:solidFill>
           <a:schemeClr val="dk1"/>
         </a:solidFill>
+        <a:effectLst/>
       </p:bgPr>
     </p:bg>
     <p:spTree>
       <p:nvGrpSpPr>
-        <p:cNvPr id="89" name="Shape 89"/>
+        <p:cNvPr id="1" name="Shape 89"/>
         <p:cNvGrpSpPr/>
         <p:nvPr/>
       </p:nvGrpSpPr>
@@ -7868,7 +9095,9 @@
       <p:sp>
         <p:nvSpPr>
           <p:cNvPr id="90" name="Google Shape;90;p15"/>
-          <p:cNvSpPr txBox="1"/>
+          <p:cNvSpPr txBox="1">
+            <a:spLocks noGrp="1"/>
+          </p:cNvSpPr>
           <p:nvPr>
             <p:ph type="title"/>
           </p:nvPr>
@@ -7883,12 +9112,12 @@
           </a:prstGeom>
         </p:spPr>
         <p:txBody>
-          <a:bodyPr anchorCtr="0" anchor="t" bIns="91425" lIns="91425" spcFirstLastPara="1" rIns="91425" wrap="square" tIns="91425">
+          <a:bodyPr spcFirstLastPara="1" wrap="square" lIns="91425" tIns="91425" rIns="91425" bIns="91425" anchor="t" anchorCtr="0">
             <a:normAutofit fontScale="90000"/>
           </a:bodyPr>
           <a:lstStyle/>
           <a:p>
-            <a:pPr indent="0" lvl="0" marL="0" rtl="0" algn="l">
+            <a:pPr marL="0" lvl="0" indent="0" algn="l" rtl="0">
               <a:spcBef>
                 <a:spcPts val="0"/>
               </a:spcBef>
@@ -7947,12 +9176,12 @@
             </a:ln>
           </p:spPr>
           <p:txBody>
-            <a:bodyPr anchorCtr="0" anchor="ctr" bIns="91425" lIns="91425" spcFirstLastPara="1" rIns="91425" wrap="square" tIns="91425">
+            <a:bodyPr spcFirstLastPara="1" wrap="square" lIns="91425" tIns="91425" rIns="91425" bIns="91425" anchor="ctr" anchorCtr="0">
               <a:noAutofit/>
             </a:bodyPr>
             <a:lstStyle/>
             <a:p>
-              <a:pPr indent="0" lvl="0" marL="0" rtl="0" algn="r">
+              <a:pPr marL="0" lvl="0" indent="0" algn="r" rtl="0">
                 <a:spcBef>
                   <a:spcPts val="0"/>
                 </a:spcBef>
@@ -7962,7 +9191,7 @@
                 <a:buNone/>
               </a:pPr>
               <a:r>
-                <a:rPr b="1" lang="en" sz="1800">
+                <a:rPr lang="en" sz="1800" b="1">
                   <a:latin typeface="Roboto"/>
                   <a:ea typeface="Roboto"/>
                   <a:cs typeface="Roboto"/>
@@ -7970,7 +9199,7 @@
                 </a:rPr>
                 <a:t>Customer</a:t>
               </a:r>
-              <a:endParaRPr b="1" sz="1800">
+              <a:endParaRPr sz="1800" b="1">
                 <a:latin typeface="Roboto"/>
                 <a:ea typeface="Roboto"/>
                 <a:cs typeface="Roboto"/>
@@ -7994,14 +9223,14 @@
               <a:avLst/>
             </a:prstGeom>
             <a:noFill/>
-            <a:ln cap="flat" cmpd="sng" w="9525">
+            <a:ln w="9525" cap="flat" cmpd="sng">
               <a:solidFill>
                 <a:srgbClr val="505050"/>
               </a:solidFill>
               <a:prstDash val="solid"/>
               <a:round/>
-              <a:headEnd len="sm" w="sm" type="none"/>
-              <a:tailEnd len="med" w="med" type="oval"/>
+              <a:headEnd type="none" w="sm" len="sm"/>
+              <a:tailEnd type="oval" w="med" len="med"/>
             </a:ln>
           </p:spPr>
         </p:cxnSp>
@@ -8040,12 +9269,12 @@
             </a:ln>
           </p:spPr>
           <p:txBody>
-            <a:bodyPr anchorCtr="0" anchor="ctr" bIns="91425" lIns="91425" spcFirstLastPara="1" rIns="91425" wrap="square" tIns="91425">
+            <a:bodyPr spcFirstLastPara="1" wrap="square" lIns="91425" tIns="91425" rIns="91425" bIns="91425" anchor="ctr" anchorCtr="0">
               <a:noAutofit/>
             </a:bodyPr>
             <a:lstStyle/>
             <a:p>
-              <a:pPr indent="0" lvl="0" marL="0" rtl="0" algn="l">
+              <a:pPr marL="0" lvl="0" indent="0" algn="l" rtl="0">
                 <a:spcBef>
                   <a:spcPts val="0"/>
                 </a:spcBef>
@@ -8055,7 +9284,7 @@
                 <a:buNone/>
               </a:pPr>
               <a:r>
-                <a:rPr b="1" lang="en" sz="1800">
+                <a:rPr lang="en" sz="1800" b="1">
                   <a:latin typeface="Roboto"/>
                   <a:ea typeface="Roboto"/>
                   <a:cs typeface="Roboto"/>
@@ -8063,7 +9292,7 @@
                 </a:rPr>
                 <a:t>Delivery Person</a:t>
               </a:r>
-              <a:endParaRPr b="1" sz="1800">
+              <a:endParaRPr sz="1800" b="1">
                 <a:latin typeface="Roboto"/>
                 <a:ea typeface="Roboto"/>
                 <a:cs typeface="Roboto"/>
@@ -8087,14 +9316,14 @@
               <a:avLst/>
             </a:prstGeom>
             <a:noFill/>
-            <a:ln cap="flat" cmpd="sng" w="9525">
+            <a:ln w="9525" cap="flat" cmpd="sng">
               <a:solidFill>
                 <a:srgbClr val="2F2F2F"/>
               </a:solidFill>
               <a:prstDash val="solid"/>
               <a:round/>
-              <a:headEnd len="sm" w="sm" type="none"/>
-              <a:tailEnd len="med" w="med" type="oval"/>
+              <a:headEnd type="none" w="sm" len="sm"/>
+              <a:tailEnd type="oval" w="med" len="med"/>
             </a:ln>
           </p:spPr>
         </p:cxnSp>
@@ -8133,12 +9362,12 @@
             </a:ln>
           </p:spPr>
           <p:txBody>
-            <a:bodyPr anchorCtr="0" anchor="ctr" bIns="91425" lIns="91425" spcFirstLastPara="1" rIns="91425" wrap="square" tIns="91425">
+            <a:bodyPr spcFirstLastPara="1" wrap="square" lIns="91425" tIns="91425" rIns="91425" bIns="91425" anchor="ctr" anchorCtr="0">
               <a:noAutofit/>
             </a:bodyPr>
             <a:lstStyle/>
             <a:p>
-              <a:pPr indent="0" lvl="0" marL="0" rtl="0" algn="l">
+              <a:pPr marL="0" lvl="0" indent="0" algn="l" rtl="0">
                 <a:spcBef>
                   <a:spcPts val="0"/>
                 </a:spcBef>
@@ -8148,24 +9377,15 @@
                 <a:buNone/>
               </a:pPr>
               <a:r>
-                <a:rPr b="1" lang="en" sz="1800">
+                <a:rPr lang="en" sz="1800" b="1">
                   <a:latin typeface="Roboto"/>
                   <a:ea typeface="Roboto"/>
                   <a:cs typeface="Roboto"/>
                   <a:sym typeface="Roboto"/>
                 </a:rPr>
-                <a:t>Restaurant</a:t>
+                <a:t>Restaurant Authority</a:t>
               </a:r>
-              <a:r>
-                <a:rPr b="1" lang="en" sz="1800">
-                  <a:latin typeface="Roboto"/>
-                  <a:ea typeface="Roboto"/>
-                  <a:cs typeface="Roboto"/>
-                  <a:sym typeface="Roboto"/>
-                </a:rPr>
-                <a:t> Authority</a:t>
-              </a:r>
-              <a:endParaRPr b="1" sz="1800">
+              <a:endParaRPr sz="1800" b="1">
                 <a:latin typeface="Roboto"/>
                 <a:ea typeface="Roboto"/>
                 <a:cs typeface="Roboto"/>
@@ -8189,14 +9409,14 @@
               <a:avLst/>
             </a:prstGeom>
             <a:noFill/>
-            <a:ln cap="flat" cmpd="sng" w="9525">
+            <a:ln w="9525" cap="flat" cmpd="sng">
               <a:solidFill>
                 <a:srgbClr val="414141"/>
               </a:solidFill>
               <a:prstDash val="solid"/>
               <a:round/>
-              <a:headEnd len="sm" w="sm" type="none"/>
-              <a:tailEnd len="med" w="med" type="oval"/>
+              <a:headEnd type="none" w="sm" len="sm"/>
+              <a:tailEnd type="oval" w="med" len="med"/>
             </a:ln>
           </p:spPr>
         </p:cxnSp>
@@ -8228,9 +9448,9 @@
             </a:xfrm>
             <a:prstGeom prst="blockArc">
               <a:avLst>
-                <a:gd fmla="val 12622480" name="adj1"/>
-                <a:gd fmla="val 19781569" name="adj2"/>
-                <a:gd fmla="val 20773" name="adj3"/>
+                <a:gd name="adj1" fmla="val 12622480"/>
+                <a:gd name="adj2" fmla="val 19781569"/>
+                <a:gd name="adj3" fmla="val 20773"/>
               </a:avLst>
             </a:prstGeom>
             <a:solidFill>
@@ -8241,12 +9461,12 @@
             </a:ln>
           </p:spPr>
           <p:txBody>
-            <a:bodyPr anchorCtr="0" anchor="ctr" bIns="91425" lIns="91425" spcFirstLastPara="1" rIns="91425" wrap="square" tIns="91425">
+            <a:bodyPr spcFirstLastPara="1" wrap="square" lIns="91425" tIns="91425" rIns="91425" bIns="91425" anchor="ctr" anchorCtr="0">
               <a:noAutofit/>
             </a:bodyPr>
             <a:lstStyle/>
             <a:p>
-              <a:pPr indent="0" lvl="0" marL="0" rtl="0" algn="l">
+              <a:pPr marL="0" lvl="0" indent="0" algn="l" rtl="0">
                 <a:spcBef>
                   <a:spcPts val="0"/>
                 </a:spcBef>
@@ -8255,9 +9475,6 @@
                 </a:spcAft>
                 <a:buNone/>
               </a:pPr>
-              <a:r>
-                <a:t/>
-              </a:r>
               <a:endParaRPr/>
             </a:p>
           </p:txBody>
@@ -8275,9 +9492,9 @@
             </a:xfrm>
             <a:prstGeom prst="blockArc">
               <a:avLst>
-                <a:gd fmla="val 12622480" name="adj1"/>
-                <a:gd fmla="val 19662822" name="adj2"/>
-                <a:gd fmla="val 20729" name="adj3"/>
+                <a:gd name="adj1" fmla="val 12622480"/>
+                <a:gd name="adj2" fmla="val 19662822"/>
+                <a:gd name="adj3" fmla="val 20729"/>
               </a:avLst>
             </a:prstGeom>
             <a:solidFill>
@@ -8288,12 +9505,12 @@
             </a:ln>
           </p:spPr>
           <p:txBody>
-            <a:bodyPr anchorCtr="0" anchor="ctr" bIns="91425" lIns="91425" spcFirstLastPara="1" rIns="91425" wrap="square" tIns="91425">
+            <a:bodyPr spcFirstLastPara="1" wrap="square" lIns="91425" tIns="91425" rIns="91425" bIns="91425" anchor="ctr" anchorCtr="0">
               <a:noAutofit/>
             </a:bodyPr>
             <a:lstStyle/>
             <a:p>
-              <a:pPr indent="0" lvl="0" marL="0" rtl="0" algn="l">
+              <a:pPr marL="0" lvl="0" indent="0" algn="l" rtl="0">
                 <a:spcBef>
                   <a:spcPts val="0"/>
                 </a:spcBef>
@@ -8302,9 +9519,6 @@
                 </a:spcAft>
                 <a:buNone/>
               </a:pPr>
-              <a:r>
-                <a:t/>
-              </a:r>
               <a:endParaRPr/>
             </a:p>
           </p:txBody>
@@ -8322,9 +9536,9 @@
             </a:xfrm>
             <a:prstGeom prst="blockArc">
               <a:avLst>
-                <a:gd fmla="val 12622480" name="adj1"/>
-                <a:gd fmla="val 19703271" name="adj2"/>
-                <a:gd fmla="val 20851" name="adj3"/>
+                <a:gd name="adj1" fmla="val 12622480"/>
+                <a:gd name="adj2" fmla="val 19703271"/>
+                <a:gd name="adj3" fmla="val 20851"/>
               </a:avLst>
             </a:prstGeom>
             <a:solidFill>
@@ -8335,12 +9549,12 @@
             </a:ln>
           </p:spPr>
           <p:txBody>
-            <a:bodyPr anchorCtr="0" anchor="ctr" bIns="91425" lIns="91425" spcFirstLastPara="1" rIns="91425" wrap="square" tIns="91425">
+            <a:bodyPr spcFirstLastPara="1" wrap="square" lIns="91425" tIns="91425" rIns="91425" bIns="91425" anchor="ctr" anchorCtr="0">
               <a:noAutofit/>
             </a:bodyPr>
             <a:lstStyle/>
             <a:p>
-              <a:pPr indent="0" lvl="0" marL="0" rtl="0" algn="l">
+              <a:pPr marL="0" lvl="0" indent="0" algn="l" rtl="0">
                 <a:spcBef>
                   <a:spcPts val="0"/>
                 </a:spcBef>
@@ -8349,9 +9563,6 @@
                 </a:spcAft>
                 <a:buNone/>
               </a:pPr>
-              <a:r>
-                <a:t/>
-              </a:r>
               <a:endParaRPr/>
             </a:p>
           </p:txBody>
@@ -8383,8 +9594,8 @@
               </a:xfrm>
               <a:prstGeom prst="pie">
                 <a:avLst>
-                  <a:gd fmla="val 6190354" name="adj1"/>
-                  <a:gd fmla="val 14996165" name="adj2"/>
+                  <a:gd name="adj1" fmla="val 6190354"/>
+                  <a:gd name="adj2" fmla="val 14996165"/>
                 </a:avLst>
               </a:prstGeom>
               <a:solidFill>
@@ -8394,7 +9605,7 @@
                 <a:noFill/>
               </a:ln>
               <a:effectLst>
-                <a:outerShdw blurRad="142875" rotWithShape="0" algn="bl">
+                <a:outerShdw blurRad="142875" algn="bl" rotWithShape="0">
                   <a:srgbClr val="000000">
                     <a:alpha val="43000"/>
                   </a:srgbClr>
@@ -8402,12 +9613,12 @@
               </a:effectLst>
             </p:spPr>
             <p:txBody>
-              <a:bodyPr anchorCtr="0" anchor="ctr" bIns="91425" lIns="91425" spcFirstLastPara="1" rIns="91425" wrap="square" tIns="91425">
+              <a:bodyPr spcFirstLastPara="1" wrap="square" lIns="91425" tIns="91425" rIns="91425" bIns="91425" anchor="ctr" anchorCtr="0">
                 <a:noAutofit/>
               </a:bodyPr>
               <a:lstStyle/>
               <a:p>
-                <a:pPr indent="0" lvl="0" marL="0" rtl="0" algn="l">
+                <a:pPr marL="0" lvl="0" indent="0" algn="l" rtl="0">
                   <a:spcBef>
                     <a:spcPts val="0"/>
                   </a:spcBef>
@@ -8416,9 +9627,6 @@
                   </a:spcAft>
                   <a:buNone/>
                 </a:pPr>
-                <a:r>
-                  <a:t/>
-                </a:r>
                 <a:endParaRPr/>
               </a:p>
             </p:txBody>
@@ -8436,8 +9644,8 @@
               </a:xfrm>
               <a:prstGeom prst="pie">
                 <a:avLst>
-                  <a:gd fmla="val 4028252" name="adj1"/>
-                  <a:gd fmla="val 17183677" name="adj2"/>
+                  <a:gd name="adj1" fmla="val 4028252"/>
+                  <a:gd name="adj2" fmla="val 17183677"/>
                 </a:avLst>
               </a:prstGeom>
               <a:solidFill>
@@ -8448,12 +9656,12 @@
               </a:ln>
             </p:spPr>
             <p:txBody>
-              <a:bodyPr anchorCtr="0" anchor="ctr" bIns="91425" lIns="91425" spcFirstLastPara="1" rIns="91425" wrap="square" tIns="91425">
+              <a:bodyPr spcFirstLastPara="1" wrap="square" lIns="91425" tIns="91425" rIns="91425" bIns="91425" anchor="ctr" anchorCtr="0">
                 <a:noAutofit/>
               </a:bodyPr>
               <a:lstStyle/>
               <a:p>
-                <a:pPr indent="0" lvl="0" marL="0" rtl="0" algn="l">
+                <a:pPr marL="0" lvl="0" indent="0" algn="l" rtl="0">
                   <a:spcBef>
                     <a:spcPts val="0"/>
                   </a:spcBef>
@@ -8462,9 +9670,6 @@
                   </a:spcAft>
                   <a:buNone/>
                 </a:pPr>
-                <a:r>
-                  <a:t/>
-                </a:r>
                 <a:endParaRPr/>
               </a:p>
             </p:txBody>
@@ -8497,8 +9702,8 @@
               </a:xfrm>
               <a:prstGeom prst="pie">
                 <a:avLst>
-                  <a:gd fmla="val 6190354" name="adj1"/>
-                  <a:gd fmla="val 14996165" name="adj2"/>
+                  <a:gd name="adj1" fmla="val 6190354"/>
+                  <a:gd name="adj2" fmla="val 14996165"/>
                 </a:avLst>
               </a:prstGeom>
               <a:solidFill>
@@ -8508,7 +9713,7 @@
                 <a:noFill/>
               </a:ln>
               <a:effectLst>
-                <a:outerShdw blurRad="142875" rotWithShape="0" algn="bl">
+                <a:outerShdw blurRad="142875" algn="bl" rotWithShape="0">
                   <a:srgbClr val="000000">
                     <a:alpha val="43000"/>
                   </a:srgbClr>
@@ -8516,12 +9721,12 @@
               </a:effectLst>
             </p:spPr>
             <p:txBody>
-              <a:bodyPr anchorCtr="0" anchor="ctr" bIns="91425" lIns="91425" spcFirstLastPara="1" rIns="91425" wrap="square" tIns="91425">
+              <a:bodyPr spcFirstLastPara="1" wrap="square" lIns="91425" tIns="91425" rIns="91425" bIns="91425" anchor="ctr" anchorCtr="0">
                 <a:noAutofit/>
               </a:bodyPr>
               <a:lstStyle/>
               <a:p>
-                <a:pPr indent="0" lvl="0" marL="0" rtl="0" algn="l">
+                <a:pPr marL="0" lvl="0" indent="0" algn="l" rtl="0">
                   <a:spcBef>
                     <a:spcPts val="0"/>
                   </a:spcBef>
@@ -8530,9 +9735,6 @@
                   </a:spcAft>
                   <a:buNone/>
                 </a:pPr>
-                <a:r>
-                  <a:t/>
-                </a:r>
                 <a:endParaRPr/>
               </a:p>
             </p:txBody>
@@ -8550,8 +9752,8 @@
               </a:xfrm>
               <a:prstGeom prst="pie">
                 <a:avLst>
-                  <a:gd fmla="val 4028252" name="adj1"/>
-                  <a:gd fmla="val 17183677" name="adj2"/>
+                  <a:gd name="adj1" fmla="val 4028252"/>
+                  <a:gd name="adj2" fmla="val 17183677"/>
                 </a:avLst>
               </a:prstGeom>
               <a:solidFill>
@@ -8562,12 +9764,12 @@
               </a:ln>
             </p:spPr>
             <p:txBody>
-              <a:bodyPr anchorCtr="0" anchor="ctr" bIns="91425" lIns="91425" spcFirstLastPara="1" rIns="91425" wrap="square" tIns="91425">
+              <a:bodyPr spcFirstLastPara="1" wrap="square" lIns="91425" tIns="91425" rIns="91425" bIns="91425" anchor="ctr" anchorCtr="0">
                 <a:noAutofit/>
               </a:bodyPr>
               <a:lstStyle/>
               <a:p>
-                <a:pPr indent="0" lvl="0" marL="0" rtl="0" algn="l">
+                <a:pPr marL="0" lvl="0" indent="0" algn="l" rtl="0">
                   <a:spcBef>
                     <a:spcPts val="0"/>
                   </a:spcBef>
@@ -8576,9 +9778,6 @@
                   </a:spcAft>
                   <a:buNone/>
                 </a:pPr>
-                <a:r>
-                  <a:t/>
-                </a:r>
                 <a:endParaRPr/>
               </a:p>
             </p:txBody>
@@ -8611,8 +9810,8 @@
               </a:xfrm>
               <a:prstGeom prst="pie">
                 <a:avLst>
-                  <a:gd fmla="val 6190354" name="adj1"/>
-                  <a:gd fmla="val 14996165" name="adj2"/>
+                  <a:gd name="adj1" fmla="val 6190354"/>
+                  <a:gd name="adj2" fmla="val 14996165"/>
                 </a:avLst>
               </a:prstGeom>
               <a:solidFill>
@@ -8622,7 +9821,7 @@
                 <a:noFill/>
               </a:ln>
               <a:effectLst>
-                <a:outerShdw blurRad="142875" rotWithShape="0" algn="bl">
+                <a:outerShdw blurRad="142875" algn="bl" rotWithShape="0">
                   <a:srgbClr val="000000">
                     <a:alpha val="43000"/>
                   </a:srgbClr>
@@ -8630,12 +9829,12 @@
               </a:effectLst>
             </p:spPr>
             <p:txBody>
-              <a:bodyPr anchorCtr="0" anchor="ctr" bIns="91425" lIns="91425" spcFirstLastPara="1" rIns="91425" wrap="square" tIns="91425">
+              <a:bodyPr spcFirstLastPara="1" wrap="square" lIns="91425" tIns="91425" rIns="91425" bIns="91425" anchor="ctr" anchorCtr="0">
                 <a:noAutofit/>
               </a:bodyPr>
               <a:lstStyle/>
               <a:p>
-                <a:pPr indent="0" lvl="0" marL="0" rtl="0" algn="l">
+                <a:pPr marL="0" lvl="0" indent="0" algn="l" rtl="0">
                   <a:spcBef>
                     <a:spcPts val="0"/>
                   </a:spcBef>
@@ -8644,9 +9843,6 @@
                   </a:spcAft>
                   <a:buNone/>
                 </a:pPr>
-                <a:r>
-                  <a:t/>
-                </a:r>
                 <a:endParaRPr/>
               </a:p>
             </p:txBody>
@@ -8664,8 +9860,8 @@
               </a:xfrm>
               <a:prstGeom prst="pie">
                 <a:avLst>
-                  <a:gd fmla="val 4028252" name="adj1"/>
-                  <a:gd fmla="val 17183677" name="adj2"/>
+                  <a:gd name="adj1" fmla="val 4028252"/>
+                  <a:gd name="adj2" fmla="val 17183677"/>
                 </a:avLst>
               </a:prstGeom>
               <a:solidFill>
@@ -8676,12 +9872,12 @@
               </a:ln>
             </p:spPr>
             <p:txBody>
-              <a:bodyPr anchorCtr="0" anchor="ctr" bIns="91425" lIns="91425" spcFirstLastPara="1" rIns="91425" wrap="square" tIns="91425">
+              <a:bodyPr spcFirstLastPara="1" wrap="square" lIns="91425" tIns="91425" rIns="91425" bIns="91425" anchor="ctr" anchorCtr="0">
                 <a:noAutofit/>
               </a:bodyPr>
               <a:lstStyle/>
               <a:p>
-                <a:pPr indent="0" lvl="0" marL="0" rtl="0" algn="l">
+                <a:pPr marL="0" lvl="0" indent="0" algn="l" rtl="0">
                   <a:spcBef>
                     <a:spcPts val="0"/>
                   </a:spcBef>
@@ -8690,9 +9886,6 @@
                   </a:spcAft>
                   <a:buNone/>
                 </a:pPr>
-                <a:r>
-                  <a:t/>
-                </a:r>
                 <a:endParaRPr/>
               </a:p>
             </p:txBody>
@@ -8718,12 +9911,12 @@
             </a:ln>
           </p:spPr>
           <p:txBody>
-            <a:bodyPr anchorCtr="0" anchor="t" bIns="91425" lIns="91425" spcFirstLastPara="1" rIns="91425" wrap="square" tIns="91425">
+            <a:bodyPr spcFirstLastPara="1" wrap="square" lIns="91425" tIns="91425" rIns="91425" bIns="91425" anchor="t" anchorCtr="0">
               <a:noAutofit/>
             </a:bodyPr>
             <a:lstStyle/>
             <a:p>
-              <a:pPr indent="0" lvl="0" marL="0" rtl="0" algn="ctr">
+              <a:pPr marL="0" lvl="0" indent="0" algn="ctr" rtl="0">
                 <a:spcBef>
                   <a:spcPts val="0"/>
                 </a:spcBef>
@@ -8733,7 +9926,7 @@
                 <a:buNone/>
               </a:pPr>
               <a:r>
-                <a:rPr b="1" lang="en" sz="1600">
+                <a:rPr lang="en" sz="1600" b="1">
                   <a:solidFill>
                     <a:srgbClr val="FFFFFF"/>
                   </a:solidFill>
@@ -8744,7 +9937,7 @@
                 </a:rPr>
                 <a:t>03 </a:t>
               </a:r>
-              <a:endParaRPr b="1" sz="1600">
+              <a:endParaRPr sz="1600" b="1">
                 <a:solidFill>
                   <a:srgbClr val="FFFFFF"/>
                 </a:solidFill>
@@ -8776,12 +9969,12 @@
             </a:ln>
           </p:spPr>
           <p:txBody>
-            <a:bodyPr anchorCtr="0" anchor="t" bIns="91425" lIns="91425" spcFirstLastPara="1" rIns="91425" wrap="square" tIns="91425">
+            <a:bodyPr spcFirstLastPara="1" wrap="square" lIns="91425" tIns="91425" rIns="91425" bIns="91425" anchor="t" anchorCtr="0">
               <a:noAutofit/>
             </a:bodyPr>
             <a:lstStyle/>
             <a:p>
-              <a:pPr indent="0" lvl="0" marL="0" rtl="0" algn="ctr">
+              <a:pPr marL="0" lvl="0" indent="0" algn="ctr" rtl="0">
                 <a:spcBef>
                   <a:spcPts val="0"/>
                 </a:spcBef>
@@ -8791,7 +9984,7 @@
                 <a:buNone/>
               </a:pPr>
               <a:r>
-                <a:rPr b="1" lang="en" sz="1600">
+                <a:rPr lang="en" sz="1600" b="1">
                   <a:solidFill>
                     <a:srgbClr val="FFFFFF"/>
                   </a:solidFill>
@@ -8802,7 +9995,7 @@
                 </a:rPr>
                 <a:t>01 </a:t>
               </a:r>
-              <a:endParaRPr b="1" sz="1600">
+              <a:endParaRPr sz="1600" b="1">
                 <a:solidFill>
                   <a:srgbClr val="FFFFFF"/>
                 </a:solidFill>
@@ -8834,12 +10027,12 @@
             </a:ln>
           </p:spPr>
           <p:txBody>
-            <a:bodyPr anchorCtr="0" anchor="t" bIns="91425" lIns="91425" spcFirstLastPara="1" rIns="91425" wrap="square" tIns="91425">
+            <a:bodyPr spcFirstLastPara="1" wrap="square" lIns="91425" tIns="91425" rIns="91425" bIns="91425" anchor="t" anchorCtr="0">
               <a:noAutofit/>
             </a:bodyPr>
             <a:lstStyle/>
             <a:p>
-              <a:pPr indent="0" lvl="0" marL="0" rtl="0" algn="ctr">
+              <a:pPr marL="0" lvl="0" indent="0" algn="ctr" rtl="0">
                 <a:spcBef>
                   <a:spcPts val="0"/>
                 </a:spcBef>
@@ -8849,7 +10042,7 @@
                 <a:buNone/>
               </a:pPr>
               <a:r>
-                <a:rPr b="1" lang="en" sz="1600">
+                <a:rPr lang="en" sz="1600" b="1">
                   <a:solidFill>
                     <a:srgbClr val="FFFFFF"/>
                   </a:solidFill>
@@ -8860,7 +10053,7 @@
                 </a:rPr>
                 <a:t>02 </a:t>
               </a:r>
-              <a:endParaRPr b="1" sz="1600">
+              <a:endParaRPr sz="1600" b="1">
                 <a:solidFill>
                   <a:srgbClr val="FFFFFF"/>
                 </a:solidFill>
@@ -8878,22 +10071,106 @@
   <p:clrMapOvr>
     <a:masterClrMapping/>
   </p:clrMapOvr>
+  <p:transition>
+    <p:fade/>
+  </p:transition>
 </p:sld>
 </file>
 
 <file path=ppt/slides/slide4.xml><?xml version="1.0" encoding="utf-8"?>
-<p:sld xmlns:a="http://schemas.openxmlformats.org/drawingml/2006/main" xmlns:r="http://schemas.openxmlformats.org/officeDocument/2006/relationships" xmlns:mc="http://schemas.openxmlformats.org/markup-compatibility/2006" xmlns:mv="urn:schemas-microsoft-com:mac:vml" xmlns:p="http://schemas.openxmlformats.org/presentationml/2006/main" xmlns:c="http://schemas.openxmlformats.org/drawingml/2006/chart" xmlns:dgm="http://schemas.openxmlformats.org/drawingml/2006/diagram" xmlns:o="urn:schemas-microsoft-com:office:office" xmlns:v="urn:schemas-microsoft-com:vml" xmlns:pvml="urn:schemas-microsoft-com:office:powerpoint" xmlns:com="http://schemas.openxmlformats.org/drawingml/2006/compatibility" xmlns:p14="http://schemas.microsoft.com/office/powerpoint/2010/main" xmlns:p15="http://schemas.microsoft.com/office/powerpoint/2012/main" xmlns:ahyp="http://schemas.microsoft.com/office/drawing/2018/hyperlinkcolor">
+<p:sld xmlns:a="http://schemas.openxmlformats.org/drawingml/2006/main" xmlns:r="http://schemas.openxmlformats.org/officeDocument/2006/relationships" xmlns:p="http://schemas.openxmlformats.org/presentationml/2006/main">
+  <p:cSld>
+    <p:spTree>
+      <p:nvGrpSpPr>
+        <p:cNvPr id="1" name=""/>
+        <p:cNvGrpSpPr/>
+        <p:nvPr/>
+      </p:nvGrpSpPr>
+      <p:grpSpPr>
+        <a:xfrm>
+          <a:off x="0" y="0"/>
+          <a:ext cx="0" cy="0"/>
+          <a:chOff x="0" y="0"/>
+          <a:chExt cx="0" cy="0"/>
+        </a:xfrm>
+      </p:grpSpPr>
+      <p:sp>
+        <p:nvSpPr>
+          <p:cNvPr id="3" name="Text Placeholder 2">
+            <a:extLst>
+              <a:ext uri="{FF2B5EF4-FFF2-40B4-BE49-F238E27FC236}">
+                <a16:creationId xmlns:a16="http://schemas.microsoft.com/office/drawing/2014/main" id="{E9139338-3D8D-D127-0FA7-34CE0E1E06FA}"/>
+              </a:ext>
+            </a:extLst>
+          </p:cNvPr>
+          <p:cNvSpPr>
+            <a:spLocks noGrp="1"/>
+          </p:cNvSpPr>
+          <p:nvPr>
+            <p:ph type="body" idx="1"/>
+          </p:nvPr>
+        </p:nvSpPr>
+        <p:spPr>
+          <a:xfrm>
+            <a:off x="838430" y="1886571"/>
+            <a:ext cx="7467139" cy="3416400"/>
+          </a:xfrm>
+        </p:spPr>
+        <p:txBody>
+          <a:bodyPr>
+            <a:normAutofit/>
+          </a:bodyPr>
+          <a:lstStyle/>
+          <a:p>
+            <a:pPr marL="114300" indent="0">
+              <a:buNone/>
+            </a:pPr>
+            <a:r>
+              <a:rPr lang="en" sz="6600" dirty="0">
+                <a:solidFill>
+                  <a:schemeClr val="tx1"/>
+                </a:solidFill>
+              </a:rPr>
+              <a:t>Features | Customer</a:t>
+            </a:r>
+            <a:endParaRPr lang="en-US" sz="6600" dirty="0">
+              <a:solidFill>
+                <a:schemeClr val="tx1"/>
+              </a:solidFill>
+            </a:endParaRPr>
+          </a:p>
+        </p:txBody>
+      </p:sp>
+    </p:spTree>
+    <p:extLst>
+      <p:ext uri="{BB962C8B-B14F-4D97-AF65-F5344CB8AC3E}">
+        <p14:creationId xmlns:p14="http://schemas.microsoft.com/office/powerpoint/2010/main" val="3891040671"/>
+      </p:ext>
+    </p:extLst>
+  </p:cSld>
+  <p:clrMapOvr>
+    <a:masterClrMapping/>
+  </p:clrMapOvr>
+  <p:transition>
+    <p:fade/>
+  </p:transition>
+</p:sld>
+</file>
+
+<file path=ppt/slides/slide5.xml><?xml version="1.0" encoding="utf-8"?>
+<p:sld xmlns:a="http://schemas.openxmlformats.org/drawingml/2006/main" xmlns:r="http://schemas.openxmlformats.org/officeDocument/2006/relationships" xmlns:p="http://schemas.openxmlformats.org/presentationml/2006/main">
   <p:cSld>
     <p:bg>
       <p:bgPr>
         <a:solidFill>
           <a:schemeClr val="dk1"/>
         </a:solidFill>
+        <a:effectLst/>
       </p:bgPr>
     </p:bg>
     <p:spTree>
       <p:nvGrpSpPr>
-        <p:cNvPr id="119" name="Shape 119"/>
+        <p:cNvPr id="1" name="Shape 119"/>
         <p:cNvGrpSpPr/>
         <p:nvPr/>
       </p:nvGrpSpPr>
@@ -8908,7 +10185,9 @@
       <p:sp>
         <p:nvSpPr>
           <p:cNvPr id="120" name="Google Shape;120;p16"/>
-          <p:cNvSpPr txBox="1"/>
+          <p:cNvSpPr txBox="1">
+            <a:spLocks noGrp="1"/>
+          </p:cNvSpPr>
           <p:nvPr>
             <p:ph type="title"/>
           </p:nvPr>
@@ -8923,12 +10202,12 @@
           </a:prstGeom>
         </p:spPr>
         <p:txBody>
-          <a:bodyPr anchorCtr="0" anchor="t" bIns="91425" lIns="91425" spcFirstLastPara="1" rIns="91425" wrap="square" tIns="91425">
+          <a:bodyPr spcFirstLastPara="1" wrap="square" lIns="91425" tIns="91425" rIns="91425" bIns="91425" anchor="t" anchorCtr="0">
             <a:normAutofit fontScale="90000"/>
           </a:bodyPr>
           <a:lstStyle/>
           <a:p>
-            <a:pPr indent="0" lvl="0" marL="0" rtl="0" algn="l">
+            <a:pPr marL="0" lvl="0" indent="0" algn="l" rtl="0">
               <a:spcBef>
                 <a:spcPts val="0"/>
               </a:spcBef>
@@ -8938,14 +10217,14 @@
               <a:buNone/>
             </a:pPr>
             <a:r>
-              <a:rPr lang="en">
+              <a:rPr lang="en" dirty="0">
                 <a:solidFill>
                   <a:schemeClr val="lt1"/>
                 </a:solidFill>
               </a:rPr>
               <a:t>Features | Customer</a:t>
             </a:r>
-            <a:endParaRPr>
+            <a:endParaRPr dirty="0">
               <a:solidFill>
                 <a:schemeClr val="lt1"/>
               </a:solidFill>
@@ -8956,9 +10235,11 @@
       <p:sp>
         <p:nvSpPr>
           <p:cNvPr id="121" name="Google Shape;121;p16"/>
-          <p:cNvSpPr txBox="1"/>
+          <p:cNvSpPr txBox="1">
+            <a:spLocks noGrp="1"/>
+          </p:cNvSpPr>
           <p:nvPr>
-            <p:ph idx="1" type="body"/>
+            <p:ph type="body" idx="1"/>
           </p:nvPr>
         </p:nvSpPr>
         <p:spPr>
@@ -8971,12 +10252,12 @@
           </a:prstGeom>
         </p:spPr>
         <p:txBody>
-          <a:bodyPr anchorCtr="0" anchor="t" bIns="91425" lIns="91425" spcFirstLastPara="1" rIns="91425" wrap="square" tIns="91425">
+          <a:bodyPr spcFirstLastPara="1" wrap="square" lIns="91425" tIns="91425" rIns="91425" bIns="91425" anchor="t" anchorCtr="0">
             <a:normAutofit/>
           </a:bodyPr>
           <a:lstStyle/>
           <a:p>
-            <a:pPr indent="-342900" lvl="0" marL="457200" rtl="0" algn="l">
+            <a:pPr marL="457200" lvl="0" indent="-342900" algn="l" rtl="0">
               <a:spcBef>
                 <a:spcPts val="0"/>
               </a:spcBef>
@@ -8990,29 +10271,21 @@
               <a:buChar char="●"/>
             </a:pPr>
             <a:r>
-              <a:rPr lang="en">
+              <a:rPr lang="en" dirty="0">
                 <a:solidFill>
                   <a:schemeClr val="lt1"/>
                 </a:solidFill>
               </a:rPr>
-              <a:t>Searching </a:t>
+              <a:t>Searching Restaurants (By location and name)</a:t>
             </a:r>
-            <a:r>
-              <a:rPr lang="en">
-                <a:solidFill>
-                  <a:schemeClr val="lt1"/>
-                </a:solidFill>
-              </a:rPr>
-              <a:t>Restaurants (By location and name)</a:t>
-            </a:r>
-            <a:endParaRPr>
+            <a:endParaRPr dirty="0">
               <a:solidFill>
                 <a:schemeClr val="lt1"/>
               </a:solidFill>
             </a:endParaRPr>
           </a:p>
           <a:p>
-            <a:pPr indent="-342900" lvl="0" marL="457200" rtl="0" algn="l">
+            <a:pPr marL="457200" lvl="0" indent="-342900" algn="l" rtl="0">
               <a:spcBef>
                 <a:spcPts val="0"/>
               </a:spcBef>
@@ -9026,21 +10299,21 @@
               <a:buChar char="●"/>
             </a:pPr>
             <a:r>
-              <a:rPr lang="en">
+              <a:rPr lang="en" dirty="0">
                 <a:solidFill>
                   <a:schemeClr val="lt1"/>
                 </a:solidFill>
               </a:rPr>
               <a:t>Searching Food Items</a:t>
             </a:r>
-            <a:endParaRPr>
+            <a:endParaRPr dirty="0">
               <a:solidFill>
                 <a:schemeClr val="lt1"/>
               </a:solidFill>
             </a:endParaRPr>
           </a:p>
           <a:p>
-            <a:pPr indent="-342900" lvl="0" marL="457200" rtl="0" algn="l">
+            <a:pPr marL="457200" lvl="0" indent="-342900" algn="l" rtl="0">
               <a:spcBef>
                 <a:spcPts val="0"/>
               </a:spcBef>
@@ -9054,21 +10327,21 @@
               <a:buChar char="●"/>
             </a:pPr>
             <a:r>
-              <a:rPr lang="en">
+              <a:rPr lang="en" dirty="0">
                 <a:solidFill>
                   <a:schemeClr val="lt1"/>
                 </a:solidFill>
               </a:rPr>
               <a:t>Filter Restaurants on various criterias</a:t>
             </a:r>
-            <a:endParaRPr>
+            <a:endParaRPr dirty="0">
               <a:solidFill>
                 <a:schemeClr val="lt1"/>
               </a:solidFill>
             </a:endParaRPr>
           </a:p>
           <a:p>
-            <a:pPr indent="-342900" lvl="0" marL="457200" rtl="0" algn="l">
+            <a:pPr marL="457200" lvl="0" indent="-342900" algn="l" rtl="0">
               <a:spcBef>
                 <a:spcPts val="0"/>
               </a:spcBef>
@@ -9082,21 +10355,21 @@
               <a:buChar char="●"/>
             </a:pPr>
             <a:r>
-              <a:rPr lang="en">
+              <a:rPr lang="en" dirty="0">
                 <a:solidFill>
                   <a:schemeClr val="lt1"/>
                 </a:solidFill>
               </a:rPr>
               <a:t>Get useful suggestions based on their previous order history</a:t>
             </a:r>
-            <a:endParaRPr>
+            <a:endParaRPr dirty="0">
               <a:solidFill>
                 <a:schemeClr val="lt1"/>
               </a:solidFill>
             </a:endParaRPr>
           </a:p>
           <a:p>
-            <a:pPr indent="-342900" lvl="0" marL="457200" rtl="0" algn="l">
+            <a:pPr marL="457200" lvl="0" indent="-342900" algn="l" rtl="0">
               <a:spcBef>
                 <a:spcPts val="0"/>
               </a:spcBef>
@@ -9110,21 +10383,21 @@
               <a:buChar char="●"/>
             </a:pPr>
             <a:r>
-              <a:rPr lang="en">
+              <a:rPr lang="en" dirty="0">
                 <a:solidFill>
                   <a:schemeClr val="lt1"/>
                 </a:solidFill>
               </a:rPr>
               <a:t>Order from multiple restaurants at a time</a:t>
             </a:r>
-            <a:endParaRPr>
+            <a:endParaRPr dirty="0">
               <a:solidFill>
                 <a:schemeClr val="lt1"/>
               </a:solidFill>
             </a:endParaRPr>
           </a:p>
           <a:p>
-            <a:pPr indent="-342900" lvl="0" marL="457200" rtl="0" algn="l">
+            <a:pPr marL="457200" lvl="0" indent="-342900" algn="l" rtl="0">
               <a:spcBef>
                 <a:spcPts val="0"/>
               </a:spcBef>
@@ -9138,21 +10411,21 @@
               <a:buChar char="●"/>
             </a:pPr>
             <a:r>
-              <a:rPr lang="en">
+              <a:rPr lang="en" dirty="0">
                 <a:solidFill>
                   <a:schemeClr val="lt1"/>
                 </a:solidFill>
               </a:rPr>
               <a:t>Earn some reward points on successful order</a:t>
             </a:r>
-            <a:endParaRPr>
+            <a:endParaRPr dirty="0">
               <a:solidFill>
                 <a:schemeClr val="lt1"/>
               </a:solidFill>
             </a:endParaRPr>
           </a:p>
           <a:p>
-            <a:pPr indent="-342900" lvl="0" marL="457200" rtl="0" algn="l">
+            <a:pPr marL="457200" lvl="0" indent="-342900" algn="l" rtl="0">
               <a:spcBef>
                 <a:spcPts val="0"/>
               </a:spcBef>
@@ -9166,21 +10439,21 @@
               <a:buChar char="●"/>
             </a:pPr>
             <a:r>
-              <a:rPr lang="en">
+              <a:rPr lang="en" dirty="0">
                 <a:solidFill>
                   <a:schemeClr val="lt1"/>
                 </a:solidFill>
               </a:rPr>
               <a:t>Can get discount from at most 3 assigned “Favourite Restaurants”</a:t>
             </a:r>
-            <a:endParaRPr>
+            <a:endParaRPr dirty="0">
               <a:solidFill>
                 <a:schemeClr val="lt1"/>
               </a:solidFill>
             </a:endParaRPr>
           </a:p>
           <a:p>
-            <a:pPr indent="-342900" lvl="0" marL="457200" rtl="0" algn="l">
+            <a:pPr marL="457200" lvl="0" indent="-342900" algn="l" rtl="0">
               <a:spcBef>
                 <a:spcPts val="0"/>
               </a:spcBef>
@@ -9194,21 +10467,21 @@
               <a:buChar char="●"/>
             </a:pPr>
             <a:r>
-              <a:rPr lang="en">
+              <a:rPr lang="en" dirty="0">
                 <a:solidFill>
                   <a:schemeClr val="lt1"/>
                 </a:solidFill>
               </a:rPr>
               <a:t>Reviews and Feedback</a:t>
             </a:r>
-            <a:endParaRPr>
+            <a:endParaRPr dirty="0">
               <a:solidFill>
                 <a:schemeClr val="lt1"/>
               </a:solidFill>
             </a:endParaRPr>
           </a:p>
           <a:p>
-            <a:pPr indent="-342900" lvl="0" marL="457200" rtl="0" algn="l">
+            <a:pPr marL="457200" lvl="0" indent="-342900" algn="l" rtl="0">
               <a:spcBef>
                 <a:spcPts val="0"/>
               </a:spcBef>
@@ -9222,14 +10495,14 @@
               <a:buChar char="●"/>
             </a:pPr>
             <a:r>
-              <a:rPr lang="en">
+              <a:rPr lang="en" dirty="0">
                 <a:solidFill>
                   <a:schemeClr val="lt1"/>
                 </a:solidFill>
               </a:rPr>
               <a:t>Flexible payment options</a:t>
             </a:r>
-            <a:endParaRPr>
+            <a:endParaRPr dirty="0">
               <a:solidFill>
                 <a:schemeClr val="lt1"/>
               </a:solidFill>
@@ -9242,22 +10515,115 @@
   <p:clrMapOvr>
     <a:masterClrMapping/>
   </p:clrMapOvr>
+  <mc:AlternateContent xmlns:mc="http://schemas.openxmlformats.org/markup-compatibility/2006">
+    <mc:Choice xmlns:p14="http://schemas.microsoft.com/office/powerpoint/2010/main" Requires="p14">
+      <p:transition spd="med" p14:dur="700">
+        <p:fade/>
+      </p:transition>
+    </mc:Choice>
+    <mc:Fallback>
+      <p:transition spd="med">
+        <p:fade/>
+      </p:transition>
+    </mc:Fallback>
+  </mc:AlternateContent>
 </p:sld>
 </file>
 
-<file path=ppt/slides/slide5.xml><?xml version="1.0" encoding="utf-8"?>
-<p:sld xmlns:a="http://schemas.openxmlformats.org/drawingml/2006/main" xmlns:r="http://schemas.openxmlformats.org/officeDocument/2006/relationships" xmlns:mc="http://schemas.openxmlformats.org/markup-compatibility/2006" xmlns:mv="urn:schemas-microsoft-com:mac:vml" xmlns:p="http://schemas.openxmlformats.org/presentationml/2006/main" xmlns:c="http://schemas.openxmlformats.org/drawingml/2006/chart" xmlns:dgm="http://schemas.openxmlformats.org/drawingml/2006/diagram" xmlns:o="urn:schemas-microsoft-com:office:office" xmlns:v="urn:schemas-microsoft-com:vml" xmlns:pvml="urn:schemas-microsoft-com:office:powerpoint" xmlns:com="http://schemas.openxmlformats.org/drawingml/2006/compatibility" xmlns:p14="http://schemas.microsoft.com/office/powerpoint/2010/main" xmlns:p15="http://schemas.microsoft.com/office/powerpoint/2012/main" xmlns:ahyp="http://schemas.microsoft.com/office/drawing/2018/hyperlinkcolor">
+<file path=ppt/slides/slide6.xml><?xml version="1.0" encoding="utf-8"?>
+<p:sld xmlns:a="http://schemas.openxmlformats.org/drawingml/2006/main" xmlns:r="http://schemas.openxmlformats.org/officeDocument/2006/relationships" xmlns:p="http://schemas.openxmlformats.org/presentationml/2006/main">
+  <p:cSld>
+    <p:spTree>
+      <p:nvGrpSpPr>
+        <p:cNvPr id="1" name=""/>
+        <p:cNvGrpSpPr/>
+        <p:nvPr/>
+      </p:nvGrpSpPr>
+      <p:grpSpPr>
+        <a:xfrm>
+          <a:off x="0" y="0"/>
+          <a:ext cx="0" cy="0"/>
+          <a:chOff x="0" y="0"/>
+          <a:chExt cx="0" cy="0"/>
+        </a:xfrm>
+      </p:grpSpPr>
+      <p:sp>
+        <p:nvSpPr>
+          <p:cNvPr id="3" name="Text Placeholder 2">
+            <a:extLst>
+              <a:ext uri="{FF2B5EF4-FFF2-40B4-BE49-F238E27FC236}">
+                <a16:creationId xmlns:a16="http://schemas.microsoft.com/office/drawing/2014/main" id="{E9139338-3D8D-D127-0FA7-34CE0E1E06FA}"/>
+              </a:ext>
+            </a:extLst>
+          </p:cNvPr>
+          <p:cNvSpPr>
+            <a:spLocks noGrp="1"/>
+          </p:cNvSpPr>
+          <p:nvPr>
+            <p:ph type="body" idx="1"/>
+          </p:nvPr>
+        </p:nvSpPr>
+        <p:spPr>
+          <a:xfrm>
+            <a:off x="654254" y="1886571"/>
+            <a:ext cx="7835491" cy="3416400"/>
+          </a:xfrm>
+        </p:spPr>
+        <p:txBody>
+          <a:bodyPr>
+            <a:normAutofit/>
+          </a:bodyPr>
+          <a:lstStyle/>
+          <a:p>
+            <a:pPr marL="114300" indent="0">
+              <a:buNone/>
+            </a:pPr>
+            <a:r>
+              <a:rPr lang="en" sz="6600" dirty="0">
+                <a:solidFill>
+                  <a:schemeClr val="tx1"/>
+                </a:solidFill>
+              </a:rPr>
+              <a:t>Features | Restaurant</a:t>
+            </a:r>
+            <a:endParaRPr lang="en-US" sz="6600" dirty="0">
+              <a:solidFill>
+                <a:schemeClr val="tx1"/>
+              </a:solidFill>
+            </a:endParaRPr>
+          </a:p>
+        </p:txBody>
+      </p:sp>
+    </p:spTree>
+    <p:extLst>
+      <p:ext uri="{BB962C8B-B14F-4D97-AF65-F5344CB8AC3E}">
+        <p14:creationId xmlns:p14="http://schemas.microsoft.com/office/powerpoint/2010/main" val="2976722584"/>
+      </p:ext>
+    </p:extLst>
+  </p:cSld>
+  <p:clrMapOvr>
+    <a:masterClrMapping/>
+  </p:clrMapOvr>
+  <p:transition>
+    <p:fade/>
+  </p:transition>
+</p:sld>
+</file>
+
+<file path=ppt/slides/slide7.xml><?xml version="1.0" encoding="utf-8"?>
+<p:sld xmlns:a="http://schemas.openxmlformats.org/drawingml/2006/main" xmlns:r="http://schemas.openxmlformats.org/officeDocument/2006/relationships" xmlns:p="http://schemas.openxmlformats.org/presentationml/2006/main">
   <p:cSld>
     <p:bg>
       <p:bgPr>
         <a:solidFill>
           <a:schemeClr val="dk1"/>
         </a:solidFill>
+        <a:effectLst/>
       </p:bgPr>
     </p:bg>
     <p:spTree>
       <p:nvGrpSpPr>
-        <p:cNvPr id="125" name="Shape 125"/>
+        <p:cNvPr id="1" name="Shape 125"/>
         <p:cNvGrpSpPr/>
         <p:nvPr/>
       </p:nvGrpSpPr>
@@ -9272,7 +10638,9 @@
       <p:sp>
         <p:nvSpPr>
           <p:cNvPr id="126" name="Google Shape;126;p17"/>
-          <p:cNvSpPr txBox="1"/>
+          <p:cNvSpPr txBox="1">
+            <a:spLocks noGrp="1"/>
+          </p:cNvSpPr>
           <p:nvPr>
             <p:ph type="title"/>
           </p:nvPr>
@@ -9287,12 +10655,12 @@
           </a:prstGeom>
         </p:spPr>
         <p:txBody>
-          <a:bodyPr anchorCtr="0" anchor="t" bIns="91425" lIns="91425" spcFirstLastPara="1" rIns="91425" wrap="square" tIns="91425">
+          <a:bodyPr spcFirstLastPara="1" wrap="square" lIns="91425" tIns="91425" rIns="91425" bIns="91425" anchor="t" anchorCtr="0">
             <a:normAutofit fontScale="90000"/>
           </a:bodyPr>
           <a:lstStyle/>
           <a:p>
-            <a:pPr indent="0" lvl="0" marL="0" rtl="0" algn="l">
+            <a:pPr marL="0" lvl="0" indent="0" algn="l" rtl="0">
               <a:spcBef>
                 <a:spcPts val="0"/>
               </a:spcBef>
@@ -9320,9 +10688,11 @@
       <p:sp>
         <p:nvSpPr>
           <p:cNvPr id="127" name="Google Shape;127;p17"/>
-          <p:cNvSpPr txBox="1"/>
+          <p:cNvSpPr txBox="1">
+            <a:spLocks noGrp="1"/>
+          </p:cNvSpPr>
           <p:nvPr>
-            <p:ph idx="1" type="body"/>
+            <p:ph type="body" idx="1"/>
           </p:nvPr>
         </p:nvSpPr>
         <p:spPr>
@@ -9335,12 +10705,12 @@
           </a:prstGeom>
         </p:spPr>
         <p:txBody>
-          <a:bodyPr anchorCtr="0" anchor="t" bIns="91425" lIns="91425" spcFirstLastPara="1" rIns="91425" wrap="square" tIns="91425">
+          <a:bodyPr spcFirstLastPara="1" wrap="square" lIns="91425" tIns="91425" rIns="91425" bIns="91425" anchor="t" anchorCtr="0">
             <a:normAutofit/>
           </a:bodyPr>
           <a:lstStyle/>
           <a:p>
-            <a:pPr indent="-342900" lvl="0" marL="457200" rtl="0" algn="l">
+            <a:pPr marL="457200" lvl="0" indent="-342900" algn="l" rtl="0">
               <a:spcBef>
                 <a:spcPts val="0"/>
               </a:spcBef>
@@ -9368,7 +10738,7 @@
             </a:endParaRPr>
           </a:p>
           <a:p>
-            <a:pPr indent="-342900" lvl="0" marL="457200" rtl="0" algn="l">
+            <a:pPr marL="457200" lvl="0" indent="-342900" algn="l" rtl="0">
               <a:spcBef>
                 <a:spcPts val="0"/>
               </a:spcBef>
@@ -9396,7 +10766,7 @@
             </a:endParaRPr>
           </a:p>
           <a:p>
-            <a:pPr indent="-342900" lvl="0" marL="457200" rtl="0" algn="l">
+            <a:pPr marL="457200" lvl="0" indent="-342900" algn="l" rtl="0">
               <a:spcBef>
                 <a:spcPts val="0"/>
               </a:spcBef>
@@ -9424,7 +10794,7 @@
             </a:endParaRPr>
           </a:p>
           <a:p>
-            <a:pPr indent="-342900" lvl="0" marL="457200" rtl="0" algn="l">
+            <a:pPr marL="457200" lvl="0" indent="-342900" algn="l" rtl="0">
               <a:spcBef>
                 <a:spcPts val="0"/>
               </a:spcBef>
@@ -9452,7 +10822,7 @@
             </a:endParaRPr>
           </a:p>
           <a:p>
-            <a:pPr indent="-342900" lvl="0" marL="457200" rtl="0" algn="l">
+            <a:pPr marL="457200" lvl="0" indent="-342900" algn="l" rtl="0">
               <a:spcBef>
                 <a:spcPts val="0"/>
               </a:spcBef>
@@ -9486,22 +10856,106 @@
   <p:clrMapOvr>
     <a:masterClrMapping/>
   </p:clrMapOvr>
+  <p:transition>
+    <p:fade/>
+  </p:transition>
 </p:sld>
 </file>
 
-<file path=ppt/slides/slide6.xml><?xml version="1.0" encoding="utf-8"?>
-<p:sld xmlns:a="http://schemas.openxmlformats.org/drawingml/2006/main" xmlns:r="http://schemas.openxmlformats.org/officeDocument/2006/relationships" xmlns:mc="http://schemas.openxmlformats.org/markup-compatibility/2006" xmlns:mv="urn:schemas-microsoft-com:mac:vml" xmlns:p="http://schemas.openxmlformats.org/presentationml/2006/main" xmlns:c="http://schemas.openxmlformats.org/drawingml/2006/chart" xmlns:dgm="http://schemas.openxmlformats.org/drawingml/2006/diagram" xmlns:o="urn:schemas-microsoft-com:office:office" xmlns:v="urn:schemas-microsoft-com:vml" xmlns:pvml="urn:schemas-microsoft-com:office:powerpoint" xmlns:com="http://schemas.openxmlformats.org/drawingml/2006/compatibility" xmlns:p14="http://schemas.microsoft.com/office/powerpoint/2010/main" xmlns:p15="http://schemas.microsoft.com/office/powerpoint/2012/main" xmlns:ahyp="http://schemas.microsoft.com/office/drawing/2018/hyperlinkcolor">
+<file path=ppt/slides/slide8.xml><?xml version="1.0" encoding="utf-8"?>
+<p:sld xmlns:a="http://schemas.openxmlformats.org/drawingml/2006/main" xmlns:r="http://schemas.openxmlformats.org/officeDocument/2006/relationships" xmlns:p="http://schemas.openxmlformats.org/presentationml/2006/main">
+  <p:cSld>
+    <p:spTree>
+      <p:nvGrpSpPr>
+        <p:cNvPr id="1" name=""/>
+        <p:cNvGrpSpPr/>
+        <p:nvPr/>
+      </p:nvGrpSpPr>
+      <p:grpSpPr>
+        <a:xfrm>
+          <a:off x="0" y="0"/>
+          <a:ext cx="0" cy="0"/>
+          <a:chOff x="0" y="0"/>
+          <a:chExt cx="0" cy="0"/>
+        </a:xfrm>
+      </p:grpSpPr>
+      <p:sp>
+        <p:nvSpPr>
+          <p:cNvPr id="3" name="Text Placeholder 2">
+            <a:extLst>
+              <a:ext uri="{FF2B5EF4-FFF2-40B4-BE49-F238E27FC236}">
+                <a16:creationId xmlns:a16="http://schemas.microsoft.com/office/drawing/2014/main" id="{E9139338-3D8D-D127-0FA7-34CE0E1E06FA}"/>
+              </a:ext>
+            </a:extLst>
+          </p:cNvPr>
+          <p:cNvSpPr>
+            <a:spLocks noGrp="1"/>
+          </p:cNvSpPr>
+          <p:nvPr>
+            <p:ph type="body" idx="1"/>
+          </p:nvPr>
+        </p:nvSpPr>
+        <p:spPr>
+          <a:xfrm>
+            <a:off x="170645" y="1880132"/>
+            <a:ext cx="8802710" cy="3416400"/>
+          </a:xfrm>
+        </p:spPr>
+        <p:txBody>
+          <a:bodyPr>
+            <a:normAutofit/>
+          </a:bodyPr>
+          <a:lstStyle/>
+          <a:p>
+            <a:pPr marL="114300" indent="0">
+              <a:buNone/>
+            </a:pPr>
+            <a:r>
+              <a:rPr lang="en" sz="6000" dirty="0">
+                <a:solidFill>
+                  <a:schemeClr val="tx1"/>
+                </a:solidFill>
+              </a:rPr>
+              <a:t>Features | Delivery Person</a:t>
+            </a:r>
+            <a:endParaRPr lang="en-US" sz="6000" dirty="0">
+              <a:solidFill>
+                <a:schemeClr val="tx1"/>
+              </a:solidFill>
+            </a:endParaRPr>
+          </a:p>
+        </p:txBody>
+      </p:sp>
+    </p:spTree>
+    <p:extLst>
+      <p:ext uri="{BB962C8B-B14F-4D97-AF65-F5344CB8AC3E}">
+        <p14:creationId xmlns:p14="http://schemas.microsoft.com/office/powerpoint/2010/main" val="479622440"/>
+      </p:ext>
+    </p:extLst>
+  </p:cSld>
+  <p:clrMapOvr>
+    <a:masterClrMapping/>
+  </p:clrMapOvr>
+  <p:transition>
+    <p:fade/>
+  </p:transition>
+</p:sld>
+</file>
+
+<file path=ppt/slides/slide9.xml><?xml version="1.0" encoding="utf-8"?>
+<p:sld xmlns:a="http://schemas.openxmlformats.org/drawingml/2006/main" xmlns:r="http://schemas.openxmlformats.org/officeDocument/2006/relationships" xmlns:p="http://schemas.openxmlformats.org/presentationml/2006/main">
   <p:cSld>
     <p:bg>
       <p:bgPr>
         <a:solidFill>
           <a:schemeClr val="dk1"/>
         </a:solidFill>
+        <a:effectLst/>
       </p:bgPr>
     </p:bg>
     <p:spTree>
       <p:nvGrpSpPr>
-        <p:cNvPr id="131" name="Shape 131"/>
+        <p:cNvPr id="1" name="Shape 131"/>
         <p:cNvGrpSpPr/>
         <p:nvPr/>
       </p:nvGrpSpPr>
@@ -9516,7 +10970,9 @@
       <p:sp>
         <p:nvSpPr>
           <p:cNvPr id="132" name="Google Shape;132;p18"/>
-          <p:cNvSpPr txBox="1"/>
+          <p:cNvSpPr txBox="1">
+            <a:spLocks noGrp="1"/>
+          </p:cNvSpPr>
           <p:nvPr>
             <p:ph type="title"/>
           </p:nvPr>
@@ -9531,12 +10987,12 @@
           </a:prstGeom>
         </p:spPr>
         <p:txBody>
-          <a:bodyPr anchorCtr="0" anchor="t" bIns="91425" lIns="91425" spcFirstLastPara="1" rIns="91425" wrap="square" tIns="91425">
+          <a:bodyPr spcFirstLastPara="1" wrap="square" lIns="91425" tIns="91425" rIns="91425" bIns="91425" anchor="t" anchorCtr="0">
             <a:normAutofit fontScale="90000"/>
           </a:bodyPr>
           <a:lstStyle/>
           <a:p>
-            <a:pPr indent="0" lvl="0" marL="0" rtl="0" algn="l">
+            <a:pPr marL="0" lvl="0" indent="0" algn="l" rtl="0">
               <a:spcBef>
                 <a:spcPts val="0"/>
               </a:spcBef>
@@ -9564,9 +11020,11 @@
       <p:sp>
         <p:nvSpPr>
           <p:cNvPr id="133" name="Google Shape;133;p18"/>
-          <p:cNvSpPr txBox="1"/>
+          <p:cNvSpPr txBox="1">
+            <a:spLocks noGrp="1"/>
+          </p:cNvSpPr>
           <p:nvPr>
-            <p:ph idx="1" type="body"/>
+            <p:ph type="body" idx="1"/>
           </p:nvPr>
         </p:nvSpPr>
         <p:spPr>
@@ -9579,12 +11037,12 @@
           </a:prstGeom>
         </p:spPr>
         <p:txBody>
-          <a:bodyPr anchorCtr="0" anchor="t" bIns="91425" lIns="91425" spcFirstLastPara="1" rIns="91425" wrap="square" tIns="91425">
+          <a:bodyPr spcFirstLastPara="1" wrap="square" lIns="91425" tIns="91425" rIns="91425" bIns="91425" anchor="t" anchorCtr="0">
             <a:normAutofit/>
           </a:bodyPr>
           <a:lstStyle/>
           <a:p>
-            <a:pPr indent="-342900" lvl="0" marL="457200" rtl="0" algn="l">
+            <a:pPr marL="457200" lvl="0" indent="-342900" algn="l" rtl="0">
               <a:spcBef>
                 <a:spcPts val="0"/>
               </a:spcBef>
@@ -9612,7 +11070,7 @@
             </a:endParaRPr>
           </a:p>
           <a:p>
-            <a:pPr indent="-342900" lvl="0" marL="457200" rtl="0" algn="l">
+            <a:pPr marL="457200" lvl="0" indent="-342900" algn="l" rtl="0">
               <a:spcBef>
                 <a:spcPts val="0"/>
               </a:spcBef>
@@ -9631,15 +11089,7 @@
                   <a:schemeClr val="lt1"/>
                 </a:solidFill>
               </a:rPr>
-              <a:t>Can deliver orders from multiple </a:t>
-            </a:r>
-            <a:r>
-              <a:rPr lang="en">
-                <a:solidFill>
-                  <a:schemeClr val="lt1"/>
-                </a:solidFill>
-              </a:rPr>
-              <a:t>restaurants at the same time</a:t>
+              <a:t>Can deliver orders from multiple restaurants at the same time</a:t>
             </a:r>
             <a:endParaRPr>
               <a:solidFill>
@@ -9648,7 +11098,7 @@
             </a:endParaRPr>
           </a:p>
           <a:p>
-            <a:pPr indent="-342900" lvl="0" marL="457200" rtl="0" algn="l">
+            <a:pPr marL="457200" lvl="0" indent="-342900" algn="l" rtl="0">
               <a:spcBef>
                 <a:spcPts val="0"/>
               </a:spcBef>
@@ -9676,7 +11126,7 @@
             </a:endParaRPr>
           </a:p>
           <a:p>
-            <a:pPr indent="-342900" lvl="0" marL="457200" rtl="0" algn="l">
+            <a:pPr marL="457200" lvl="0" indent="-342900" algn="l" rtl="0">
               <a:spcBef>
                 <a:spcPts val="0"/>
               </a:spcBef>
@@ -9710,1122 +11160,14 @@
   <p:clrMapOvr>
     <a:masterClrMapping/>
   </p:clrMapOvr>
-</p:sld>
-</file>
-
-<file path=ppt/slides/slide7.xml><?xml version="1.0" encoding="utf-8"?>
-<p:sld xmlns:a="http://schemas.openxmlformats.org/drawingml/2006/main" xmlns:r="http://schemas.openxmlformats.org/officeDocument/2006/relationships" xmlns:mc="http://schemas.openxmlformats.org/markup-compatibility/2006" xmlns:mv="urn:schemas-microsoft-com:mac:vml" xmlns:p="http://schemas.openxmlformats.org/presentationml/2006/main" xmlns:c="http://schemas.openxmlformats.org/drawingml/2006/chart" xmlns:dgm="http://schemas.openxmlformats.org/drawingml/2006/diagram" xmlns:o="urn:schemas-microsoft-com:office:office" xmlns:v="urn:schemas-microsoft-com:vml" xmlns:pvml="urn:schemas-microsoft-com:office:powerpoint" xmlns:com="http://schemas.openxmlformats.org/drawingml/2006/compatibility" xmlns:p14="http://schemas.microsoft.com/office/powerpoint/2010/main" xmlns:p15="http://schemas.microsoft.com/office/powerpoint/2012/main" xmlns:ahyp="http://schemas.microsoft.com/office/drawing/2018/hyperlinkcolor">
-  <p:cSld>
-    <p:bg>
-      <p:bgPr>
-        <a:solidFill>
-          <a:schemeClr val="dk1"/>
-        </a:solidFill>
-      </p:bgPr>
-    </p:bg>
-    <p:spTree>
-      <p:nvGrpSpPr>
-        <p:cNvPr id="137" name="Shape 137"/>
-        <p:cNvGrpSpPr/>
-        <p:nvPr/>
-      </p:nvGrpSpPr>
-      <p:grpSpPr>
-        <a:xfrm>
-          <a:off x="0" y="0"/>
-          <a:ext cx="0" cy="0"/>
-          <a:chOff x="0" y="0"/>
-          <a:chExt cx="0" cy="0"/>
-        </a:xfrm>
-      </p:grpSpPr>
-      <p:sp>
-        <p:nvSpPr>
-          <p:cNvPr id="138" name="Google Shape;138;p19"/>
-          <p:cNvSpPr txBox="1"/>
-          <p:nvPr>
-            <p:ph type="title"/>
-          </p:nvPr>
-        </p:nvSpPr>
-        <p:spPr>
-          <a:xfrm>
-            <a:off x="311700" y="445025"/>
-            <a:ext cx="8520600" cy="572700"/>
-          </a:xfrm>
-          <a:prstGeom prst="rect">
-            <a:avLst/>
-          </a:prstGeom>
-        </p:spPr>
-        <p:txBody>
-          <a:bodyPr anchorCtr="0" anchor="t" bIns="91425" lIns="91425" spcFirstLastPara="1" rIns="91425" wrap="square" tIns="91425">
-            <a:normAutofit fontScale="90000"/>
-          </a:bodyPr>
-          <a:lstStyle/>
-          <a:p>
-            <a:pPr indent="0" lvl="0" marL="0" rtl="0" algn="l">
-              <a:spcBef>
-                <a:spcPts val="0"/>
-              </a:spcBef>
-              <a:spcAft>
-                <a:spcPts val="0"/>
-              </a:spcAft>
-              <a:buNone/>
-            </a:pPr>
-            <a:r>
-              <a:rPr lang="en">
-                <a:solidFill>
-                  <a:schemeClr val="lt1"/>
-                </a:solidFill>
-              </a:rPr>
-              <a:t>Payment Options</a:t>
-            </a:r>
-            <a:endParaRPr>
-              <a:solidFill>
-                <a:schemeClr val="lt1"/>
-              </a:solidFill>
-            </a:endParaRPr>
-          </a:p>
-        </p:txBody>
-      </p:sp>
-      <p:grpSp>
-        <p:nvGrpSpPr>
-          <p:cNvPr id="139" name="Google Shape;139;p19"/>
-          <p:cNvGrpSpPr/>
-          <p:nvPr/>
-        </p:nvGrpSpPr>
-        <p:grpSpPr>
-          <a:xfrm>
-            <a:off x="669173" y="1986800"/>
-            <a:ext cx="2606465" cy="1289700"/>
-            <a:chOff x="669173" y="1986800"/>
-            <a:chExt cx="2606465" cy="1289700"/>
-          </a:xfrm>
-        </p:grpSpPr>
-        <p:sp>
-          <p:nvSpPr>
-            <p:cNvPr id="140" name="Google Shape;140;p19"/>
-            <p:cNvSpPr txBox="1"/>
-            <p:nvPr/>
-          </p:nvSpPr>
-          <p:spPr>
-            <a:xfrm>
-              <a:off x="669173" y="1986800"/>
-              <a:ext cx="1778400" cy="1289700"/>
-            </a:xfrm>
-            <a:prstGeom prst="rect">
-              <a:avLst/>
-            </a:prstGeom>
-            <a:noFill/>
-            <a:ln>
-              <a:noFill/>
-            </a:ln>
-          </p:spPr>
-          <p:txBody>
-            <a:bodyPr anchorCtr="0" anchor="ctr" bIns="91425" lIns="91425" spcFirstLastPara="1" rIns="91425" wrap="square" tIns="91425">
-              <a:noAutofit/>
-            </a:bodyPr>
-            <a:lstStyle/>
-            <a:p>
-              <a:pPr indent="0" lvl="0" marL="0" rtl="0" algn="r">
-                <a:spcBef>
-                  <a:spcPts val="0"/>
-                </a:spcBef>
-                <a:spcAft>
-                  <a:spcPts val="0"/>
-                </a:spcAft>
-                <a:buNone/>
-              </a:pPr>
-              <a:r>
-                <a:rPr b="1" lang="en" sz="1800">
-                  <a:latin typeface="Roboto"/>
-                  <a:ea typeface="Roboto"/>
-                  <a:cs typeface="Roboto"/>
-                  <a:sym typeface="Roboto"/>
-                </a:rPr>
-                <a:t>Cash On Delivery</a:t>
-              </a:r>
-              <a:endParaRPr b="1" sz="1800">
-                <a:latin typeface="Roboto"/>
-                <a:ea typeface="Roboto"/>
-                <a:cs typeface="Roboto"/>
-                <a:sym typeface="Roboto"/>
-              </a:endParaRPr>
-            </a:p>
-          </p:txBody>
-        </p:sp>
-        <p:cxnSp>
-          <p:nvCxnSpPr>
-            <p:cNvPr id="141" name="Google Shape;141;p19"/>
-            <p:cNvCxnSpPr/>
-            <p:nvPr/>
-          </p:nvCxnSpPr>
-          <p:spPr>
-            <a:xfrm rot="10800000">
-              <a:off x="2642038" y="2647950"/>
-              <a:ext cx="633600" cy="0"/>
-            </a:xfrm>
-            <a:prstGeom prst="straightConnector1">
-              <a:avLst/>
-            </a:prstGeom>
-            <a:noFill/>
-            <a:ln cap="flat" cmpd="sng" w="9525">
-              <a:solidFill>
-                <a:srgbClr val="505050"/>
-              </a:solidFill>
-              <a:prstDash val="solid"/>
-              <a:round/>
-              <a:headEnd len="sm" w="sm" type="none"/>
-              <a:tailEnd len="med" w="med" type="oval"/>
-            </a:ln>
-          </p:spPr>
-        </p:cxnSp>
-      </p:grpSp>
-      <p:grpSp>
-        <p:nvGrpSpPr>
-          <p:cNvPr id="142" name="Google Shape;142;p19"/>
-          <p:cNvGrpSpPr/>
-          <p:nvPr/>
-        </p:nvGrpSpPr>
-        <p:grpSpPr>
-          <a:xfrm>
-            <a:off x="5209838" y="1060350"/>
-            <a:ext cx="3017259" cy="1289700"/>
-            <a:chOff x="5209838" y="1060350"/>
-            <a:chExt cx="3017259" cy="1289700"/>
-          </a:xfrm>
-        </p:grpSpPr>
-        <p:sp>
-          <p:nvSpPr>
-            <p:cNvPr id="143" name="Google Shape;143;p19"/>
-            <p:cNvSpPr txBox="1"/>
-            <p:nvPr/>
-          </p:nvSpPr>
-          <p:spPr>
-            <a:xfrm>
-              <a:off x="6696497" y="1060350"/>
-              <a:ext cx="1530600" cy="1289700"/>
-            </a:xfrm>
-            <a:prstGeom prst="rect">
-              <a:avLst/>
-            </a:prstGeom>
-            <a:noFill/>
-            <a:ln>
-              <a:noFill/>
-            </a:ln>
-          </p:spPr>
-          <p:txBody>
-            <a:bodyPr anchorCtr="0" anchor="ctr" bIns="91425" lIns="91425" spcFirstLastPara="1" rIns="91425" wrap="square" tIns="91425">
-              <a:noAutofit/>
-            </a:bodyPr>
-            <a:lstStyle/>
-            <a:p>
-              <a:pPr indent="0" lvl="0" marL="0" rtl="0" algn="l">
-                <a:spcBef>
-                  <a:spcPts val="0"/>
-                </a:spcBef>
-                <a:spcAft>
-                  <a:spcPts val="0"/>
-                </a:spcAft>
-                <a:buNone/>
-              </a:pPr>
-              <a:r>
-                <a:rPr b="1" lang="en" sz="1800">
-                  <a:latin typeface="Roboto"/>
-                  <a:ea typeface="Roboto"/>
-                  <a:cs typeface="Roboto"/>
-                  <a:sym typeface="Roboto"/>
-                </a:rPr>
-                <a:t>Mobile Banking</a:t>
-              </a:r>
-              <a:endParaRPr b="1" sz="1800">
-                <a:latin typeface="Roboto"/>
-                <a:ea typeface="Roboto"/>
-                <a:cs typeface="Roboto"/>
-                <a:sym typeface="Roboto"/>
-              </a:endParaRPr>
-            </a:p>
-          </p:txBody>
-        </p:sp>
-        <p:cxnSp>
-          <p:nvCxnSpPr>
-            <p:cNvPr id="144" name="Google Shape;144;p19"/>
-            <p:cNvCxnSpPr/>
-            <p:nvPr/>
-          </p:nvCxnSpPr>
-          <p:spPr>
-            <a:xfrm>
-              <a:off x="5209838" y="1705200"/>
-              <a:ext cx="1286700" cy="0"/>
-            </a:xfrm>
-            <a:prstGeom prst="straightConnector1">
-              <a:avLst/>
-            </a:prstGeom>
-            <a:noFill/>
-            <a:ln cap="flat" cmpd="sng" w="9525">
-              <a:solidFill>
-                <a:srgbClr val="2F2F2F"/>
-              </a:solidFill>
-              <a:prstDash val="solid"/>
-              <a:round/>
-              <a:headEnd len="sm" w="sm" type="none"/>
-              <a:tailEnd len="med" w="med" type="oval"/>
-            </a:ln>
-          </p:spPr>
-        </p:cxnSp>
-      </p:grpSp>
-      <p:grpSp>
-        <p:nvGrpSpPr>
-          <p:cNvPr id="145" name="Google Shape;145;p19"/>
-          <p:cNvGrpSpPr/>
-          <p:nvPr/>
-        </p:nvGrpSpPr>
-        <p:grpSpPr>
-          <a:xfrm>
-            <a:off x="5209838" y="3020450"/>
-            <a:ext cx="3610650" cy="1289700"/>
-            <a:chOff x="5209838" y="3020450"/>
-            <a:chExt cx="3610650" cy="1289700"/>
-          </a:xfrm>
-        </p:grpSpPr>
-        <p:sp>
-          <p:nvSpPr>
-            <p:cNvPr id="146" name="Google Shape;146;p19"/>
-            <p:cNvSpPr txBox="1"/>
-            <p:nvPr/>
-          </p:nvSpPr>
-          <p:spPr>
-            <a:xfrm>
-              <a:off x="6696488" y="3020450"/>
-              <a:ext cx="2124000" cy="1289700"/>
-            </a:xfrm>
-            <a:prstGeom prst="rect">
-              <a:avLst/>
-            </a:prstGeom>
-            <a:noFill/>
-            <a:ln>
-              <a:noFill/>
-            </a:ln>
-          </p:spPr>
-          <p:txBody>
-            <a:bodyPr anchorCtr="0" anchor="ctr" bIns="91425" lIns="91425" spcFirstLastPara="1" rIns="91425" wrap="square" tIns="91425">
-              <a:noAutofit/>
-            </a:bodyPr>
-            <a:lstStyle/>
-            <a:p>
-              <a:pPr indent="0" lvl="0" marL="0" rtl="0" algn="l">
-                <a:spcBef>
-                  <a:spcPts val="0"/>
-                </a:spcBef>
-                <a:spcAft>
-                  <a:spcPts val="0"/>
-                </a:spcAft>
-                <a:buNone/>
-              </a:pPr>
-              <a:r>
-                <a:rPr b="1" lang="en" sz="1800">
-                  <a:latin typeface="Roboto"/>
-                  <a:ea typeface="Roboto"/>
-                  <a:cs typeface="Roboto"/>
-                  <a:sym typeface="Roboto"/>
-                </a:rPr>
-                <a:t>Card</a:t>
-              </a:r>
-              <a:endParaRPr b="1" sz="1800">
-                <a:latin typeface="Roboto"/>
-                <a:ea typeface="Roboto"/>
-                <a:cs typeface="Roboto"/>
-                <a:sym typeface="Roboto"/>
-              </a:endParaRPr>
-            </a:p>
-          </p:txBody>
-        </p:sp>
-        <p:cxnSp>
-          <p:nvCxnSpPr>
-            <p:cNvPr id="147" name="Google Shape;147;p19"/>
-            <p:cNvCxnSpPr/>
-            <p:nvPr/>
-          </p:nvCxnSpPr>
-          <p:spPr>
-            <a:xfrm>
-              <a:off x="5209838" y="3648300"/>
-              <a:ext cx="1286700" cy="0"/>
-            </a:xfrm>
-            <a:prstGeom prst="straightConnector1">
-              <a:avLst/>
-            </a:prstGeom>
-            <a:noFill/>
-            <a:ln cap="flat" cmpd="sng" w="9525">
-              <a:solidFill>
-                <a:srgbClr val="414141"/>
-              </a:solidFill>
-              <a:prstDash val="solid"/>
-              <a:round/>
-              <a:headEnd len="sm" w="sm" type="none"/>
-              <a:tailEnd len="med" w="med" type="oval"/>
-            </a:ln>
-          </p:spPr>
-        </p:cxnSp>
-      </p:grpSp>
-      <p:grpSp>
-        <p:nvGrpSpPr>
-          <p:cNvPr id="148" name="Google Shape;148;p19"/>
-          <p:cNvGrpSpPr/>
-          <p:nvPr/>
-        </p:nvGrpSpPr>
-        <p:grpSpPr>
-          <a:xfrm>
-            <a:off x="2662213" y="728463"/>
-            <a:ext cx="3814835" cy="3790597"/>
-            <a:chOff x="2662213" y="676344"/>
-            <a:chExt cx="3814835" cy="3790597"/>
-          </a:xfrm>
-        </p:grpSpPr>
-        <p:sp>
-          <p:nvSpPr>
-            <p:cNvPr id="149" name="Google Shape;149;p19"/>
-            <p:cNvSpPr/>
-            <p:nvPr/>
-          </p:nvSpPr>
-          <p:spPr>
-            <a:xfrm rot="3600185">
-              <a:off x="3169983" y="1184511"/>
-              <a:ext cx="2774659" cy="2774659"/>
-            </a:xfrm>
-            <a:prstGeom prst="blockArc">
-              <a:avLst>
-                <a:gd fmla="val 12622480" name="adj1"/>
-                <a:gd fmla="val 19781569" name="adj2"/>
-                <a:gd fmla="val 20773" name="adj3"/>
-              </a:avLst>
-            </a:prstGeom>
-            <a:solidFill>
-              <a:srgbClr val="2F2F2F"/>
-            </a:solidFill>
-            <a:ln>
-              <a:noFill/>
-            </a:ln>
-          </p:spPr>
-          <p:txBody>
-            <a:bodyPr anchorCtr="0" anchor="ctr" bIns="91425" lIns="91425" spcFirstLastPara="1" rIns="91425" wrap="square" tIns="91425">
-              <a:noAutofit/>
-            </a:bodyPr>
-            <a:lstStyle/>
-            <a:p>
-              <a:pPr indent="0" lvl="0" marL="0" rtl="0" algn="l">
-                <a:spcBef>
-                  <a:spcPts val="0"/>
-                </a:spcBef>
-                <a:spcAft>
-                  <a:spcPts val="0"/>
-                </a:spcAft>
-                <a:buNone/>
-              </a:pPr>
-              <a:r>
-                <a:t/>
-              </a:r>
-              <a:endParaRPr/>
-            </a:p>
-          </p:txBody>
-        </p:sp>
-        <p:sp>
-          <p:nvSpPr>
-            <p:cNvPr id="150" name="Google Shape;150;p19"/>
-            <p:cNvSpPr/>
-            <p:nvPr/>
-          </p:nvSpPr>
-          <p:spPr>
-            <a:xfrm rot="10800000">
-              <a:off x="3183490" y="1163229"/>
-              <a:ext cx="2774700" cy="2774700"/>
-            </a:xfrm>
-            <a:prstGeom prst="blockArc">
-              <a:avLst>
-                <a:gd fmla="val 12622480" name="adj1"/>
-                <a:gd fmla="val 19662822" name="adj2"/>
-                <a:gd fmla="val 20729" name="adj3"/>
-              </a:avLst>
-            </a:prstGeom>
-            <a:solidFill>
-              <a:srgbClr val="414141"/>
-            </a:solidFill>
-            <a:ln>
-              <a:noFill/>
-            </a:ln>
-          </p:spPr>
-          <p:txBody>
-            <a:bodyPr anchorCtr="0" anchor="ctr" bIns="91425" lIns="91425" spcFirstLastPara="1" rIns="91425" wrap="square" tIns="91425">
-              <a:noAutofit/>
-            </a:bodyPr>
-            <a:lstStyle/>
-            <a:p>
-              <a:pPr indent="0" lvl="0" marL="0" rtl="0" algn="l">
-                <a:spcBef>
-                  <a:spcPts val="0"/>
-                </a:spcBef>
-                <a:spcAft>
-                  <a:spcPts val="0"/>
-                </a:spcAft>
-                <a:buNone/>
-              </a:pPr>
-              <a:r>
-                <a:t/>
-              </a:r>
-              <a:endParaRPr/>
-            </a:p>
-          </p:txBody>
-        </p:sp>
-        <p:sp>
-          <p:nvSpPr>
-            <p:cNvPr id="151" name="Google Shape;151;p19"/>
-            <p:cNvSpPr/>
-            <p:nvPr/>
-          </p:nvSpPr>
-          <p:spPr>
-            <a:xfrm rot="-3600185">
-              <a:off x="3194618" y="1184114"/>
-              <a:ext cx="2774659" cy="2774659"/>
-            </a:xfrm>
-            <a:prstGeom prst="blockArc">
-              <a:avLst>
-                <a:gd fmla="val 12622480" name="adj1"/>
-                <a:gd fmla="val 19703271" name="adj2"/>
-                <a:gd fmla="val 20851" name="adj3"/>
-              </a:avLst>
-            </a:prstGeom>
-            <a:solidFill>
-              <a:srgbClr val="505050"/>
-            </a:solidFill>
-            <a:ln>
-              <a:noFill/>
-            </a:ln>
-          </p:spPr>
-          <p:txBody>
-            <a:bodyPr anchorCtr="0" anchor="ctr" bIns="91425" lIns="91425" spcFirstLastPara="1" rIns="91425" wrap="square" tIns="91425">
-              <a:noAutofit/>
-            </a:bodyPr>
-            <a:lstStyle/>
-            <a:p>
-              <a:pPr indent="0" lvl="0" marL="0" rtl="0" algn="l">
-                <a:spcBef>
-                  <a:spcPts val="0"/>
-                </a:spcBef>
-                <a:spcAft>
-                  <a:spcPts val="0"/>
-                </a:spcAft>
-                <a:buNone/>
-              </a:pPr>
-              <a:r>
-                <a:t/>
-              </a:r>
-              <a:endParaRPr/>
-            </a:p>
-          </p:txBody>
-        </p:sp>
-        <p:grpSp>
-          <p:nvGrpSpPr>
-            <p:cNvPr id="152" name="Google Shape;152;p19"/>
-            <p:cNvGrpSpPr/>
-            <p:nvPr/>
-          </p:nvGrpSpPr>
-          <p:grpSpPr>
-            <a:xfrm rot="-7200165">
-              <a:off x="3337679" y="2826785"/>
-              <a:ext cx="585011" cy="585536"/>
-              <a:chOff x="1967628" y="812211"/>
-              <a:chExt cx="588000" cy="588000"/>
-            </a:xfrm>
-          </p:grpSpPr>
-          <p:sp>
-            <p:nvSpPr>
-              <p:cNvPr id="153" name="Google Shape;153;p19"/>
-              <p:cNvSpPr/>
-              <p:nvPr/>
-            </p:nvSpPr>
-            <p:spPr>
-              <a:xfrm rot="39023">
-                <a:off x="1970909" y="815492"/>
-                <a:ext cx="581437" cy="581437"/>
-              </a:xfrm>
-              <a:prstGeom prst="pie">
-                <a:avLst>
-                  <a:gd fmla="val 6190354" name="adj1"/>
-                  <a:gd fmla="val 14996165" name="adj2"/>
-                </a:avLst>
-              </a:prstGeom>
-              <a:solidFill>
-                <a:srgbClr val="505050"/>
-              </a:solidFill>
-              <a:ln>
-                <a:noFill/>
-              </a:ln>
-              <a:effectLst>
-                <a:outerShdw blurRad="142875" rotWithShape="0" algn="bl">
-                  <a:srgbClr val="000000">
-                    <a:alpha val="43000"/>
-                  </a:srgbClr>
-                </a:outerShdw>
-              </a:effectLst>
-            </p:spPr>
-            <p:txBody>
-              <a:bodyPr anchorCtr="0" anchor="ctr" bIns="91425" lIns="91425" spcFirstLastPara="1" rIns="91425" wrap="square" tIns="91425">
-                <a:noAutofit/>
-              </a:bodyPr>
-              <a:lstStyle/>
-              <a:p>
-                <a:pPr indent="0" lvl="0" marL="0" rtl="0" algn="l">
-                  <a:spcBef>
-                    <a:spcPts val="0"/>
-                  </a:spcBef>
-                  <a:spcAft>
-                    <a:spcPts val="0"/>
-                  </a:spcAft>
-                  <a:buNone/>
-                </a:pPr>
-                <a:r>
-                  <a:t/>
-                </a:r>
-                <a:endParaRPr/>
-              </a:p>
-            </p:txBody>
-          </p:sp>
-          <p:sp>
-            <p:nvSpPr>
-              <p:cNvPr id="154" name="Google Shape;154;p19"/>
-              <p:cNvSpPr/>
-              <p:nvPr/>
-            </p:nvSpPr>
-            <p:spPr>
-              <a:xfrm rot="10800000">
-                <a:off x="1970875" y="815525"/>
-                <a:ext cx="581400" cy="581400"/>
-              </a:xfrm>
-              <a:prstGeom prst="pie">
-                <a:avLst>
-                  <a:gd fmla="val 4028252" name="adj1"/>
-                  <a:gd fmla="val 17183677" name="adj2"/>
-                </a:avLst>
-              </a:prstGeom>
-              <a:solidFill>
-                <a:srgbClr val="505050"/>
-              </a:solidFill>
-              <a:ln>
-                <a:noFill/>
-              </a:ln>
-            </p:spPr>
-            <p:txBody>
-              <a:bodyPr anchorCtr="0" anchor="ctr" bIns="91425" lIns="91425" spcFirstLastPara="1" rIns="91425" wrap="square" tIns="91425">
-                <a:noAutofit/>
-              </a:bodyPr>
-              <a:lstStyle/>
-              <a:p>
-                <a:pPr indent="0" lvl="0" marL="0" rtl="0" algn="l">
-                  <a:spcBef>
-                    <a:spcPts val="0"/>
-                  </a:spcBef>
-                  <a:spcAft>
-                    <a:spcPts val="0"/>
-                  </a:spcAft>
-                  <a:buNone/>
-                </a:pPr>
-                <a:r>
-                  <a:t/>
-                </a:r>
-                <a:endParaRPr/>
-              </a:p>
-            </p:txBody>
-          </p:sp>
-        </p:grpSp>
-        <p:grpSp>
-          <p:nvGrpSpPr>
-            <p:cNvPr id="155" name="Google Shape;155;p19"/>
-            <p:cNvGrpSpPr/>
-            <p:nvPr/>
-          </p:nvGrpSpPr>
-          <p:grpSpPr>
-            <a:xfrm>
-              <a:off x="4264097" y="1180331"/>
-              <a:ext cx="585001" cy="585530"/>
-              <a:chOff x="1970048" y="811613"/>
-              <a:chExt cx="588000" cy="588000"/>
-            </a:xfrm>
-          </p:grpSpPr>
-          <p:sp>
-            <p:nvSpPr>
-              <p:cNvPr id="156" name="Google Shape;156;p19"/>
-              <p:cNvSpPr/>
-              <p:nvPr/>
-            </p:nvSpPr>
-            <p:spPr>
-              <a:xfrm rot="39023">
-                <a:off x="1973329" y="814894"/>
-                <a:ext cx="581437" cy="581437"/>
-              </a:xfrm>
-              <a:prstGeom prst="pie">
-                <a:avLst>
-                  <a:gd fmla="val 6190354" name="adj1"/>
-                  <a:gd fmla="val 14996165" name="adj2"/>
-                </a:avLst>
-              </a:prstGeom>
-              <a:solidFill>
-                <a:srgbClr val="2F2F2F"/>
-              </a:solidFill>
-              <a:ln>
-                <a:noFill/>
-              </a:ln>
-              <a:effectLst>
-                <a:outerShdw blurRad="142875" rotWithShape="0" algn="bl">
-                  <a:srgbClr val="000000">
-                    <a:alpha val="43000"/>
-                  </a:srgbClr>
-                </a:outerShdw>
-              </a:effectLst>
-            </p:spPr>
-            <p:txBody>
-              <a:bodyPr anchorCtr="0" anchor="ctr" bIns="91425" lIns="91425" spcFirstLastPara="1" rIns="91425" wrap="square" tIns="91425">
-                <a:noAutofit/>
-              </a:bodyPr>
-              <a:lstStyle/>
-              <a:p>
-                <a:pPr indent="0" lvl="0" marL="0" rtl="0" algn="l">
-                  <a:spcBef>
-                    <a:spcPts val="0"/>
-                  </a:spcBef>
-                  <a:spcAft>
-                    <a:spcPts val="0"/>
-                  </a:spcAft>
-                  <a:buNone/>
-                </a:pPr>
-                <a:r>
-                  <a:t/>
-                </a:r>
-                <a:endParaRPr/>
-              </a:p>
-            </p:txBody>
-          </p:sp>
-          <p:sp>
-            <p:nvSpPr>
-              <p:cNvPr id="157" name="Google Shape;157;p19"/>
-              <p:cNvSpPr/>
-              <p:nvPr/>
-            </p:nvSpPr>
-            <p:spPr>
-              <a:xfrm rot="10800000">
-                <a:off x="1973295" y="814927"/>
-                <a:ext cx="581400" cy="581400"/>
-              </a:xfrm>
-              <a:prstGeom prst="pie">
-                <a:avLst>
-                  <a:gd fmla="val 4028252" name="adj1"/>
-                  <a:gd fmla="val 17183677" name="adj2"/>
-                </a:avLst>
-              </a:prstGeom>
-              <a:solidFill>
-                <a:srgbClr val="2F2F2F"/>
-              </a:solidFill>
-              <a:ln>
-                <a:noFill/>
-              </a:ln>
-            </p:spPr>
-            <p:txBody>
-              <a:bodyPr anchorCtr="0" anchor="ctr" bIns="91425" lIns="91425" spcFirstLastPara="1" rIns="91425" wrap="square" tIns="91425">
-                <a:noAutofit/>
-              </a:bodyPr>
-              <a:lstStyle/>
-              <a:p>
-                <a:pPr indent="0" lvl="0" marL="0" rtl="0" algn="l">
-                  <a:spcBef>
-                    <a:spcPts val="0"/>
-                  </a:spcBef>
-                  <a:spcAft>
-                    <a:spcPts val="0"/>
-                  </a:spcAft>
-                  <a:buNone/>
-                </a:pPr>
-                <a:r>
-                  <a:t/>
-                </a:r>
-                <a:endParaRPr/>
-              </a:p>
-            </p:txBody>
-          </p:sp>
-        </p:grpSp>
-        <p:grpSp>
-          <p:nvGrpSpPr>
-            <p:cNvPr id="158" name="Google Shape;158;p19"/>
-            <p:cNvGrpSpPr/>
-            <p:nvPr/>
-          </p:nvGrpSpPr>
-          <p:grpSpPr>
-            <a:xfrm rot="7200165">
-              <a:off x="5229930" y="2804716"/>
-              <a:ext cx="585011" cy="585536"/>
-              <a:chOff x="1977085" y="811649"/>
-              <a:chExt cx="588000" cy="588000"/>
-            </a:xfrm>
-          </p:grpSpPr>
-          <p:sp>
-            <p:nvSpPr>
-              <p:cNvPr id="159" name="Google Shape;159;p19"/>
-              <p:cNvSpPr/>
-              <p:nvPr/>
-            </p:nvSpPr>
-            <p:spPr>
-              <a:xfrm rot="39023">
-                <a:off x="1980366" y="814930"/>
-                <a:ext cx="581437" cy="581437"/>
-              </a:xfrm>
-              <a:prstGeom prst="pie">
-                <a:avLst>
-                  <a:gd fmla="val 6190354" name="adj1"/>
-                  <a:gd fmla="val 14996165" name="adj2"/>
-                </a:avLst>
-              </a:prstGeom>
-              <a:solidFill>
-                <a:srgbClr val="414141"/>
-              </a:solidFill>
-              <a:ln>
-                <a:noFill/>
-              </a:ln>
-              <a:effectLst>
-                <a:outerShdw blurRad="142875" rotWithShape="0" algn="bl">
-                  <a:srgbClr val="000000">
-                    <a:alpha val="43000"/>
-                  </a:srgbClr>
-                </a:outerShdw>
-              </a:effectLst>
-            </p:spPr>
-            <p:txBody>
-              <a:bodyPr anchorCtr="0" anchor="ctr" bIns="91425" lIns="91425" spcFirstLastPara="1" rIns="91425" wrap="square" tIns="91425">
-                <a:noAutofit/>
-              </a:bodyPr>
-              <a:lstStyle/>
-              <a:p>
-                <a:pPr indent="0" lvl="0" marL="0" rtl="0" algn="l">
-                  <a:spcBef>
-                    <a:spcPts val="0"/>
-                  </a:spcBef>
-                  <a:spcAft>
-                    <a:spcPts val="0"/>
-                  </a:spcAft>
-                  <a:buNone/>
-                </a:pPr>
-                <a:r>
-                  <a:t/>
-                </a:r>
-                <a:endParaRPr/>
-              </a:p>
-            </p:txBody>
-          </p:sp>
-          <p:sp>
-            <p:nvSpPr>
-              <p:cNvPr id="160" name="Google Shape;160;p19"/>
-              <p:cNvSpPr/>
-              <p:nvPr/>
-            </p:nvSpPr>
-            <p:spPr>
-              <a:xfrm rot="10800000">
-                <a:off x="1980332" y="814963"/>
-                <a:ext cx="581400" cy="581400"/>
-              </a:xfrm>
-              <a:prstGeom prst="pie">
-                <a:avLst>
-                  <a:gd fmla="val 4028252" name="adj1"/>
-                  <a:gd fmla="val 17183677" name="adj2"/>
-                </a:avLst>
-              </a:prstGeom>
-              <a:solidFill>
-                <a:srgbClr val="414141"/>
-              </a:solidFill>
-              <a:ln>
-                <a:noFill/>
-              </a:ln>
-            </p:spPr>
-            <p:txBody>
-              <a:bodyPr anchorCtr="0" anchor="ctr" bIns="91425" lIns="91425" spcFirstLastPara="1" rIns="91425" wrap="square" tIns="91425">
-                <a:noAutofit/>
-              </a:bodyPr>
-              <a:lstStyle/>
-              <a:p>
-                <a:pPr indent="0" lvl="0" marL="0" rtl="0" algn="l">
-                  <a:spcBef>
-                    <a:spcPts val="0"/>
-                  </a:spcBef>
-                  <a:spcAft>
-                    <a:spcPts val="0"/>
-                  </a:spcAft>
-                  <a:buNone/>
-                </a:pPr>
-                <a:r>
-                  <a:t/>
-                </a:r>
-                <a:endParaRPr/>
-              </a:p>
-            </p:txBody>
-          </p:sp>
-        </p:grpSp>
-        <p:sp>
-          <p:nvSpPr>
-            <p:cNvPr id="161" name="Google Shape;161;p19"/>
-            <p:cNvSpPr txBox="1"/>
-            <p:nvPr/>
-          </p:nvSpPr>
-          <p:spPr>
-            <a:xfrm>
-              <a:off x="4334550" y="1255312"/>
-              <a:ext cx="509100" cy="267000"/>
-            </a:xfrm>
-            <a:prstGeom prst="rect">
-              <a:avLst/>
-            </a:prstGeom>
-            <a:noFill/>
-            <a:ln>
-              <a:noFill/>
-            </a:ln>
-          </p:spPr>
-          <p:txBody>
-            <a:bodyPr anchorCtr="0" anchor="t" bIns="91425" lIns="91425" spcFirstLastPara="1" rIns="91425" wrap="square" tIns="91425">
-              <a:noAutofit/>
-            </a:bodyPr>
-            <a:lstStyle/>
-            <a:p>
-              <a:pPr indent="0" lvl="0" marL="0" rtl="0" algn="ctr">
-                <a:spcBef>
-                  <a:spcPts val="0"/>
-                </a:spcBef>
-                <a:spcAft>
-                  <a:spcPts val="0"/>
-                </a:spcAft>
-                <a:buNone/>
-              </a:pPr>
-              <a:r>
-                <a:rPr b="1" lang="en" sz="1600">
-                  <a:solidFill>
-                    <a:srgbClr val="FFFFFF"/>
-                  </a:solidFill>
-                  <a:latin typeface="Roboto"/>
-                  <a:ea typeface="Roboto"/>
-                  <a:cs typeface="Roboto"/>
-                  <a:sym typeface="Roboto"/>
-                </a:rPr>
-                <a:t>03 </a:t>
-              </a:r>
-              <a:endParaRPr b="1" sz="1600">
-                <a:solidFill>
-                  <a:srgbClr val="FFFFFF"/>
-                </a:solidFill>
-                <a:latin typeface="Roboto"/>
-                <a:ea typeface="Roboto"/>
-                <a:cs typeface="Roboto"/>
-                <a:sym typeface="Roboto"/>
-              </a:endParaRPr>
-            </a:p>
-          </p:txBody>
-        </p:sp>
-        <p:sp>
-          <p:nvSpPr>
-            <p:cNvPr id="162" name="Google Shape;162;p19"/>
-            <p:cNvSpPr txBox="1"/>
-            <p:nvPr/>
-          </p:nvSpPr>
-          <p:spPr>
-            <a:xfrm>
-              <a:off x="3375648" y="2887440"/>
-              <a:ext cx="509100" cy="267000"/>
-            </a:xfrm>
-            <a:prstGeom prst="rect">
-              <a:avLst/>
-            </a:prstGeom>
-            <a:noFill/>
-            <a:ln>
-              <a:noFill/>
-            </a:ln>
-          </p:spPr>
-          <p:txBody>
-            <a:bodyPr anchorCtr="0" anchor="t" bIns="91425" lIns="91425" spcFirstLastPara="1" rIns="91425" wrap="square" tIns="91425">
-              <a:noAutofit/>
-            </a:bodyPr>
-            <a:lstStyle/>
-            <a:p>
-              <a:pPr indent="0" lvl="0" marL="0" rtl="0" algn="ctr">
-                <a:spcBef>
-                  <a:spcPts val="0"/>
-                </a:spcBef>
-                <a:spcAft>
-                  <a:spcPts val="0"/>
-                </a:spcAft>
-                <a:buNone/>
-              </a:pPr>
-              <a:r>
-                <a:rPr b="1" lang="en" sz="1600">
-                  <a:solidFill>
-                    <a:srgbClr val="FFFFFF"/>
-                  </a:solidFill>
-                  <a:latin typeface="Roboto"/>
-                  <a:ea typeface="Roboto"/>
-                  <a:cs typeface="Roboto"/>
-                  <a:sym typeface="Roboto"/>
-                </a:rPr>
-                <a:t>01 </a:t>
-              </a:r>
-              <a:endParaRPr b="1" sz="1600">
-                <a:solidFill>
-                  <a:srgbClr val="FFFFFF"/>
-                </a:solidFill>
-                <a:latin typeface="Roboto"/>
-                <a:ea typeface="Roboto"/>
-                <a:cs typeface="Roboto"/>
-                <a:sym typeface="Roboto"/>
-              </a:endParaRPr>
-            </a:p>
-          </p:txBody>
-        </p:sp>
-        <p:sp>
-          <p:nvSpPr>
-            <p:cNvPr id="163" name="Google Shape;163;p19"/>
-            <p:cNvSpPr txBox="1"/>
-            <p:nvPr/>
-          </p:nvSpPr>
-          <p:spPr>
-            <a:xfrm>
-              <a:off x="5281877" y="2857865"/>
-              <a:ext cx="509100" cy="267000"/>
-            </a:xfrm>
-            <a:prstGeom prst="rect">
-              <a:avLst/>
-            </a:prstGeom>
-            <a:noFill/>
-            <a:ln>
-              <a:noFill/>
-            </a:ln>
-          </p:spPr>
-          <p:txBody>
-            <a:bodyPr anchorCtr="0" anchor="t" bIns="91425" lIns="91425" spcFirstLastPara="1" rIns="91425" wrap="square" tIns="91425">
-              <a:noAutofit/>
-            </a:bodyPr>
-            <a:lstStyle/>
-            <a:p>
-              <a:pPr indent="0" lvl="0" marL="0" rtl="0" algn="ctr">
-                <a:spcBef>
-                  <a:spcPts val="0"/>
-                </a:spcBef>
-                <a:spcAft>
-                  <a:spcPts val="0"/>
-                </a:spcAft>
-                <a:buNone/>
-              </a:pPr>
-              <a:r>
-                <a:rPr b="1" lang="en" sz="1600">
-                  <a:solidFill>
-                    <a:srgbClr val="FFFFFF"/>
-                  </a:solidFill>
-                  <a:latin typeface="Roboto"/>
-                  <a:ea typeface="Roboto"/>
-                  <a:cs typeface="Roboto"/>
-                  <a:sym typeface="Roboto"/>
-                </a:rPr>
-                <a:t>02 </a:t>
-              </a:r>
-              <a:endParaRPr b="1" sz="1600">
-                <a:solidFill>
-                  <a:srgbClr val="FFFFFF"/>
-                </a:solidFill>
-                <a:latin typeface="Roboto"/>
-                <a:ea typeface="Roboto"/>
-                <a:cs typeface="Roboto"/>
-                <a:sym typeface="Roboto"/>
-              </a:endParaRPr>
-            </a:p>
-          </p:txBody>
-        </p:sp>
-      </p:grpSp>
-    </p:spTree>
-  </p:cSld>
-  <p:clrMapOvr>
-    <a:masterClrMapping/>
-  </p:clrMapOvr>
-</p:sld>
-</file>
-
-<file path=ppt/slides/slide8.xml><?xml version="1.0" encoding="utf-8"?>
-<p:sld xmlns:a="http://schemas.openxmlformats.org/drawingml/2006/main" xmlns:r="http://schemas.openxmlformats.org/officeDocument/2006/relationships" xmlns:mc="http://schemas.openxmlformats.org/markup-compatibility/2006" xmlns:mv="urn:schemas-microsoft-com:mac:vml" xmlns:p="http://schemas.openxmlformats.org/presentationml/2006/main" xmlns:c="http://schemas.openxmlformats.org/drawingml/2006/chart" xmlns:dgm="http://schemas.openxmlformats.org/drawingml/2006/diagram" xmlns:o="urn:schemas-microsoft-com:office:office" xmlns:v="urn:schemas-microsoft-com:vml" xmlns:pvml="urn:schemas-microsoft-com:office:powerpoint" xmlns:com="http://schemas.openxmlformats.org/drawingml/2006/compatibility" xmlns:p14="http://schemas.microsoft.com/office/powerpoint/2010/main" xmlns:p15="http://schemas.microsoft.com/office/powerpoint/2012/main" xmlns:ahyp="http://schemas.microsoft.com/office/drawing/2018/hyperlinkcolor">
-  <p:cSld>
-    <p:bg>
-      <p:bgPr>
-        <a:solidFill>
-          <a:schemeClr val="dk1"/>
-        </a:solidFill>
-      </p:bgPr>
-    </p:bg>
-    <p:spTree>
-      <p:nvGrpSpPr>
-        <p:cNvPr id="167" name="Shape 167"/>
-        <p:cNvGrpSpPr/>
-        <p:nvPr/>
-      </p:nvGrpSpPr>
-      <p:grpSpPr>
-        <a:xfrm>
-          <a:off x="0" y="0"/>
-          <a:ext cx="0" cy="0"/>
-          <a:chOff x="0" y="0"/>
-          <a:chExt cx="0" cy="0"/>
-        </a:xfrm>
-      </p:grpSpPr>
-      <p:sp>
-        <p:nvSpPr>
-          <p:cNvPr id="168" name="Google Shape;168;p20"/>
-          <p:cNvSpPr txBox="1"/>
-          <p:nvPr>
-            <p:ph type="title"/>
-          </p:nvPr>
-        </p:nvSpPr>
-        <p:spPr>
-          <a:xfrm>
-            <a:off x="2733450" y="1751100"/>
-            <a:ext cx="3677100" cy="1641300"/>
-          </a:xfrm>
-          <a:prstGeom prst="rect">
-            <a:avLst/>
-          </a:prstGeom>
-        </p:spPr>
-        <p:txBody>
-          <a:bodyPr anchorCtr="0" anchor="t" bIns="91425" lIns="91425" spcFirstLastPara="1" rIns="91425" wrap="square" tIns="91425">
-            <a:noAutofit/>
-          </a:bodyPr>
-          <a:lstStyle/>
-          <a:p>
-            <a:pPr indent="0" lvl="0" marL="0" rtl="0" algn="l">
-              <a:spcBef>
-                <a:spcPts val="0"/>
-              </a:spcBef>
-              <a:spcAft>
-                <a:spcPts val="0"/>
-              </a:spcAft>
-              <a:buNone/>
-            </a:pPr>
-            <a:r>
-              <a:rPr lang="en" sz="7200">
-                <a:solidFill>
-                  <a:schemeClr val="lt1"/>
-                </a:solidFill>
-              </a:rPr>
-              <a:t>Thank You</a:t>
-            </a:r>
-            <a:endParaRPr sz="7200">
-              <a:solidFill>
-                <a:schemeClr val="lt1"/>
-              </a:solidFill>
-            </a:endParaRPr>
-          </a:p>
-        </p:txBody>
-      </p:sp>
-    </p:spTree>
-  </p:cSld>
-  <p:clrMapOvr>
-    <a:masterClrMapping/>
-  </p:clrMapOvr>
+  <p:transition>
+    <p:fade/>
+  </p:transition>
 </p:sld>
 </file>
 
 <file path=ppt/theme/theme1.xml><?xml version="1.0" encoding="utf-8"?>
-<a:theme xmlns:a="http://schemas.openxmlformats.org/drawingml/2006/main" xmlns:r="http://schemas.openxmlformats.org/officeDocument/2006/relationships" name="Slate">
+<a:theme xmlns:a="http://schemas.openxmlformats.org/drawingml/2006/main" name="Slate">
   <a:themeElements>
     <a:clrScheme name="Slate">
       <a:dk1>
@@ -11100,11 +11442,13 @@
       </a:bgFillStyleLst>
     </a:fmtScheme>
   </a:themeElements>
+  <a:objectDefaults/>
+  <a:extraClrSchemeLst/>
 </a:theme>
 </file>
 
 <file path=ppt/theme/theme2.xml><?xml version="1.0" encoding="utf-8"?>
-<a:theme xmlns:a="http://schemas.openxmlformats.org/drawingml/2006/main" xmlns:r="http://schemas.openxmlformats.org/officeDocument/2006/relationships">
+<a:theme xmlns:a="http://schemas.openxmlformats.org/drawingml/2006/main">
   <a:themeElements>
     <a:clrScheme name="Default">
       <a:dk1>
@@ -11379,5 +11723,7 @@
       </a:bgFillStyleLst>
     </a:fmtScheme>
   </a:themeElements>
+  <a:objectDefaults/>
+  <a:extraClrSchemeLst/>
 </a:theme>
 </file>
--- a/Application Design/Scope Fixation.pptx
+++ b/Application Design/Scope Fixation.pptx
@@ -862,7 +862,7 @@
         </p:nvSpPr>
         <p:spPr>
           <a:xfrm>
-            <a:off x="381300" y="685800"/>
+            <a:off x="381000" y="685800"/>
             <a:ext cx="6096000" cy="3429000"/>
           </a:xfrm>
           <a:custGeom>
@@ -8792,7 +8792,7 @@
                 <a:buNone/>
               </a:pPr>
               <a:r>
-                <a:rPr lang="en" sz="1300">
+                <a:rPr lang="en" dirty="0">
                   <a:solidFill>
                     <a:srgbClr val="FFFFFF"/>
                   </a:solidFill>
@@ -8803,7 +8803,7 @@
                 </a:rPr>
                 <a:t>Inclusion of Non-existent Features</a:t>
               </a:r>
-              <a:endParaRPr sz="1300">
+              <a:endParaRPr dirty="0">
                 <a:solidFill>
                   <a:srgbClr val="FFFFFF"/>
                 </a:solidFill>
@@ -8912,7 +8912,7 @@
                 <a:buNone/>
               </a:pPr>
               <a:r>
-                <a:rPr lang="en" sz="1200">
+                <a:rPr lang="en" sz="1100" dirty="0">
                   <a:solidFill>
                     <a:srgbClr val="FFFFFF"/>
                   </a:solidFill>
@@ -8923,7 +8923,7 @@
                 </a:rPr>
                 <a:t>Easy-to-use Platform</a:t>
               </a:r>
-              <a:endParaRPr sz="1200">
+              <a:endParaRPr sz="1100" dirty="0">
                 <a:solidFill>
                   <a:srgbClr val="FFFFFF"/>
                 </a:solidFill>
@@ -9032,7 +9032,7 @@
                 <a:buNone/>
               </a:pPr>
               <a:r>
-                <a:rPr lang="en" sz="1200">
+                <a:rPr lang="en" sz="1200" dirty="0">
                   <a:solidFill>
                     <a:srgbClr val="FFFFFF"/>
                   </a:solidFill>
@@ -9041,9 +9041,9 @@
                   <a:cs typeface="Roboto"/>
                   <a:sym typeface="Roboto"/>
                 </a:rPr>
-                <a:t>Trusted Platform</a:t>
+                <a:t>More Flexibility</a:t>
               </a:r>
-              <a:endParaRPr sz="1200">
+              <a:endParaRPr sz="1200" dirty="0">
                 <a:solidFill>
                   <a:srgbClr val="FFFFFF"/>
                 </a:solidFill>
@@ -10515,13 +10515,13 @@
   <p:clrMapOvr>
     <a:masterClrMapping/>
   </p:clrMapOvr>
-  <mc:AlternateContent xmlns:mc="http://schemas.openxmlformats.org/markup-compatibility/2006">
-    <mc:Choice xmlns:p14="http://schemas.microsoft.com/office/powerpoint/2010/main" Requires="p14">
+  <mc:AlternateContent xmlns:mc="http://schemas.openxmlformats.org/markup-compatibility/2006" xmlns:p14="http://schemas.microsoft.com/office/powerpoint/2010/main">
+    <mc:Choice Requires="p14">
       <p:transition spd="med" p14:dur="700">
         <p:fade/>
       </p:transition>
     </mc:Choice>
-    <mc:Fallback>
+    <mc:Fallback xmlns="">
       <p:transition spd="med">
         <p:fade/>
       </p:transition>
